--- a/slides/第8讲.pptx
+++ b/slides/第8讲.pptx
@@ -5,7 +5,7 @@
     <p:sldMasterId id="2147483664" r:id="rId1"/>
   </p:sldMasterIdLst>
   <p:notesMasterIdLst>
-    <p:notesMasterId r:id="rId32"/>
+    <p:notesMasterId r:id="rId39"/>
   </p:notesMasterIdLst>
   <p:sldIdLst>
     <p:sldId id="256" r:id="rId2"/>
@@ -38,6 +38,13 @@
     <p:sldId id="391" r:id="rId29"/>
     <p:sldId id="392" r:id="rId30"/>
     <p:sldId id="393" r:id="rId31"/>
+    <p:sldId id="375" r:id="rId32"/>
+    <p:sldId id="394" r:id="rId33"/>
+    <p:sldId id="381" r:id="rId34"/>
+    <p:sldId id="378" r:id="rId35"/>
+    <p:sldId id="395" r:id="rId36"/>
+    <p:sldId id="379" r:id="rId37"/>
+    <p:sldId id="396" r:id="rId38"/>
   </p:sldIdLst>
   <p:sldSz cx="9144000" cy="6858000" type="screen4x3"/>
   <p:notesSz cx="6858000" cy="9144000"/>
@@ -226,7 +233,7 @@
           <a:p>
             <a:fld id="{0ABE4783-4ECF-42DB-B2EA-B6027647C859}" type="datetimeFigureOut">
               <a:rPr lang="zh-CN" altLang="en-US" smtClean="0"/>
-              <a:t>2019/10/31</a:t>
+              <a:t>2020/10/18</a:t>
             </a:fld>
             <a:endParaRPr lang="zh-CN" altLang="en-US"/>
           </a:p>
@@ -2332,7 +2339,7 @@
           <a:p>
             <a:fld id="{59493D29-A96E-4F02-A4FF-00609BBA5A4F}" type="datetimeFigureOut">
               <a:rPr lang="zh-CN" altLang="en-US" smtClean="0"/>
-              <a:t>2019/10/31</a:t>
+              <a:t>2020/10/18</a:t>
             </a:fld>
             <a:endParaRPr lang="zh-CN" altLang="en-US"/>
           </a:p>
@@ -2778,7 +2785,7 @@
           <a:p>
             <a:r>
               <a:rPr lang="en-US" altLang="zh-CN" dirty="0" smtClean="0"/>
-              <a:t>2019</a:t>
+              <a:t>2020</a:t>
             </a:r>
             <a:r>
               <a:rPr lang="zh-CN" altLang="en-US" dirty="0" smtClean="0"/>
@@ -2793,11 +2800,11 @@
               <a:t>月</a:t>
             </a:r>
             <a:r>
-              <a:rPr lang="en-US" altLang="zh-CN" dirty="0" smtClean="0"/>
-              <a:t>31</a:t>
+              <a:rPr lang="en-US" altLang="zh-CN" smtClean="0"/>
+              <a:t>29</a:t>
             </a:r>
             <a:r>
-              <a:rPr lang="zh-CN" altLang="en-US" dirty="0" smtClean="0"/>
+              <a:rPr lang="zh-CN" altLang="en-US" smtClean="0"/>
               <a:t>日</a:t>
             </a:r>
             <a:endParaRPr lang="zh-CN" altLang="en-US" dirty="0"/>
@@ -23784,6 +23791,7636 @@
 </p:sld>
 </file>
 
+<file path=ppt/slides/slide31.xml><?xml version="1.0" encoding="utf-8"?>
+<p:sld xmlns:a="http://schemas.openxmlformats.org/drawingml/2006/main" xmlns:r="http://schemas.openxmlformats.org/officeDocument/2006/relationships" xmlns:p="http://schemas.openxmlformats.org/presentationml/2006/main">
+  <p:cSld>
+    <p:spTree>
+      <p:nvGrpSpPr>
+        <p:cNvPr id="1" name=""/>
+        <p:cNvGrpSpPr/>
+        <p:nvPr/>
+      </p:nvGrpSpPr>
+      <p:grpSpPr>
+        <a:xfrm>
+          <a:off x="0" y="0"/>
+          <a:ext cx="0" cy="0"/>
+          <a:chOff x="0" y="0"/>
+          <a:chExt cx="0" cy="0"/>
+        </a:xfrm>
+      </p:grpSpPr>
+      <p:sp>
+        <p:nvSpPr>
+          <p:cNvPr id="4" name="文本占位符 3"/>
+          <p:cNvSpPr>
+            <a:spLocks noGrp="1"/>
+          </p:cNvSpPr>
+          <p:nvPr>
+            <p:ph type="body" sz="quarter" idx="10"/>
+          </p:nvPr>
+        </p:nvSpPr>
+        <p:spPr/>
+        <p:txBody>
+          <a:bodyPr/>
+          <a:lstStyle/>
+          <a:p>
+            <a:r>
+              <a:rPr lang="zh-CN" altLang="en-US" dirty="0" smtClean="0"/>
+              <a:t>进化算法</a:t>
+            </a:r>
+            <a:endParaRPr lang="zh-CN" altLang="en-US" dirty="0"/>
+          </a:p>
+        </p:txBody>
+      </p:sp>
+      <p:sp>
+        <p:nvSpPr>
+          <p:cNvPr id="5" name="文本占位符 4"/>
+          <p:cNvSpPr>
+            <a:spLocks noGrp="1"/>
+          </p:cNvSpPr>
+          <p:nvPr>
+            <p:ph type="body" sz="quarter" idx="11"/>
+          </p:nvPr>
+        </p:nvSpPr>
+        <p:spPr/>
+        <p:txBody>
+          <a:bodyPr/>
+          <a:lstStyle/>
+          <a:p>
+            <a:r>
+              <a:rPr lang="en-US" altLang="zh-CN" dirty="0" smtClean="0"/>
+              <a:t>3</a:t>
+            </a:r>
+            <a:endParaRPr lang="zh-CN" altLang="en-US" dirty="0"/>
+          </a:p>
+        </p:txBody>
+      </p:sp>
+    </p:spTree>
+    <p:extLst>
+      <p:ext uri="{BB962C8B-B14F-4D97-AF65-F5344CB8AC3E}">
+        <p14:creationId xmlns:p14="http://schemas.microsoft.com/office/powerpoint/2010/main" val="1552226326"/>
+      </p:ext>
+    </p:extLst>
+  </p:cSld>
+  <p:clrMapOvr>
+    <a:masterClrMapping/>
+  </p:clrMapOvr>
+  <p:timing>
+    <p:tnLst>
+      <p:par>
+        <p:cTn id="1" dur="indefinite" restart="never" nodeType="tmRoot"/>
+      </p:par>
+    </p:tnLst>
+  </p:timing>
+</p:sld>
+</file>
+
+<file path=ppt/slides/slide32.xml><?xml version="1.0" encoding="utf-8"?>
+<p:sld xmlns:a="http://schemas.openxmlformats.org/drawingml/2006/main" xmlns:r="http://schemas.openxmlformats.org/officeDocument/2006/relationships" xmlns:p="http://schemas.openxmlformats.org/presentationml/2006/main">
+  <p:cSld>
+    <p:spTree>
+      <p:nvGrpSpPr>
+        <p:cNvPr id="1" name=""/>
+        <p:cNvGrpSpPr/>
+        <p:nvPr/>
+      </p:nvGrpSpPr>
+      <p:grpSpPr>
+        <a:xfrm>
+          <a:off x="0" y="0"/>
+          <a:ext cx="0" cy="0"/>
+          <a:chOff x="0" y="0"/>
+          <a:chExt cx="0" cy="0"/>
+        </a:xfrm>
+      </p:grpSpPr>
+      <p:sp>
+        <p:nvSpPr>
+          <p:cNvPr id="2" name="文本占位符 1"/>
+          <p:cNvSpPr>
+            <a:spLocks noGrp="1"/>
+          </p:cNvSpPr>
+          <p:nvPr>
+            <p:ph type="body" sz="quarter" idx="10"/>
+          </p:nvPr>
+        </p:nvSpPr>
+        <p:spPr/>
+        <p:txBody>
+          <a:bodyPr lIns="0" rIns="0"/>
+          <a:lstStyle/>
+          <a:p>
+            <a:r>
+              <a:rPr lang="en-US" altLang="zh-CN" dirty="0" smtClean="0"/>
+              <a:t>GA</a:t>
+            </a:r>
+            <a:r>
+              <a:rPr lang="zh-CN" altLang="en-US" dirty="0" smtClean="0"/>
+              <a:t>的思想</a:t>
+            </a:r>
+            <a:endParaRPr lang="zh-CN" altLang="en-US" dirty="0"/>
+          </a:p>
+        </p:txBody>
+      </p:sp>
+      <mc:AlternateContent xmlns:mc="http://schemas.openxmlformats.org/markup-compatibility/2006" xmlns:a14="http://schemas.microsoft.com/office/drawing/2010/main">
+        <mc:Choice Requires="a14">
+          <p:sp>
+            <p:nvSpPr>
+              <p:cNvPr id="3" name="文本占位符 2"/>
+              <p:cNvSpPr>
+                <a:spLocks noGrp="1"/>
+              </p:cNvSpPr>
+              <p:nvPr>
+                <p:ph type="body" sz="quarter" idx="11"/>
+              </p:nvPr>
+            </p:nvSpPr>
+            <p:spPr>
+              <a:xfrm>
+                <a:off x="2137483" y="355599"/>
+                <a:ext cx="6835067" cy="6417733"/>
+              </a:xfrm>
+            </p:spPr>
+            <p:txBody>
+              <a:bodyPr>
+                <a:normAutofit fontScale="92500" lnSpcReduction="10000"/>
+              </a:bodyPr>
+              <a:lstStyle/>
+              <a:p>
+                <a:pPr>
+                  <a:lnSpc>
+                    <a:spcPct val="110000"/>
+                  </a:lnSpc>
+                </a:pPr>
+                <a:r>
+                  <a:rPr lang="zh-CN" altLang="en-US" dirty="0">
+                    <a:latin typeface="Cambria Math" panose="02040503050406030204" pitchFamily="18" charset="0"/>
+                  </a:rPr>
+                  <a:t>遗传</a:t>
+                </a:r>
+                <a:r>
+                  <a:rPr lang="zh-CN" altLang="en-US" dirty="0" smtClean="0">
+                    <a:latin typeface="Cambria Math" panose="02040503050406030204" pitchFamily="18" charset="0"/>
+                  </a:rPr>
+                  <a:t>算法</a:t>
+                </a:r>
+                <a:r>
+                  <a:rPr lang="zh-CN" altLang="en-US" sz="2600" dirty="0" smtClean="0">
+                    <a:latin typeface="Cambria Math" panose="02040503050406030204" pitchFamily="18" charset="0"/>
+                  </a:rPr>
+                  <a:t>模拟生物的进化过程：产生一个初始种群（由许多解组成），利用种群繁殖产生新的子代，并用子代中较好的解替代原种群中较差的解；重复以上步骤来不断进化种群</a:t>
+                </a:r>
+                <a:endParaRPr lang="en-US" altLang="zh-CN" sz="2600" dirty="0" smtClean="0">
+                  <a:latin typeface="Cambria Math" panose="02040503050406030204" pitchFamily="18" charset="0"/>
+                </a:endParaRPr>
+              </a:p>
+              <a:p>
+                <a:pPr>
+                  <a:lnSpc>
+                    <a:spcPct val="110000"/>
+                  </a:lnSpc>
+                </a:pPr>
+                <a:endParaRPr lang="en-US" altLang="zh-CN" sz="2600" dirty="0">
+                  <a:latin typeface="Cambria Math" panose="02040503050406030204" pitchFamily="18" charset="0"/>
+                </a:endParaRPr>
+              </a:p>
+              <a:p>
+                <a:pPr>
+                  <a:lnSpc>
+                    <a:spcPct val="110000"/>
+                  </a:lnSpc>
+                </a:pPr>
+                <a:endParaRPr lang="en-US" altLang="zh-CN" sz="2600" dirty="0" smtClean="0">
+                  <a:latin typeface="Cambria Math" panose="02040503050406030204" pitchFamily="18" charset="0"/>
+                </a:endParaRPr>
+              </a:p>
+              <a:p>
+                <a:pPr>
+                  <a:lnSpc>
+                    <a:spcPct val="110000"/>
+                  </a:lnSpc>
+                </a:pPr>
+                <a:endParaRPr lang="en-US" altLang="zh-CN" sz="2600" dirty="0">
+                  <a:latin typeface="Cambria Math" panose="02040503050406030204" pitchFamily="18" charset="0"/>
+                </a:endParaRPr>
+              </a:p>
+              <a:p>
+                <a:pPr>
+                  <a:lnSpc>
+                    <a:spcPct val="110000"/>
+                  </a:lnSpc>
+                </a:pPr>
+                <a:endParaRPr lang="en-US" altLang="zh-CN" sz="2600" dirty="0" smtClean="0">
+                  <a:latin typeface="Cambria Math" panose="02040503050406030204" pitchFamily="18" charset="0"/>
+                </a:endParaRPr>
+              </a:p>
+              <a:p>
+                <a:pPr>
+                  <a:lnSpc>
+                    <a:spcPct val="110000"/>
+                  </a:lnSpc>
+                </a:pPr>
+                <a:endParaRPr lang="en-US" altLang="zh-CN" sz="2600" dirty="0">
+                  <a:latin typeface="Cambria Math" panose="02040503050406030204" pitchFamily="18" charset="0"/>
+                </a:endParaRPr>
+              </a:p>
+              <a:p>
+                <a:pPr>
+                  <a:lnSpc>
+                    <a:spcPct val="110000"/>
+                  </a:lnSpc>
+                </a:pPr>
+                <a:endParaRPr lang="en-US" altLang="zh-CN" sz="2600" dirty="0" smtClean="0">
+                  <a:latin typeface="Cambria Math" panose="02040503050406030204" pitchFamily="18" charset="0"/>
+                </a:endParaRPr>
+              </a:p>
+              <a:p>
+                <a:pPr>
+                  <a:lnSpc>
+                    <a:spcPct val="110000"/>
+                  </a:lnSpc>
+                </a:pPr>
+                <a:endParaRPr lang="en-US" altLang="zh-CN" sz="2600" dirty="0">
+                  <a:latin typeface="Cambria Math" panose="02040503050406030204" pitchFamily="18" charset="0"/>
+                </a:endParaRPr>
+              </a:p>
+              <a:p>
+                <a:pPr>
+                  <a:lnSpc>
+                    <a:spcPct val="110000"/>
+                  </a:lnSpc>
+                </a:pPr>
+                <a:endParaRPr lang="en-US" altLang="zh-CN" sz="2600" dirty="0" smtClean="0">
+                  <a:latin typeface="Cambria Math" panose="02040503050406030204" pitchFamily="18" charset="0"/>
+                </a:endParaRPr>
+              </a:p>
+              <a:p>
+                <a:pPr>
+                  <a:lnSpc>
+                    <a:spcPct val="110000"/>
+                  </a:lnSpc>
+                </a:pPr>
+                <a:r>
+                  <a:rPr lang="zh-CN" altLang="en-US" sz="2600" dirty="0">
+                    <a:latin typeface="Cambria Math" panose="02040503050406030204" pitchFamily="18" charset="0"/>
+                  </a:rPr>
+                  <a:t>遗传算法仅需知道每个解</a:t>
+                </a:r>
+                <a14:m>
+                  <m:oMath xmlns:m="http://schemas.openxmlformats.org/officeDocument/2006/math">
+                    <m:r>
+                      <a:rPr lang="en-US" altLang="zh-CN" sz="2600" dirty="0">
+                        <a:latin typeface="Cambria Math" panose="02040503050406030204" pitchFamily="18" charset="0"/>
+                      </a:rPr>
+                      <m:t> </m:t>
+                    </m:r>
+                    <m:r>
+                      <a:rPr lang="zh-CN" altLang="en-US" sz="2600" b="1" dirty="0">
+                        <a:latin typeface="Cambria Math" panose="02040503050406030204" pitchFamily="18" charset="0"/>
+                      </a:rPr>
+                      <m:t>𝐱</m:t>
+                    </m:r>
+                    <m:r>
+                      <a:rPr lang="en-US" altLang="zh-CN" sz="2600" b="1" dirty="0">
+                        <a:latin typeface="Cambria Math" panose="02040503050406030204" pitchFamily="18" charset="0"/>
+                      </a:rPr>
+                      <m:t> </m:t>
+                    </m:r>
+                  </m:oMath>
+                </a14:m>
+                <a:r>
+                  <a:rPr lang="zh-CN" altLang="en-US" sz="2600" dirty="0">
+                    <a:latin typeface="Cambria Math" panose="02040503050406030204" pitchFamily="18" charset="0"/>
+                  </a:rPr>
+                  <a:t>对应的</a:t>
+                </a:r>
+                <a14:m>
+                  <m:oMath xmlns:m="http://schemas.openxmlformats.org/officeDocument/2006/math">
+                    <m:r>
+                      <a:rPr lang="en-US" altLang="zh-CN" sz="2600" dirty="0">
+                        <a:latin typeface="Cambria Math" panose="02040503050406030204" pitchFamily="18" charset="0"/>
+                      </a:rPr>
+                      <m:t> </m:t>
+                    </m:r>
+                    <m:r>
+                      <a:rPr lang="zh-CN" altLang="en-US" sz="2600" i="1" dirty="0">
+                        <a:latin typeface="Cambria Math" panose="02040503050406030204" pitchFamily="18" charset="0"/>
+                      </a:rPr>
+                      <m:t>𝑓</m:t>
+                    </m:r>
+                    <m:d>
+                      <m:dPr>
+                        <m:ctrlPr>
+                          <a:rPr lang="en-US" altLang="zh-CN" sz="2600" i="1" dirty="0">
+                            <a:latin typeface="Cambria Math" panose="02040503050406030204" pitchFamily="18" charset="0"/>
+                          </a:rPr>
+                        </m:ctrlPr>
+                      </m:dPr>
+                      <m:e>
+                        <m:r>
+                          <a:rPr lang="zh-CN" altLang="en-US" sz="2600" b="1" dirty="0">
+                            <a:latin typeface="Cambria Math" panose="02040503050406030204" pitchFamily="18" charset="0"/>
+                          </a:rPr>
+                          <m:t>𝐱</m:t>
+                        </m:r>
+                      </m:e>
+                    </m:d>
+                    <m:r>
+                      <a:rPr lang="en-US" altLang="zh-CN" sz="2600" b="1" i="1" dirty="0">
+                        <a:latin typeface="Cambria Math" panose="02040503050406030204" pitchFamily="18" charset="0"/>
+                      </a:rPr>
+                      <m:t> </m:t>
+                    </m:r>
+                  </m:oMath>
+                </a14:m>
+                <a:r>
+                  <a:rPr lang="zh-CN" altLang="en-US" sz="2600" dirty="0"/>
+                  <a:t>的值，而无需知道</a:t>
+                </a:r>
+                <a14:m>
+                  <m:oMath xmlns:m="http://schemas.openxmlformats.org/officeDocument/2006/math">
+                    <m:r>
+                      <a:rPr lang="en-US" altLang="zh-CN" sz="2600" dirty="0">
+                        <a:latin typeface="Cambria Math" panose="02040503050406030204" pitchFamily="18" charset="0"/>
+                      </a:rPr>
+                      <m:t> </m:t>
+                    </m:r>
+                    <m:r>
+                      <a:rPr lang="zh-CN" altLang="en-US" sz="2600" i="1" dirty="0">
+                        <a:latin typeface="Cambria Math" panose="02040503050406030204" pitchFamily="18" charset="0"/>
+                      </a:rPr>
+                      <m:t>𝑓</m:t>
+                    </m:r>
+                    <m:d>
+                      <m:dPr>
+                        <m:ctrlPr>
+                          <a:rPr lang="en-US" altLang="zh-CN" sz="2600" i="1" dirty="0">
+                            <a:latin typeface="Cambria Math" panose="02040503050406030204" pitchFamily="18" charset="0"/>
+                          </a:rPr>
+                        </m:ctrlPr>
+                      </m:dPr>
+                      <m:e>
+                        <m:r>
+                          <a:rPr lang="zh-CN" altLang="en-US" sz="2600" b="1" dirty="0">
+                            <a:latin typeface="Cambria Math" panose="02040503050406030204" pitchFamily="18" charset="0"/>
+                          </a:rPr>
+                          <m:t>𝐱</m:t>
+                        </m:r>
+                      </m:e>
+                    </m:d>
+                    <m:r>
+                      <a:rPr lang="en-US" altLang="zh-CN" sz="2600" b="1" i="1" dirty="0">
+                        <a:latin typeface="Cambria Math" panose="02040503050406030204" pitchFamily="18" charset="0"/>
+                      </a:rPr>
+                      <m:t> </m:t>
+                    </m:r>
+                  </m:oMath>
+                </a14:m>
+                <a:r>
+                  <a:rPr lang="zh-CN" altLang="en-US" sz="2600" dirty="0"/>
+                  <a:t>的具体</a:t>
+                </a:r>
+                <a:r>
+                  <a:rPr lang="zh-CN" altLang="en-US" sz="2600" dirty="0" smtClean="0"/>
+                  <a:t>形式</a:t>
+                </a:r>
+                <a:endParaRPr lang="zh-CN" altLang="en-US" sz="2600" dirty="0"/>
+              </a:p>
+            </p:txBody>
+          </p:sp>
+        </mc:Choice>
+        <mc:Fallback xmlns="">
+          <p:sp>
+            <p:nvSpPr>
+              <p:cNvPr id="3" name="文本占位符 2"/>
+              <p:cNvSpPr>
+                <a:spLocks noGrp="1" noRot="1" noChangeAspect="1" noMove="1" noResize="1" noEditPoints="1" noAdjustHandles="1" noChangeArrowheads="1" noChangeShapeType="1" noTextEdit="1"/>
+              </p:cNvSpPr>
+              <p:nvPr>
+                <p:ph type="body" sz="quarter" idx="11"/>
+              </p:nvPr>
+            </p:nvSpPr>
+            <p:spPr>
+              <a:xfrm>
+                <a:off x="2137483" y="355599"/>
+                <a:ext cx="6835067" cy="6417733"/>
+              </a:xfrm>
+              <a:blipFill rotWithShape="0">
+                <a:blip r:embed="rId2"/>
+                <a:stretch>
+                  <a:fillRect l="-1249" t="-760" r="-5798" b="-855"/>
+                </a:stretch>
+              </a:blipFill>
+            </p:spPr>
+            <p:txBody>
+              <a:bodyPr/>
+              <a:lstStyle/>
+              <a:p>
+                <a:r>
+                  <a:rPr lang="zh-CN" altLang="en-US">
+                    <a:noFill/>
+                  </a:rPr>
+                  <a:t> </a:t>
+                </a:r>
+              </a:p>
+            </p:txBody>
+          </p:sp>
+        </mc:Fallback>
+      </mc:AlternateContent>
+      <p:pic>
+        <p:nvPicPr>
+          <p:cNvPr id="4" name="图片 3"/>
+          <p:cNvPicPr>
+            <a:picLocks noChangeAspect="1"/>
+          </p:cNvPicPr>
+          <p:nvPr/>
+        </p:nvPicPr>
+        <p:blipFill>
+          <a:blip r:embed="rId3"/>
+          <a:stretch>
+            <a:fillRect/>
+          </a:stretch>
+        </p:blipFill>
+        <p:spPr>
+          <a:xfrm>
+            <a:off x="2215077" y="2047844"/>
+            <a:ext cx="6457979" cy="3642846"/>
+          </a:xfrm>
+          <a:prstGeom prst="rect">
+            <a:avLst/>
+          </a:prstGeom>
+        </p:spPr>
+      </p:pic>
+    </p:spTree>
+    <p:extLst>
+      <p:ext uri="{BB962C8B-B14F-4D97-AF65-F5344CB8AC3E}">
+        <p14:creationId xmlns:p14="http://schemas.microsoft.com/office/powerpoint/2010/main" val="3418380196"/>
+      </p:ext>
+    </p:extLst>
+  </p:cSld>
+  <p:clrMapOvr>
+    <a:masterClrMapping/>
+  </p:clrMapOvr>
+  <p:timing>
+    <p:tnLst>
+      <p:par>
+        <p:cTn id="1" dur="indefinite" restart="never" nodeType="tmRoot"/>
+      </p:par>
+    </p:tnLst>
+  </p:timing>
+</p:sld>
+</file>
+
+<file path=ppt/slides/slide33.xml><?xml version="1.0" encoding="utf-8"?>
+<p:sld xmlns:a="http://schemas.openxmlformats.org/drawingml/2006/main" xmlns:r="http://schemas.openxmlformats.org/officeDocument/2006/relationships" xmlns:p="http://schemas.openxmlformats.org/presentationml/2006/main">
+  <p:cSld>
+    <p:spTree>
+      <p:nvGrpSpPr>
+        <p:cNvPr id="1" name=""/>
+        <p:cNvGrpSpPr/>
+        <p:nvPr/>
+      </p:nvGrpSpPr>
+      <p:grpSpPr>
+        <a:xfrm>
+          <a:off x="0" y="0"/>
+          <a:ext cx="0" cy="0"/>
+          <a:chOff x="0" y="0"/>
+          <a:chExt cx="0" cy="0"/>
+        </a:xfrm>
+      </p:grpSpPr>
+      <p:sp>
+        <p:nvSpPr>
+          <p:cNvPr id="4" name="文本占位符 3"/>
+          <p:cNvSpPr>
+            <a:spLocks noGrp="1"/>
+          </p:cNvSpPr>
+          <p:nvPr>
+            <p:ph type="body" sz="quarter" idx="10"/>
+          </p:nvPr>
+        </p:nvSpPr>
+        <p:spPr/>
+        <p:txBody>
+          <a:bodyPr lIns="0" rIns="0"/>
+          <a:lstStyle/>
+          <a:p>
+            <a:r>
+              <a:rPr lang="en-US" altLang="zh-CN" dirty="0" smtClean="0"/>
+              <a:t>GA</a:t>
+            </a:r>
+            <a:r>
+              <a:rPr lang="zh-CN" altLang="en-US" dirty="0" smtClean="0"/>
+              <a:t>的流程</a:t>
+            </a:r>
+            <a:endParaRPr lang="zh-CN" altLang="en-US" dirty="0"/>
+          </a:p>
+        </p:txBody>
+      </p:sp>
+      <mc:AlternateContent xmlns:mc="http://schemas.openxmlformats.org/markup-compatibility/2006" xmlns:a14="http://schemas.microsoft.com/office/drawing/2010/main">
+        <mc:Choice Requires="a14">
+          <p:sp>
+            <p:nvSpPr>
+              <p:cNvPr id="6" name="矩形 5"/>
+              <p:cNvSpPr/>
+              <p:nvPr/>
+            </p:nvSpPr>
+            <p:spPr>
+              <a:xfrm>
+                <a:off x="4130263" y="1001713"/>
+                <a:ext cx="2199627" cy="783784"/>
+              </a:xfrm>
+              <a:prstGeom prst="rect">
+                <a:avLst/>
+              </a:prstGeom>
+              <a:solidFill>
+                <a:srgbClr val="2F5597"/>
+              </a:solidFill>
+              <a:ln>
+                <a:noFill/>
+              </a:ln>
+            </p:spPr>
+            <p:style>
+              <a:lnRef idx="2">
+                <a:schemeClr val="accent1">
+                  <a:shade val="50000"/>
+                </a:schemeClr>
+              </a:lnRef>
+              <a:fillRef idx="1">
+                <a:schemeClr val="accent1"/>
+              </a:fillRef>
+              <a:effectRef idx="0">
+                <a:schemeClr val="accent1"/>
+              </a:effectRef>
+              <a:fontRef idx="minor">
+                <a:schemeClr val="lt1"/>
+              </a:fontRef>
+            </p:style>
+            <p:txBody>
+              <a:bodyPr rtlCol="0" anchor="ctr"/>
+              <a:lstStyle/>
+              <a:p>
+                <a:pPr algn="just"/>
+                <a:r>
+                  <a:rPr lang="zh-CN" altLang="en-US" sz="2000" spc="200" dirty="0" smtClean="0">
+                    <a:latin typeface="幼圆" panose="02010509060101010101" pitchFamily="49" charset="-122"/>
+                    <a:ea typeface="幼圆" panose="02010509060101010101" pitchFamily="49" charset="-122"/>
+                  </a:rPr>
+                  <a:t>随机产生</a:t>
+                </a:r>
+                <a14:m>
+                  <m:oMath xmlns:m="http://schemas.openxmlformats.org/officeDocument/2006/math">
+                    <m:r>
+                      <a:rPr lang="en-US" altLang="zh-CN" sz="2000" b="0" i="0" spc="200" smtClean="0">
+                        <a:latin typeface="Cambria Math" panose="02040503050406030204" pitchFamily="18" charset="0"/>
+                        <a:ea typeface="幼圆" panose="02010509060101010101" pitchFamily="49" charset="-122"/>
+                      </a:rPr>
+                      <m:t> </m:t>
+                    </m:r>
+                    <m:r>
+                      <a:rPr lang="en-US" altLang="zh-CN" sz="2000" b="0" i="1" spc="200" smtClean="0">
+                        <a:latin typeface="Cambria Math" panose="02040503050406030204" pitchFamily="18" charset="0"/>
+                        <a:ea typeface="幼圆" panose="02010509060101010101" pitchFamily="49" charset="-122"/>
+                      </a:rPr>
+                      <m:t>𝑁</m:t>
+                    </m:r>
+                    <m:r>
+                      <a:rPr lang="en-US" altLang="zh-CN" sz="2000" b="0" i="1" spc="200" smtClean="0">
+                        <a:latin typeface="Cambria Math" panose="02040503050406030204" pitchFamily="18" charset="0"/>
+                        <a:ea typeface="幼圆" panose="02010509060101010101" pitchFamily="49" charset="-122"/>
+                      </a:rPr>
+                      <m:t> </m:t>
+                    </m:r>
+                  </m:oMath>
+                </a14:m>
+                <a:r>
+                  <a:rPr lang="zh-CN" altLang="en-US" sz="2000" spc="200" dirty="0" smtClean="0">
+                    <a:latin typeface="幼圆" panose="02010509060101010101" pitchFamily="49" charset="-122"/>
+                    <a:ea typeface="幼圆" panose="02010509060101010101" pitchFamily="49" charset="-122"/>
+                  </a:rPr>
+                  <a:t>个解，构成种群</a:t>
+                </a:r>
+                <a14:m>
+                  <m:oMath xmlns:m="http://schemas.openxmlformats.org/officeDocument/2006/math">
+                    <m:r>
+                      <a:rPr lang="en-US" altLang="zh-CN" sz="2000" b="0" i="0" spc="200" smtClean="0">
+                        <a:latin typeface="Cambria Math" panose="02040503050406030204" pitchFamily="18" charset="0"/>
+                        <a:ea typeface="幼圆" panose="02010509060101010101" pitchFamily="49" charset="-122"/>
+                      </a:rPr>
+                      <m:t> </m:t>
+                    </m:r>
+                    <m:r>
+                      <a:rPr lang="en-US" altLang="zh-CN" sz="2000" b="0" i="1" spc="200" smtClean="0">
+                        <a:latin typeface="Cambria Math" panose="02040503050406030204" pitchFamily="18" charset="0"/>
+                        <a:ea typeface="幼圆" panose="02010509060101010101" pitchFamily="49" charset="-122"/>
+                      </a:rPr>
+                      <m:t>𝑃</m:t>
+                    </m:r>
+                  </m:oMath>
+                </a14:m>
+                <a:endParaRPr lang="zh-CN" altLang="en-US" sz="2000" spc="200" dirty="0">
+                  <a:latin typeface="幼圆" panose="02010509060101010101" pitchFamily="49" charset="-122"/>
+                  <a:ea typeface="幼圆" panose="02010509060101010101" pitchFamily="49" charset="-122"/>
+                </a:endParaRPr>
+              </a:p>
+            </p:txBody>
+          </p:sp>
+        </mc:Choice>
+        <mc:Fallback xmlns="">
+          <p:sp>
+            <p:nvSpPr>
+              <p:cNvPr id="6" name="矩形 5"/>
+              <p:cNvSpPr>
+                <a:spLocks noRot="1" noChangeAspect="1" noMove="1" noResize="1" noEditPoints="1" noAdjustHandles="1" noChangeArrowheads="1" noChangeShapeType="1" noTextEdit="1"/>
+              </p:cNvSpPr>
+              <p:nvPr/>
+            </p:nvSpPr>
+            <p:spPr>
+              <a:xfrm>
+                <a:off x="4130263" y="1001713"/>
+                <a:ext cx="2199627" cy="783784"/>
+              </a:xfrm>
+              <a:prstGeom prst="rect">
+                <a:avLst/>
+              </a:prstGeom>
+              <a:blipFill rotWithShape="0">
+                <a:blip r:embed="rId2"/>
+                <a:stretch>
+                  <a:fillRect l="-3056" r="-3056" b="-6977"/>
+                </a:stretch>
+              </a:blipFill>
+              <a:ln>
+                <a:noFill/>
+              </a:ln>
+            </p:spPr>
+            <p:txBody>
+              <a:bodyPr/>
+              <a:lstStyle/>
+              <a:p>
+                <a:r>
+                  <a:rPr lang="zh-CN" altLang="en-US">
+                    <a:noFill/>
+                  </a:rPr>
+                  <a:t> </a:t>
+                </a:r>
+              </a:p>
+            </p:txBody>
+          </p:sp>
+        </mc:Fallback>
+      </mc:AlternateContent>
+      <p:cxnSp>
+        <p:nvCxnSpPr>
+          <p:cNvPr id="13" name="肘形连接符 12"/>
+          <p:cNvCxnSpPr>
+            <a:stCxn id="6" idx="2"/>
+            <a:endCxn id="14" idx="0"/>
+          </p:cNvCxnSpPr>
+          <p:nvPr/>
+        </p:nvCxnSpPr>
+        <p:spPr>
+          <a:xfrm rot="5400000">
+            <a:off x="4784938" y="2230636"/>
+            <a:ext cx="890278" cy="1"/>
+          </a:xfrm>
+          <a:prstGeom prst="bentConnector3">
+            <a:avLst>
+              <a:gd name="adj1" fmla="val 50000"/>
+            </a:avLst>
+          </a:prstGeom>
+          <a:ln w="19050">
+            <a:solidFill>
+              <a:srgbClr val="2F5597"/>
+            </a:solidFill>
+            <a:tailEnd type="triangle" w="lg" len="lg"/>
+          </a:ln>
+        </p:spPr>
+        <p:style>
+          <a:lnRef idx="1">
+            <a:schemeClr val="accent1"/>
+          </a:lnRef>
+          <a:fillRef idx="0">
+            <a:schemeClr val="accent1"/>
+          </a:fillRef>
+          <a:effectRef idx="0">
+            <a:schemeClr val="accent1"/>
+          </a:effectRef>
+          <a:fontRef idx="minor">
+            <a:schemeClr val="tx1"/>
+          </a:fontRef>
+        </p:style>
+      </p:cxnSp>
+      <mc:AlternateContent xmlns:mc="http://schemas.openxmlformats.org/markup-compatibility/2006" xmlns:a14="http://schemas.microsoft.com/office/drawing/2010/main">
+        <mc:Choice Requires="a14">
+          <p:sp>
+            <p:nvSpPr>
+              <p:cNvPr id="14" name="矩形 13"/>
+              <p:cNvSpPr/>
+              <p:nvPr/>
+            </p:nvSpPr>
+            <p:spPr>
+              <a:xfrm>
+                <a:off x="3969712" y="2675775"/>
+                <a:ext cx="2520728" cy="1145118"/>
+              </a:xfrm>
+              <a:prstGeom prst="rect">
+                <a:avLst/>
+              </a:prstGeom>
+              <a:solidFill>
+                <a:srgbClr val="2F5597"/>
+              </a:solidFill>
+              <a:ln>
+                <a:noFill/>
+              </a:ln>
+            </p:spPr>
+            <p:style>
+              <a:lnRef idx="2">
+                <a:schemeClr val="accent1">
+                  <a:shade val="50000"/>
+                </a:schemeClr>
+              </a:lnRef>
+              <a:fillRef idx="1">
+                <a:schemeClr val="accent1"/>
+              </a:fillRef>
+              <a:effectRef idx="0">
+                <a:schemeClr val="accent1"/>
+              </a:effectRef>
+              <a:fontRef idx="minor">
+                <a:schemeClr val="lt1"/>
+              </a:fontRef>
+            </p:style>
+            <p:txBody>
+              <a:bodyPr rtlCol="0" anchor="ctr"/>
+              <a:lstStyle/>
+              <a:p>
+                <a:pPr algn="just"/>
+                <a:r>
+                  <a:rPr lang="zh-CN" altLang="en-US" sz="2000" spc="200" dirty="0" smtClean="0">
+                    <a:latin typeface="幼圆" panose="02010509060101010101" pitchFamily="49" charset="-122"/>
+                    <a:ea typeface="幼圆" panose="02010509060101010101" pitchFamily="49" charset="-122"/>
+                  </a:rPr>
+                  <a:t>对种群</a:t>
+                </a:r>
+                <a14:m>
+                  <m:oMath xmlns:m="http://schemas.openxmlformats.org/officeDocument/2006/math">
+                    <m:r>
+                      <a:rPr lang="en-US" altLang="zh-CN" sz="2000" b="0" i="0" spc="200" smtClean="0">
+                        <a:latin typeface="Cambria Math" panose="02040503050406030204" pitchFamily="18" charset="0"/>
+                        <a:ea typeface="幼圆" panose="02010509060101010101" pitchFamily="49" charset="-122"/>
+                      </a:rPr>
+                      <m:t> </m:t>
+                    </m:r>
+                    <m:r>
+                      <a:rPr lang="en-US" altLang="zh-CN" sz="2000" b="0" i="1" spc="200" smtClean="0">
+                        <a:latin typeface="Cambria Math" panose="02040503050406030204" pitchFamily="18" charset="0"/>
+                        <a:ea typeface="幼圆" panose="02010509060101010101" pitchFamily="49" charset="-122"/>
+                      </a:rPr>
+                      <m:t>𝑃</m:t>
+                    </m:r>
+                    <m:r>
+                      <a:rPr lang="en-US" altLang="zh-CN" sz="2000" b="0" i="1" spc="200" smtClean="0">
+                        <a:latin typeface="Cambria Math" panose="02040503050406030204" pitchFamily="18" charset="0"/>
+                        <a:ea typeface="幼圆" panose="02010509060101010101" pitchFamily="49" charset="-122"/>
+                      </a:rPr>
+                      <m:t> </m:t>
+                    </m:r>
+                  </m:oMath>
+                </a14:m>
+                <a:r>
+                  <a:rPr lang="zh-CN" altLang="en-US" sz="2000" spc="200" dirty="0" smtClean="0">
+                    <a:latin typeface="幼圆" panose="02010509060101010101" pitchFamily="49" charset="-122"/>
+                    <a:ea typeface="幼圆" panose="02010509060101010101" pitchFamily="49" charset="-122"/>
+                  </a:rPr>
+                  <a:t>中的解进行交叉和变异操作，生成子代种群</a:t>
+                </a:r>
+                <a14:m>
+                  <m:oMath xmlns:m="http://schemas.openxmlformats.org/officeDocument/2006/math">
+                    <m:r>
+                      <a:rPr lang="en-US" altLang="zh-CN" sz="2000" b="0" i="0" spc="200" smtClean="0">
+                        <a:latin typeface="Cambria Math" panose="02040503050406030204" pitchFamily="18" charset="0"/>
+                        <a:ea typeface="幼圆" panose="02010509060101010101" pitchFamily="49" charset="-122"/>
+                      </a:rPr>
+                      <m:t> </m:t>
+                    </m:r>
+                    <m:r>
+                      <a:rPr lang="en-US" altLang="zh-CN" sz="2000" b="0" i="1" spc="200" smtClean="0">
+                        <a:latin typeface="Cambria Math" panose="02040503050406030204" pitchFamily="18" charset="0"/>
+                        <a:ea typeface="幼圆" panose="02010509060101010101" pitchFamily="49" charset="-122"/>
+                      </a:rPr>
+                      <m:t>𝑄</m:t>
+                    </m:r>
+                  </m:oMath>
+                </a14:m>
+                <a:endParaRPr lang="zh-CN" altLang="en-US" sz="2000" spc="200" dirty="0">
+                  <a:latin typeface="幼圆" panose="02010509060101010101" pitchFamily="49" charset="-122"/>
+                  <a:ea typeface="幼圆" panose="02010509060101010101" pitchFamily="49" charset="-122"/>
+                </a:endParaRPr>
+              </a:p>
+            </p:txBody>
+          </p:sp>
+        </mc:Choice>
+        <mc:Fallback xmlns="">
+          <p:sp>
+            <p:nvSpPr>
+              <p:cNvPr id="14" name="矩形 13"/>
+              <p:cNvSpPr>
+                <a:spLocks noRot="1" noChangeAspect="1" noMove="1" noResize="1" noEditPoints="1" noAdjustHandles="1" noChangeArrowheads="1" noChangeShapeType="1" noTextEdit="1"/>
+              </p:cNvSpPr>
+              <p:nvPr/>
+            </p:nvSpPr>
+            <p:spPr>
+              <a:xfrm>
+                <a:off x="3969712" y="2675775"/>
+                <a:ext cx="2520728" cy="1145118"/>
+              </a:xfrm>
+              <a:prstGeom prst="rect">
+                <a:avLst/>
+              </a:prstGeom>
+              <a:blipFill rotWithShape="0">
+                <a:blip r:embed="rId3"/>
+                <a:stretch>
+                  <a:fillRect l="-2415" r="-13285" b="-2128"/>
+                </a:stretch>
+              </a:blipFill>
+              <a:ln>
+                <a:noFill/>
+              </a:ln>
+            </p:spPr>
+            <p:txBody>
+              <a:bodyPr/>
+              <a:lstStyle/>
+              <a:p>
+                <a:r>
+                  <a:rPr lang="zh-CN" altLang="en-US">
+                    <a:noFill/>
+                  </a:rPr>
+                  <a:t> </a:t>
+                </a:r>
+              </a:p>
+            </p:txBody>
+          </p:sp>
+        </mc:Fallback>
+      </mc:AlternateContent>
+      <mc:AlternateContent xmlns:mc="http://schemas.openxmlformats.org/markup-compatibility/2006" xmlns:a14="http://schemas.microsoft.com/office/drawing/2010/main">
+        <mc:Choice Requires="a14">
+          <p:sp>
+            <p:nvSpPr>
+              <p:cNvPr id="17" name="矩形 16"/>
+              <p:cNvSpPr/>
+              <p:nvPr/>
+            </p:nvSpPr>
+            <p:spPr>
+              <a:xfrm>
+                <a:off x="3970236" y="4711170"/>
+                <a:ext cx="2520728" cy="1145118"/>
+              </a:xfrm>
+              <a:prstGeom prst="rect">
+                <a:avLst/>
+              </a:prstGeom>
+              <a:solidFill>
+                <a:srgbClr val="2F5597"/>
+              </a:solidFill>
+              <a:ln>
+                <a:noFill/>
+              </a:ln>
+            </p:spPr>
+            <p:style>
+              <a:lnRef idx="2">
+                <a:schemeClr val="accent1">
+                  <a:shade val="50000"/>
+                </a:schemeClr>
+              </a:lnRef>
+              <a:fillRef idx="1">
+                <a:schemeClr val="accent1"/>
+              </a:fillRef>
+              <a:effectRef idx="0">
+                <a:schemeClr val="accent1"/>
+              </a:effectRef>
+              <a:fontRef idx="minor">
+                <a:schemeClr val="lt1"/>
+              </a:fontRef>
+            </p:style>
+            <p:txBody>
+              <a:bodyPr rtlCol="0" anchor="ctr"/>
+              <a:lstStyle/>
+              <a:p>
+                <a:pPr algn="just"/>
+                <a:r>
+                  <a:rPr lang="zh-CN" altLang="en-US" sz="2000" spc="200" dirty="0" smtClean="0">
+                    <a:latin typeface="幼圆" panose="02010509060101010101" pitchFamily="49" charset="-122"/>
+                    <a:ea typeface="幼圆" panose="02010509060101010101" pitchFamily="49" charset="-122"/>
+                  </a:rPr>
+                  <a:t>从</a:t>
+                </a:r>
+                <a14:m>
+                  <m:oMath xmlns:m="http://schemas.openxmlformats.org/officeDocument/2006/math">
+                    <m:r>
+                      <a:rPr lang="en-US" altLang="zh-CN" sz="2000" b="0" i="0" spc="200" smtClean="0">
+                        <a:latin typeface="Cambria Math" panose="02040503050406030204" pitchFamily="18" charset="0"/>
+                        <a:ea typeface="幼圆" panose="02010509060101010101" pitchFamily="49" charset="-122"/>
+                      </a:rPr>
+                      <m:t> </m:t>
+                    </m:r>
+                    <m:r>
+                      <a:rPr lang="en-US" altLang="zh-CN" sz="2000" b="0" i="1" spc="200" smtClean="0">
+                        <a:latin typeface="Cambria Math" panose="02040503050406030204" pitchFamily="18" charset="0"/>
+                        <a:ea typeface="幼圆" panose="02010509060101010101" pitchFamily="49" charset="-122"/>
+                      </a:rPr>
+                      <m:t>𝑃</m:t>
+                    </m:r>
+                    <m:r>
+                      <a:rPr lang="en-US" altLang="zh-CN" sz="2000" b="0" i="1" spc="200" smtClean="0">
+                        <a:latin typeface="Cambria Math" panose="02040503050406030204" pitchFamily="18" charset="0"/>
+                        <a:ea typeface="Cambria Math" panose="02040503050406030204" pitchFamily="18" charset="0"/>
+                      </a:rPr>
+                      <m:t>∪</m:t>
+                    </m:r>
+                    <m:r>
+                      <a:rPr lang="en-US" altLang="zh-CN" sz="2000" b="0" i="1" spc="200" smtClean="0">
+                        <a:latin typeface="Cambria Math" panose="02040503050406030204" pitchFamily="18" charset="0"/>
+                        <a:ea typeface="Cambria Math" panose="02040503050406030204" pitchFamily="18" charset="0"/>
+                      </a:rPr>
+                      <m:t>𝑄</m:t>
+                    </m:r>
+                    <m:r>
+                      <a:rPr lang="en-US" altLang="zh-CN" sz="2000" b="0" i="1" spc="200" smtClean="0">
+                        <a:latin typeface="Cambria Math" panose="02040503050406030204" pitchFamily="18" charset="0"/>
+                        <a:ea typeface="幼圆" panose="02010509060101010101" pitchFamily="49" charset="-122"/>
+                      </a:rPr>
+                      <m:t> </m:t>
+                    </m:r>
+                  </m:oMath>
+                </a14:m>
+                <a:r>
+                  <a:rPr lang="zh-CN" altLang="en-US" sz="2000" spc="200" dirty="0" smtClean="0">
+                    <a:latin typeface="幼圆" panose="02010509060101010101" pitchFamily="49" charset="-122"/>
+                    <a:ea typeface="幼圆" panose="02010509060101010101" pitchFamily="49" charset="-122"/>
+                  </a:rPr>
+                  <a:t>中选出</a:t>
+                </a:r>
+                <a14:m>
+                  <m:oMath xmlns:m="http://schemas.openxmlformats.org/officeDocument/2006/math">
+                    <m:r>
+                      <a:rPr lang="en-US" altLang="zh-CN" sz="2000" b="0" i="0" spc="200" smtClean="0">
+                        <a:latin typeface="Cambria Math" panose="02040503050406030204" pitchFamily="18" charset="0"/>
+                        <a:ea typeface="幼圆" panose="02010509060101010101" pitchFamily="49" charset="-122"/>
+                      </a:rPr>
+                      <m:t> </m:t>
+                    </m:r>
+                    <m:r>
+                      <a:rPr lang="en-US" altLang="zh-CN" sz="2000" i="1" spc="200">
+                        <a:latin typeface="Cambria Math" panose="02040503050406030204" pitchFamily="18" charset="0"/>
+                        <a:ea typeface="幼圆" panose="02010509060101010101" pitchFamily="49" charset="-122"/>
+                      </a:rPr>
+                      <m:t>𝑁</m:t>
+                    </m:r>
+                    <m:r>
+                      <a:rPr lang="en-US" altLang="zh-CN" sz="2000" b="0" i="1" spc="200" smtClean="0">
+                        <a:latin typeface="Cambria Math" panose="02040503050406030204" pitchFamily="18" charset="0"/>
+                        <a:ea typeface="幼圆" panose="02010509060101010101" pitchFamily="49" charset="-122"/>
+                      </a:rPr>
+                      <m:t> </m:t>
+                    </m:r>
+                  </m:oMath>
+                </a14:m>
+                <a:r>
+                  <a:rPr lang="zh-CN" altLang="en-US" sz="2000" spc="200" dirty="0" smtClean="0">
+                    <a:latin typeface="幼圆" panose="02010509060101010101" pitchFamily="49" charset="-122"/>
+                    <a:ea typeface="幼圆" panose="02010509060101010101" pitchFamily="49" charset="-122"/>
+                  </a:rPr>
+                  <a:t>个最好的解组成新的种群</a:t>
+                </a:r>
+                <a14:m>
+                  <m:oMath xmlns:m="http://schemas.openxmlformats.org/officeDocument/2006/math">
+                    <m:r>
+                      <a:rPr lang="en-US" altLang="zh-CN" sz="2000" b="0" i="0" spc="200" smtClean="0">
+                        <a:latin typeface="Cambria Math" panose="02040503050406030204" pitchFamily="18" charset="0"/>
+                        <a:ea typeface="幼圆" panose="02010509060101010101" pitchFamily="49" charset="-122"/>
+                      </a:rPr>
+                      <m:t> </m:t>
+                    </m:r>
+                    <m:r>
+                      <a:rPr lang="en-US" altLang="zh-CN" sz="2000" i="1" spc="200">
+                        <a:latin typeface="Cambria Math" panose="02040503050406030204" pitchFamily="18" charset="0"/>
+                        <a:ea typeface="幼圆" panose="02010509060101010101" pitchFamily="49" charset="-122"/>
+                      </a:rPr>
+                      <m:t>𝑃</m:t>
+                    </m:r>
+                  </m:oMath>
+                </a14:m>
+                <a:endParaRPr lang="zh-CN" altLang="en-US" sz="2000" spc="200" dirty="0">
+                  <a:latin typeface="幼圆" panose="02010509060101010101" pitchFamily="49" charset="-122"/>
+                  <a:ea typeface="幼圆" panose="02010509060101010101" pitchFamily="49" charset="-122"/>
+                </a:endParaRPr>
+              </a:p>
+            </p:txBody>
+          </p:sp>
+        </mc:Choice>
+        <mc:Fallback xmlns="">
+          <p:sp>
+            <p:nvSpPr>
+              <p:cNvPr id="17" name="矩形 16"/>
+              <p:cNvSpPr>
+                <a:spLocks noRot="1" noChangeAspect="1" noMove="1" noResize="1" noEditPoints="1" noAdjustHandles="1" noChangeArrowheads="1" noChangeShapeType="1" noTextEdit="1"/>
+              </p:cNvSpPr>
+              <p:nvPr/>
+            </p:nvSpPr>
+            <p:spPr>
+              <a:xfrm>
+                <a:off x="3970236" y="4711170"/>
+                <a:ext cx="2520728" cy="1145118"/>
+              </a:xfrm>
+              <a:prstGeom prst="rect">
+                <a:avLst/>
+              </a:prstGeom>
+              <a:blipFill rotWithShape="0">
+                <a:blip r:embed="rId4"/>
+                <a:stretch>
+                  <a:fillRect l="-2415" r="-2415" b="-2128"/>
+                </a:stretch>
+              </a:blipFill>
+              <a:ln>
+                <a:noFill/>
+              </a:ln>
+            </p:spPr>
+            <p:txBody>
+              <a:bodyPr/>
+              <a:lstStyle/>
+              <a:p>
+                <a:r>
+                  <a:rPr lang="zh-CN" altLang="en-US">
+                    <a:noFill/>
+                  </a:rPr>
+                  <a:t> </a:t>
+                </a:r>
+              </a:p>
+            </p:txBody>
+          </p:sp>
+        </mc:Fallback>
+      </mc:AlternateContent>
+      <p:cxnSp>
+        <p:nvCxnSpPr>
+          <p:cNvPr id="22" name="肘形连接符 21"/>
+          <p:cNvCxnSpPr>
+            <a:stCxn id="14" idx="2"/>
+            <a:endCxn id="17" idx="0"/>
+          </p:cNvCxnSpPr>
+          <p:nvPr/>
+        </p:nvCxnSpPr>
+        <p:spPr>
+          <a:xfrm rot="16200000" flipH="1">
+            <a:off x="4785200" y="4265769"/>
+            <a:ext cx="890277" cy="524"/>
+          </a:xfrm>
+          <a:prstGeom prst="bentConnector3">
+            <a:avLst>
+              <a:gd name="adj1" fmla="val 50000"/>
+            </a:avLst>
+          </a:prstGeom>
+          <a:ln w="19050">
+            <a:solidFill>
+              <a:srgbClr val="2F5597"/>
+            </a:solidFill>
+            <a:tailEnd type="triangle" w="lg" len="lg"/>
+          </a:ln>
+        </p:spPr>
+        <p:style>
+          <a:lnRef idx="1">
+            <a:schemeClr val="accent1"/>
+          </a:lnRef>
+          <a:fillRef idx="0">
+            <a:schemeClr val="accent1"/>
+          </a:fillRef>
+          <a:effectRef idx="0">
+            <a:schemeClr val="accent1"/>
+          </a:effectRef>
+          <a:fontRef idx="minor">
+            <a:schemeClr val="tx1"/>
+          </a:fontRef>
+        </p:style>
+      </p:cxnSp>
+      <p:cxnSp>
+        <p:nvCxnSpPr>
+          <p:cNvPr id="27" name="肘形连接符 26"/>
+          <p:cNvCxnSpPr>
+            <a:stCxn id="17" idx="3"/>
+            <a:endCxn id="14" idx="3"/>
+          </p:cNvCxnSpPr>
+          <p:nvPr/>
+        </p:nvCxnSpPr>
+        <p:spPr>
+          <a:xfrm flipH="1" flipV="1">
+            <a:off x="6490440" y="3248334"/>
+            <a:ext cx="524" cy="2035395"/>
+          </a:xfrm>
+          <a:prstGeom prst="bentConnector3">
+            <a:avLst>
+              <a:gd name="adj1" fmla="val -43625954"/>
+            </a:avLst>
+          </a:prstGeom>
+          <a:ln w="19050">
+            <a:solidFill>
+              <a:srgbClr val="2F5597"/>
+            </a:solidFill>
+            <a:tailEnd type="triangle" w="lg" len="lg"/>
+          </a:ln>
+        </p:spPr>
+        <p:style>
+          <a:lnRef idx="1">
+            <a:schemeClr val="accent1"/>
+          </a:lnRef>
+          <a:fillRef idx="0">
+            <a:schemeClr val="accent1"/>
+          </a:fillRef>
+          <a:effectRef idx="0">
+            <a:schemeClr val="accent1"/>
+          </a:effectRef>
+          <a:fontRef idx="minor">
+            <a:schemeClr val="tx1"/>
+          </a:fontRef>
+        </p:style>
+      </p:cxnSp>
+    </p:spTree>
+    <p:extLst>
+      <p:ext uri="{BB962C8B-B14F-4D97-AF65-F5344CB8AC3E}">
+        <p14:creationId xmlns:p14="http://schemas.microsoft.com/office/powerpoint/2010/main" val="601208598"/>
+      </p:ext>
+    </p:extLst>
+  </p:cSld>
+  <p:clrMapOvr>
+    <a:masterClrMapping/>
+  </p:clrMapOvr>
+  <p:timing>
+    <p:tnLst>
+      <p:par>
+        <p:cTn id="1" dur="indefinite" restart="never" nodeType="tmRoot"/>
+      </p:par>
+    </p:tnLst>
+  </p:timing>
+</p:sld>
+</file>
+
+<file path=ppt/slides/slide34.xml><?xml version="1.0" encoding="utf-8"?>
+<p:sld xmlns:a="http://schemas.openxmlformats.org/drawingml/2006/main" xmlns:r="http://schemas.openxmlformats.org/officeDocument/2006/relationships" xmlns:p="http://schemas.openxmlformats.org/presentationml/2006/main">
+  <p:cSld>
+    <p:spTree>
+      <p:nvGrpSpPr>
+        <p:cNvPr id="1" name=""/>
+        <p:cNvGrpSpPr/>
+        <p:nvPr/>
+      </p:nvGrpSpPr>
+      <p:grpSpPr>
+        <a:xfrm>
+          <a:off x="0" y="0"/>
+          <a:ext cx="0" cy="0"/>
+          <a:chOff x="0" y="0"/>
+          <a:chExt cx="0" cy="0"/>
+        </a:xfrm>
+      </p:grpSpPr>
+      <p:sp>
+        <p:nvSpPr>
+          <p:cNvPr id="4" name="文本占位符 3"/>
+          <p:cNvSpPr>
+            <a:spLocks noGrp="1"/>
+          </p:cNvSpPr>
+          <p:nvPr>
+            <p:ph type="body" sz="quarter" idx="10"/>
+          </p:nvPr>
+        </p:nvSpPr>
+        <p:spPr/>
+        <p:txBody>
+          <a:bodyPr/>
+          <a:lstStyle/>
+          <a:p>
+            <a:r>
+              <a:rPr lang="zh-CN" altLang="en-US" dirty="0" smtClean="0"/>
+              <a:t>交叉算子</a:t>
+            </a:r>
+            <a:endParaRPr lang="zh-CN" altLang="en-US" dirty="0"/>
+          </a:p>
+        </p:txBody>
+      </p:sp>
+      <p:sp>
+        <p:nvSpPr>
+          <p:cNvPr id="5" name="文本占位符 4"/>
+          <p:cNvSpPr>
+            <a:spLocks noGrp="1"/>
+          </p:cNvSpPr>
+          <p:nvPr>
+            <p:ph type="body" sz="quarter" idx="11"/>
+          </p:nvPr>
+        </p:nvSpPr>
+        <p:spPr>
+          <a:xfrm>
+            <a:off x="2137483" y="355600"/>
+            <a:ext cx="6835067" cy="2590800"/>
+          </a:xfrm>
+        </p:spPr>
+        <p:txBody>
+          <a:bodyPr/>
+          <a:lstStyle/>
+          <a:p>
+            <a:r>
+              <a:rPr lang="zh-CN" altLang="en-US" dirty="0" smtClean="0"/>
+              <a:t>交叉算子模拟生物的繁殖过程，利用两个父代解产生两个子代解</a:t>
+            </a:r>
+            <a:endParaRPr lang="en-US" altLang="zh-CN" dirty="0" smtClean="0"/>
+          </a:p>
+          <a:p>
+            <a:endParaRPr lang="en-US" altLang="zh-CN" dirty="0" smtClean="0"/>
+          </a:p>
+          <a:p>
+            <a:endParaRPr lang="en-US" altLang="zh-CN" dirty="0"/>
+          </a:p>
+          <a:p>
+            <a:r>
+              <a:rPr lang="zh-CN" altLang="en-US" dirty="0" smtClean="0"/>
+              <a:t>决策变量是二进制时的交叉算子：</a:t>
+            </a:r>
+            <a:endParaRPr lang="en-US" altLang="zh-CN" dirty="0" smtClean="0"/>
+          </a:p>
+        </p:txBody>
+      </p:sp>
+      <p:sp>
+        <p:nvSpPr>
+          <p:cNvPr id="6" name="文本框 5"/>
+          <p:cNvSpPr txBox="1"/>
+          <p:nvPr/>
+        </p:nvSpPr>
+        <p:spPr>
+          <a:xfrm>
+            <a:off x="5173133" y="838364"/>
+            <a:ext cx="2683934" cy="332399"/>
+          </a:xfrm>
+          <a:prstGeom prst="rect">
+            <a:avLst/>
+          </a:prstGeom>
+          <a:noFill/>
+        </p:spPr>
+        <p:txBody>
+          <a:bodyPr wrap="square" lIns="0" tIns="0" rIns="0" bIns="0" rtlCol="0">
+            <a:spAutoFit/>
+          </a:bodyPr>
+          <a:lstStyle/>
+          <a:p>
+            <a:pPr algn="ctr">
+              <a:lnSpc>
+                <a:spcPct val="120000"/>
+              </a:lnSpc>
+              <a:spcAft>
+                <a:spcPts val="1000"/>
+              </a:spcAft>
+            </a:pPr>
+            <a:r>
+              <a:rPr lang="zh-CN" altLang="en-US" dirty="0" smtClean="0">
+                <a:solidFill>
+                  <a:srgbClr val="FF0000"/>
+                </a:solidFill>
+                <a:latin typeface="幼圆" panose="02010509060101010101" pitchFamily="49" charset="-122"/>
+                <a:ea typeface="幼圆" panose="02010509060101010101" pitchFamily="49" charset="-122"/>
+              </a:rPr>
+              <a:t>好的父母生出更好的孩子</a:t>
+            </a:r>
+            <a:endParaRPr lang="en-US" altLang="zh-CN" dirty="0" smtClean="0">
+              <a:solidFill>
+                <a:srgbClr val="FF0000"/>
+              </a:solidFill>
+              <a:latin typeface="幼圆" panose="02010509060101010101" pitchFamily="49" charset="-122"/>
+              <a:ea typeface="幼圆" panose="02010509060101010101" pitchFamily="49" charset="-122"/>
+            </a:endParaRPr>
+          </a:p>
+        </p:txBody>
+      </p:sp>
+      <p:sp>
+        <p:nvSpPr>
+          <p:cNvPr id="2" name="矩形 1"/>
+          <p:cNvSpPr/>
+          <p:nvPr/>
+        </p:nvSpPr>
+        <p:spPr>
+          <a:xfrm>
+            <a:off x="2137483" y="3462865"/>
+            <a:ext cx="364066" cy="381000"/>
+          </a:xfrm>
+          <a:prstGeom prst="rect">
+            <a:avLst/>
+          </a:prstGeom>
+        </p:spPr>
+        <p:style>
+          <a:lnRef idx="2">
+            <a:schemeClr val="accent1">
+              <a:shade val="50000"/>
+            </a:schemeClr>
+          </a:lnRef>
+          <a:fillRef idx="1">
+            <a:schemeClr val="accent1"/>
+          </a:fillRef>
+          <a:effectRef idx="0">
+            <a:schemeClr val="accent1"/>
+          </a:effectRef>
+          <a:fontRef idx="minor">
+            <a:schemeClr val="lt1"/>
+          </a:fontRef>
+        </p:style>
+        <p:txBody>
+          <a:bodyPr rtlCol="0" anchor="ctr"/>
+          <a:lstStyle/>
+          <a:p>
+            <a:pPr algn="ctr"/>
+            <a:r>
+              <a:rPr lang="en-US" altLang="zh-CN" sz="2400" dirty="0" smtClean="0"/>
+              <a:t>0</a:t>
+            </a:r>
+            <a:endParaRPr lang="zh-CN" altLang="en-US" sz="2400" dirty="0"/>
+          </a:p>
+        </p:txBody>
+      </p:sp>
+      <p:sp>
+        <p:nvSpPr>
+          <p:cNvPr id="7" name="矩形 6"/>
+          <p:cNvSpPr/>
+          <p:nvPr/>
+        </p:nvSpPr>
+        <p:spPr>
+          <a:xfrm>
+            <a:off x="2501549" y="3462865"/>
+            <a:ext cx="364066" cy="381000"/>
+          </a:xfrm>
+          <a:prstGeom prst="rect">
+            <a:avLst/>
+          </a:prstGeom>
+        </p:spPr>
+        <p:style>
+          <a:lnRef idx="2">
+            <a:schemeClr val="accent1">
+              <a:shade val="50000"/>
+            </a:schemeClr>
+          </a:lnRef>
+          <a:fillRef idx="1">
+            <a:schemeClr val="accent1"/>
+          </a:fillRef>
+          <a:effectRef idx="0">
+            <a:schemeClr val="accent1"/>
+          </a:effectRef>
+          <a:fontRef idx="minor">
+            <a:schemeClr val="lt1"/>
+          </a:fontRef>
+        </p:style>
+        <p:txBody>
+          <a:bodyPr rtlCol="0" anchor="ctr"/>
+          <a:lstStyle/>
+          <a:p>
+            <a:pPr algn="ctr"/>
+            <a:r>
+              <a:rPr lang="en-US" altLang="zh-CN" sz="2400" dirty="0" smtClean="0"/>
+              <a:t>1</a:t>
+            </a:r>
+            <a:endParaRPr lang="zh-CN" altLang="en-US" sz="2400" dirty="0"/>
+          </a:p>
+        </p:txBody>
+      </p:sp>
+      <p:sp>
+        <p:nvSpPr>
+          <p:cNvPr id="8" name="矩形 7"/>
+          <p:cNvSpPr/>
+          <p:nvPr/>
+        </p:nvSpPr>
+        <p:spPr>
+          <a:xfrm>
+            <a:off x="2865615" y="3462865"/>
+            <a:ext cx="364066" cy="381000"/>
+          </a:xfrm>
+          <a:prstGeom prst="rect">
+            <a:avLst/>
+          </a:prstGeom>
+        </p:spPr>
+        <p:style>
+          <a:lnRef idx="2">
+            <a:schemeClr val="accent1">
+              <a:shade val="50000"/>
+            </a:schemeClr>
+          </a:lnRef>
+          <a:fillRef idx="1">
+            <a:schemeClr val="accent1"/>
+          </a:fillRef>
+          <a:effectRef idx="0">
+            <a:schemeClr val="accent1"/>
+          </a:effectRef>
+          <a:fontRef idx="minor">
+            <a:schemeClr val="lt1"/>
+          </a:fontRef>
+        </p:style>
+        <p:txBody>
+          <a:bodyPr rtlCol="0" anchor="ctr"/>
+          <a:lstStyle/>
+          <a:p>
+            <a:pPr algn="ctr"/>
+            <a:r>
+              <a:rPr lang="en-US" altLang="zh-CN" sz="2400" dirty="0" smtClean="0"/>
+              <a:t>1</a:t>
+            </a:r>
+            <a:endParaRPr lang="zh-CN" altLang="en-US" sz="2400" dirty="0"/>
+          </a:p>
+        </p:txBody>
+      </p:sp>
+      <p:sp>
+        <p:nvSpPr>
+          <p:cNvPr id="9" name="矩形 8"/>
+          <p:cNvSpPr/>
+          <p:nvPr/>
+        </p:nvSpPr>
+        <p:spPr>
+          <a:xfrm>
+            <a:off x="3229681" y="3462865"/>
+            <a:ext cx="364066" cy="381000"/>
+          </a:xfrm>
+          <a:prstGeom prst="rect">
+            <a:avLst/>
+          </a:prstGeom>
+        </p:spPr>
+        <p:style>
+          <a:lnRef idx="2">
+            <a:schemeClr val="accent1">
+              <a:shade val="50000"/>
+            </a:schemeClr>
+          </a:lnRef>
+          <a:fillRef idx="1">
+            <a:schemeClr val="accent1"/>
+          </a:fillRef>
+          <a:effectRef idx="0">
+            <a:schemeClr val="accent1"/>
+          </a:effectRef>
+          <a:fontRef idx="minor">
+            <a:schemeClr val="lt1"/>
+          </a:fontRef>
+        </p:style>
+        <p:txBody>
+          <a:bodyPr rtlCol="0" anchor="ctr"/>
+          <a:lstStyle/>
+          <a:p>
+            <a:pPr algn="ctr"/>
+            <a:r>
+              <a:rPr lang="en-US" altLang="zh-CN" sz="2400" dirty="0" smtClean="0"/>
+              <a:t>0</a:t>
+            </a:r>
+            <a:endParaRPr lang="zh-CN" altLang="en-US" sz="2400" dirty="0"/>
+          </a:p>
+        </p:txBody>
+      </p:sp>
+      <p:sp>
+        <p:nvSpPr>
+          <p:cNvPr id="10" name="矩形 9"/>
+          <p:cNvSpPr/>
+          <p:nvPr/>
+        </p:nvSpPr>
+        <p:spPr>
+          <a:xfrm>
+            <a:off x="3593747" y="3462865"/>
+            <a:ext cx="364066" cy="381000"/>
+          </a:xfrm>
+          <a:prstGeom prst="rect">
+            <a:avLst/>
+          </a:prstGeom>
+        </p:spPr>
+        <p:style>
+          <a:lnRef idx="2">
+            <a:schemeClr val="accent1">
+              <a:shade val="50000"/>
+            </a:schemeClr>
+          </a:lnRef>
+          <a:fillRef idx="1">
+            <a:schemeClr val="accent1"/>
+          </a:fillRef>
+          <a:effectRef idx="0">
+            <a:schemeClr val="accent1"/>
+          </a:effectRef>
+          <a:fontRef idx="minor">
+            <a:schemeClr val="lt1"/>
+          </a:fontRef>
+        </p:style>
+        <p:txBody>
+          <a:bodyPr rtlCol="0" anchor="ctr"/>
+          <a:lstStyle/>
+          <a:p>
+            <a:pPr algn="ctr"/>
+            <a:r>
+              <a:rPr lang="en-US" altLang="zh-CN" sz="2400" dirty="0" smtClean="0"/>
+              <a:t>1</a:t>
+            </a:r>
+            <a:endParaRPr lang="zh-CN" altLang="en-US" sz="2400" dirty="0"/>
+          </a:p>
+        </p:txBody>
+      </p:sp>
+      <p:sp>
+        <p:nvSpPr>
+          <p:cNvPr id="11" name="矩形 10"/>
+          <p:cNvSpPr/>
+          <p:nvPr/>
+        </p:nvSpPr>
+        <p:spPr>
+          <a:xfrm>
+            <a:off x="3957813" y="3462865"/>
+            <a:ext cx="364066" cy="381000"/>
+          </a:xfrm>
+          <a:prstGeom prst="rect">
+            <a:avLst/>
+          </a:prstGeom>
+        </p:spPr>
+        <p:style>
+          <a:lnRef idx="2">
+            <a:schemeClr val="accent1">
+              <a:shade val="50000"/>
+            </a:schemeClr>
+          </a:lnRef>
+          <a:fillRef idx="1">
+            <a:schemeClr val="accent1"/>
+          </a:fillRef>
+          <a:effectRef idx="0">
+            <a:schemeClr val="accent1"/>
+          </a:effectRef>
+          <a:fontRef idx="minor">
+            <a:schemeClr val="lt1"/>
+          </a:fontRef>
+        </p:style>
+        <p:txBody>
+          <a:bodyPr rtlCol="0" anchor="ctr"/>
+          <a:lstStyle/>
+          <a:p>
+            <a:pPr algn="ctr"/>
+            <a:r>
+              <a:rPr lang="en-US" altLang="zh-CN" sz="2400" dirty="0" smtClean="0"/>
+              <a:t>0</a:t>
+            </a:r>
+            <a:endParaRPr lang="zh-CN" altLang="en-US" sz="2400" dirty="0"/>
+          </a:p>
+        </p:txBody>
+      </p:sp>
+      <p:sp>
+        <p:nvSpPr>
+          <p:cNvPr id="12" name="矩形 11"/>
+          <p:cNvSpPr/>
+          <p:nvPr/>
+        </p:nvSpPr>
+        <p:spPr>
+          <a:xfrm>
+            <a:off x="4321879" y="3462865"/>
+            <a:ext cx="364066" cy="381000"/>
+          </a:xfrm>
+          <a:prstGeom prst="rect">
+            <a:avLst/>
+          </a:prstGeom>
+        </p:spPr>
+        <p:style>
+          <a:lnRef idx="2">
+            <a:schemeClr val="accent1">
+              <a:shade val="50000"/>
+            </a:schemeClr>
+          </a:lnRef>
+          <a:fillRef idx="1">
+            <a:schemeClr val="accent1"/>
+          </a:fillRef>
+          <a:effectRef idx="0">
+            <a:schemeClr val="accent1"/>
+          </a:effectRef>
+          <a:fontRef idx="minor">
+            <a:schemeClr val="lt1"/>
+          </a:fontRef>
+        </p:style>
+        <p:txBody>
+          <a:bodyPr rtlCol="0" anchor="ctr"/>
+          <a:lstStyle/>
+          <a:p>
+            <a:pPr algn="ctr"/>
+            <a:r>
+              <a:rPr lang="en-US" altLang="zh-CN" sz="2400" dirty="0" smtClean="0"/>
+              <a:t>1</a:t>
+            </a:r>
+            <a:endParaRPr lang="zh-CN" altLang="en-US" sz="2400" dirty="0"/>
+          </a:p>
+        </p:txBody>
+      </p:sp>
+      <p:sp>
+        <p:nvSpPr>
+          <p:cNvPr id="13" name="矩形 12"/>
+          <p:cNvSpPr/>
+          <p:nvPr/>
+        </p:nvSpPr>
+        <p:spPr>
+          <a:xfrm>
+            <a:off x="4685945" y="3462865"/>
+            <a:ext cx="364066" cy="381000"/>
+          </a:xfrm>
+          <a:prstGeom prst="rect">
+            <a:avLst/>
+          </a:prstGeom>
+        </p:spPr>
+        <p:style>
+          <a:lnRef idx="2">
+            <a:schemeClr val="accent1">
+              <a:shade val="50000"/>
+            </a:schemeClr>
+          </a:lnRef>
+          <a:fillRef idx="1">
+            <a:schemeClr val="accent1"/>
+          </a:fillRef>
+          <a:effectRef idx="0">
+            <a:schemeClr val="accent1"/>
+          </a:effectRef>
+          <a:fontRef idx="minor">
+            <a:schemeClr val="lt1"/>
+          </a:fontRef>
+        </p:style>
+        <p:txBody>
+          <a:bodyPr rtlCol="0" anchor="ctr"/>
+          <a:lstStyle/>
+          <a:p>
+            <a:pPr algn="ctr"/>
+            <a:r>
+              <a:rPr lang="en-US" altLang="zh-CN" sz="2400" dirty="0" smtClean="0"/>
+              <a:t>0</a:t>
+            </a:r>
+            <a:endParaRPr lang="zh-CN" altLang="en-US" sz="2400" dirty="0"/>
+          </a:p>
+        </p:txBody>
+      </p:sp>
+      <p:sp>
+        <p:nvSpPr>
+          <p:cNvPr id="14" name="矩形 13"/>
+          <p:cNvSpPr/>
+          <p:nvPr/>
+        </p:nvSpPr>
+        <p:spPr>
+          <a:xfrm>
+            <a:off x="2137483" y="5223026"/>
+            <a:ext cx="364066" cy="381000"/>
+          </a:xfrm>
+          <a:prstGeom prst="rect">
+            <a:avLst/>
+          </a:prstGeom>
+          <a:solidFill>
+            <a:schemeClr val="accent2">
+              <a:lumMod val="75000"/>
+            </a:schemeClr>
+          </a:solidFill>
+          <a:ln>
+            <a:solidFill>
+              <a:schemeClr val="accent2">
+                <a:lumMod val="50000"/>
+              </a:schemeClr>
+            </a:solidFill>
+          </a:ln>
+        </p:spPr>
+        <p:style>
+          <a:lnRef idx="2">
+            <a:schemeClr val="accent1">
+              <a:shade val="50000"/>
+            </a:schemeClr>
+          </a:lnRef>
+          <a:fillRef idx="1">
+            <a:schemeClr val="accent1"/>
+          </a:fillRef>
+          <a:effectRef idx="0">
+            <a:schemeClr val="accent1"/>
+          </a:effectRef>
+          <a:fontRef idx="minor">
+            <a:schemeClr val="lt1"/>
+          </a:fontRef>
+        </p:style>
+        <p:txBody>
+          <a:bodyPr rtlCol="0" anchor="ctr"/>
+          <a:lstStyle/>
+          <a:p>
+            <a:pPr algn="ctr"/>
+            <a:r>
+              <a:rPr lang="en-US" altLang="zh-CN" sz="2400" dirty="0" smtClean="0"/>
+              <a:t>1</a:t>
+            </a:r>
+            <a:endParaRPr lang="zh-CN" altLang="en-US" sz="2400" dirty="0"/>
+          </a:p>
+        </p:txBody>
+      </p:sp>
+      <p:sp>
+        <p:nvSpPr>
+          <p:cNvPr id="15" name="矩形 14"/>
+          <p:cNvSpPr/>
+          <p:nvPr/>
+        </p:nvSpPr>
+        <p:spPr>
+          <a:xfrm>
+            <a:off x="2501549" y="5223026"/>
+            <a:ext cx="364066" cy="381000"/>
+          </a:xfrm>
+          <a:prstGeom prst="rect">
+            <a:avLst/>
+          </a:prstGeom>
+          <a:solidFill>
+            <a:schemeClr val="accent2">
+              <a:lumMod val="75000"/>
+            </a:schemeClr>
+          </a:solidFill>
+          <a:ln>
+            <a:solidFill>
+              <a:schemeClr val="accent2">
+                <a:lumMod val="50000"/>
+              </a:schemeClr>
+            </a:solidFill>
+          </a:ln>
+        </p:spPr>
+        <p:style>
+          <a:lnRef idx="2">
+            <a:schemeClr val="accent1">
+              <a:shade val="50000"/>
+            </a:schemeClr>
+          </a:lnRef>
+          <a:fillRef idx="1">
+            <a:schemeClr val="accent1"/>
+          </a:fillRef>
+          <a:effectRef idx="0">
+            <a:schemeClr val="accent1"/>
+          </a:effectRef>
+          <a:fontRef idx="minor">
+            <a:schemeClr val="lt1"/>
+          </a:fontRef>
+        </p:style>
+        <p:txBody>
+          <a:bodyPr rtlCol="0" anchor="ctr"/>
+          <a:lstStyle/>
+          <a:p>
+            <a:pPr algn="ctr"/>
+            <a:r>
+              <a:rPr lang="en-US" altLang="zh-CN" sz="2400" dirty="0" smtClean="0"/>
+              <a:t>0</a:t>
+            </a:r>
+            <a:endParaRPr lang="zh-CN" altLang="en-US" sz="2400" dirty="0"/>
+          </a:p>
+        </p:txBody>
+      </p:sp>
+      <p:sp>
+        <p:nvSpPr>
+          <p:cNvPr id="16" name="矩形 15"/>
+          <p:cNvSpPr/>
+          <p:nvPr/>
+        </p:nvSpPr>
+        <p:spPr>
+          <a:xfrm>
+            <a:off x="2865615" y="5223026"/>
+            <a:ext cx="364066" cy="381000"/>
+          </a:xfrm>
+          <a:prstGeom prst="rect">
+            <a:avLst/>
+          </a:prstGeom>
+          <a:solidFill>
+            <a:schemeClr val="accent2">
+              <a:lumMod val="75000"/>
+            </a:schemeClr>
+          </a:solidFill>
+          <a:ln>
+            <a:solidFill>
+              <a:schemeClr val="accent2">
+                <a:lumMod val="50000"/>
+              </a:schemeClr>
+            </a:solidFill>
+          </a:ln>
+        </p:spPr>
+        <p:style>
+          <a:lnRef idx="2">
+            <a:schemeClr val="accent1">
+              <a:shade val="50000"/>
+            </a:schemeClr>
+          </a:lnRef>
+          <a:fillRef idx="1">
+            <a:schemeClr val="accent1"/>
+          </a:fillRef>
+          <a:effectRef idx="0">
+            <a:schemeClr val="accent1"/>
+          </a:effectRef>
+          <a:fontRef idx="minor">
+            <a:schemeClr val="lt1"/>
+          </a:fontRef>
+        </p:style>
+        <p:txBody>
+          <a:bodyPr rtlCol="0" anchor="ctr"/>
+          <a:lstStyle/>
+          <a:p>
+            <a:pPr algn="ctr"/>
+            <a:r>
+              <a:rPr lang="en-US" altLang="zh-CN" sz="2400" dirty="0" smtClean="0"/>
+              <a:t>1</a:t>
+            </a:r>
+            <a:endParaRPr lang="zh-CN" altLang="en-US" sz="2400" dirty="0"/>
+          </a:p>
+        </p:txBody>
+      </p:sp>
+      <p:sp>
+        <p:nvSpPr>
+          <p:cNvPr id="17" name="矩形 16"/>
+          <p:cNvSpPr/>
+          <p:nvPr/>
+        </p:nvSpPr>
+        <p:spPr>
+          <a:xfrm>
+            <a:off x="3229681" y="5223026"/>
+            <a:ext cx="364066" cy="381000"/>
+          </a:xfrm>
+          <a:prstGeom prst="rect">
+            <a:avLst/>
+          </a:prstGeom>
+          <a:solidFill>
+            <a:schemeClr val="accent2">
+              <a:lumMod val="75000"/>
+            </a:schemeClr>
+          </a:solidFill>
+          <a:ln>
+            <a:solidFill>
+              <a:schemeClr val="accent2">
+                <a:lumMod val="50000"/>
+              </a:schemeClr>
+            </a:solidFill>
+          </a:ln>
+        </p:spPr>
+        <p:style>
+          <a:lnRef idx="2">
+            <a:schemeClr val="accent1">
+              <a:shade val="50000"/>
+            </a:schemeClr>
+          </a:lnRef>
+          <a:fillRef idx="1">
+            <a:schemeClr val="accent1"/>
+          </a:fillRef>
+          <a:effectRef idx="0">
+            <a:schemeClr val="accent1"/>
+          </a:effectRef>
+          <a:fontRef idx="minor">
+            <a:schemeClr val="lt1"/>
+          </a:fontRef>
+        </p:style>
+        <p:txBody>
+          <a:bodyPr rtlCol="0" anchor="ctr"/>
+          <a:lstStyle/>
+          <a:p>
+            <a:pPr algn="ctr"/>
+            <a:r>
+              <a:rPr lang="en-US" altLang="zh-CN" sz="2400" dirty="0" smtClean="0"/>
+              <a:t>0</a:t>
+            </a:r>
+            <a:endParaRPr lang="zh-CN" altLang="en-US" sz="2400" dirty="0"/>
+          </a:p>
+        </p:txBody>
+      </p:sp>
+      <p:sp>
+        <p:nvSpPr>
+          <p:cNvPr id="18" name="矩形 17"/>
+          <p:cNvSpPr/>
+          <p:nvPr/>
+        </p:nvSpPr>
+        <p:spPr>
+          <a:xfrm>
+            <a:off x="3593747" y="5223026"/>
+            <a:ext cx="364066" cy="381000"/>
+          </a:xfrm>
+          <a:prstGeom prst="rect">
+            <a:avLst/>
+          </a:prstGeom>
+          <a:solidFill>
+            <a:schemeClr val="accent2">
+              <a:lumMod val="75000"/>
+            </a:schemeClr>
+          </a:solidFill>
+          <a:ln>
+            <a:solidFill>
+              <a:schemeClr val="accent2">
+                <a:lumMod val="50000"/>
+              </a:schemeClr>
+            </a:solidFill>
+          </a:ln>
+        </p:spPr>
+        <p:style>
+          <a:lnRef idx="2">
+            <a:schemeClr val="accent1">
+              <a:shade val="50000"/>
+            </a:schemeClr>
+          </a:lnRef>
+          <a:fillRef idx="1">
+            <a:schemeClr val="accent1"/>
+          </a:fillRef>
+          <a:effectRef idx="0">
+            <a:schemeClr val="accent1"/>
+          </a:effectRef>
+          <a:fontRef idx="minor">
+            <a:schemeClr val="lt1"/>
+          </a:fontRef>
+        </p:style>
+        <p:txBody>
+          <a:bodyPr rtlCol="0" anchor="ctr"/>
+          <a:lstStyle/>
+          <a:p>
+            <a:pPr algn="ctr"/>
+            <a:r>
+              <a:rPr lang="en-US" altLang="zh-CN" sz="2400" dirty="0" smtClean="0"/>
+              <a:t>0</a:t>
+            </a:r>
+            <a:endParaRPr lang="zh-CN" altLang="en-US" sz="2400" dirty="0"/>
+          </a:p>
+        </p:txBody>
+      </p:sp>
+      <p:sp>
+        <p:nvSpPr>
+          <p:cNvPr id="19" name="矩形 18"/>
+          <p:cNvSpPr/>
+          <p:nvPr/>
+        </p:nvSpPr>
+        <p:spPr>
+          <a:xfrm>
+            <a:off x="3957813" y="5223026"/>
+            <a:ext cx="364066" cy="381000"/>
+          </a:xfrm>
+          <a:prstGeom prst="rect">
+            <a:avLst/>
+          </a:prstGeom>
+          <a:solidFill>
+            <a:schemeClr val="accent2">
+              <a:lumMod val="75000"/>
+            </a:schemeClr>
+          </a:solidFill>
+          <a:ln>
+            <a:solidFill>
+              <a:schemeClr val="accent2">
+                <a:lumMod val="50000"/>
+              </a:schemeClr>
+            </a:solidFill>
+          </a:ln>
+        </p:spPr>
+        <p:style>
+          <a:lnRef idx="2">
+            <a:schemeClr val="accent1">
+              <a:shade val="50000"/>
+            </a:schemeClr>
+          </a:lnRef>
+          <a:fillRef idx="1">
+            <a:schemeClr val="accent1"/>
+          </a:fillRef>
+          <a:effectRef idx="0">
+            <a:schemeClr val="accent1"/>
+          </a:effectRef>
+          <a:fontRef idx="minor">
+            <a:schemeClr val="lt1"/>
+          </a:fontRef>
+        </p:style>
+        <p:txBody>
+          <a:bodyPr rtlCol="0" anchor="ctr"/>
+          <a:lstStyle/>
+          <a:p>
+            <a:pPr algn="ctr"/>
+            <a:r>
+              <a:rPr lang="en-US" altLang="zh-CN" sz="2400" dirty="0" smtClean="0"/>
+              <a:t>1</a:t>
+            </a:r>
+            <a:endParaRPr lang="zh-CN" altLang="en-US" sz="2400" dirty="0"/>
+          </a:p>
+        </p:txBody>
+      </p:sp>
+      <p:sp>
+        <p:nvSpPr>
+          <p:cNvPr id="20" name="矩形 19"/>
+          <p:cNvSpPr/>
+          <p:nvPr/>
+        </p:nvSpPr>
+        <p:spPr>
+          <a:xfrm>
+            <a:off x="4321879" y="5223026"/>
+            <a:ext cx="364066" cy="381000"/>
+          </a:xfrm>
+          <a:prstGeom prst="rect">
+            <a:avLst/>
+          </a:prstGeom>
+          <a:solidFill>
+            <a:schemeClr val="accent2">
+              <a:lumMod val="75000"/>
+            </a:schemeClr>
+          </a:solidFill>
+          <a:ln>
+            <a:solidFill>
+              <a:schemeClr val="accent2">
+                <a:lumMod val="50000"/>
+              </a:schemeClr>
+            </a:solidFill>
+          </a:ln>
+        </p:spPr>
+        <p:style>
+          <a:lnRef idx="2">
+            <a:schemeClr val="accent1">
+              <a:shade val="50000"/>
+            </a:schemeClr>
+          </a:lnRef>
+          <a:fillRef idx="1">
+            <a:schemeClr val="accent1"/>
+          </a:fillRef>
+          <a:effectRef idx="0">
+            <a:schemeClr val="accent1"/>
+          </a:effectRef>
+          <a:fontRef idx="minor">
+            <a:schemeClr val="lt1"/>
+          </a:fontRef>
+        </p:style>
+        <p:txBody>
+          <a:bodyPr rtlCol="0" anchor="ctr"/>
+          <a:lstStyle/>
+          <a:p>
+            <a:pPr algn="ctr"/>
+            <a:r>
+              <a:rPr lang="en-US" altLang="zh-CN" sz="2400" dirty="0" smtClean="0"/>
+              <a:t>1</a:t>
+            </a:r>
+            <a:endParaRPr lang="zh-CN" altLang="en-US" sz="2400" dirty="0"/>
+          </a:p>
+        </p:txBody>
+      </p:sp>
+      <p:sp>
+        <p:nvSpPr>
+          <p:cNvPr id="21" name="矩形 20"/>
+          <p:cNvSpPr/>
+          <p:nvPr/>
+        </p:nvSpPr>
+        <p:spPr>
+          <a:xfrm>
+            <a:off x="4685945" y="5223026"/>
+            <a:ext cx="364066" cy="381000"/>
+          </a:xfrm>
+          <a:prstGeom prst="rect">
+            <a:avLst/>
+          </a:prstGeom>
+          <a:solidFill>
+            <a:schemeClr val="accent2">
+              <a:lumMod val="75000"/>
+            </a:schemeClr>
+          </a:solidFill>
+          <a:ln>
+            <a:solidFill>
+              <a:schemeClr val="accent2">
+                <a:lumMod val="50000"/>
+              </a:schemeClr>
+            </a:solidFill>
+          </a:ln>
+        </p:spPr>
+        <p:style>
+          <a:lnRef idx="2">
+            <a:schemeClr val="accent1">
+              <a:shade val="50000"/>
+            </a:schemeClr>
+          </a:lnRef>
+          <a:fillRef idx="1">
+            <a:schemeClr val="accent1"/>
+          </a:fillRef>
+          <a:effectRef idx="0">
+            <a:schemeClr val="accent1"/>
+          </a:effectRef>
+          <a:fontRef idx="minor">
+            <a:schemeClr val="lt1"/>
+          </a:fontRef>
+        </p:style>
+        <p:txBody>
+          <a:bodyPr rtlCol="0" anchor="ctr"/>
+          <a:lstStyle/>
+          <a:p>
+            <a:pPr algn="ctr"/>
+            <a:r>
+              <a:rPr lang="en-US" altLang="zh-CN" sz="2400" dirty="0" smtClean="0"/>
+              <a:t>0</a:t>
+            </a:r>
+            <a:endParaRPr lang="zh-CN" altLang="en-US" sz="2400" dirty="0"/>
+          </a:p>
+        </p:txBody>
+      </p:sp>
+      <p:sp>
+        <p:nvSpPr>
+          <p:cNvPr id="22" name="文本框 21"/>
+          <p:cNvSpPr txBox="1"/>
+          <p:nvPr/>
+        </p:nvSpPr>
+        <p:spPr>
+          <a:xfrm>
+            <a:off x="2026377" y="2995023"/>
+            <a:ext cx="907698" cy="400110"/>
+          </a:xfrm>
+          <a:prstGeom prst="rect">
+            <a:avLst/>
+          </a:prstGeom>
+          <a:noFill/>
+        </p:spPr>
+        <p:txBody>
+          <a:bodyPr wrap="square" rtlCol="0" anchor="ctr">
+            <a:spAutoFit/>
+          </a:bodyPr>
+          <a:lstStyle/>
+          <a:p>
+            <a:r>
+              <a:rPr lang="zh-CN" altLang="en-US" sz="2000" dirty="0" smtClean="0">
+                <a:solidFill>
+                  <a:schemeClr val="accent5">
+                    <a:lumMod val="75000"/>
+                  </a:schemeClr>
+                </a:solidFill>
+                <a:latin typeface="幼圆" panose="02010509060101010101" pitchFamily="49" charset="-122"/>
+                <a:ea typeface="幼圆" panose="02010509060101010101" pitchFamily="49" charset="-122"/>
+              </a:rPr>
+              <a:t>父代</a:t>
+            </a:r>
+            <a:r>
+              <a:rPr lang="en-US" altLang="zh-CN" sz="2000" dirty="0" smtClean="0">
+                <a:solidFill>
+                  <a:schemeClr val="accent5">
+                    <a:lumMod val="75000"/>
+                  </a:schemeClr>
+                </a:solidFill>
+                <a:latin typeface="幼圆" panose="02010509060101010101" pitchFamily="49" charset="-122"/>
+                <a:ea typeface="幼圆" panose="02010509060101010101" pitchFamily="49" charset="-122"/>
+              </a:rPr>
+              <a:t>1</a:t>
+            </a:r>
+            <a:endParaRPr lang="zh-CN" altLang="en-US" sz="2000" dirty="0">
+              <a:solidFill>
+                <a:schemeClr val="accent5">
+                  <a:lumMod val="75000"/>
+                </a:schemeClr>
+              </a:solidFill>
+              <a:latin typeface="幼圆" panose="02010509060101010101" pitchFamily="49" charset="-122"/>
+              <a:ea typeface="幼圆" panose="02010509060101010101" pitchFamily="49" charset="-122"/>
+            </a:endParaRPr>
+          </a:p>
+        </p:txBody>
+      </p:sp>
+      <p:sp>
+        <p:nvSpPr>
+          <p:cNvPr id="23" name="文本框 22"/>
+          <p:cNvSpPr txBox="1"/>
+          <p:nvPr/>
+        </p:nvSpPr>
+        <p:spPr>
+          <a:xfrm>
+            <a:off x="2026377" y="4774294"/>
+            <a:ext cx="907698" cy="400110"/>
+          </a:xfrm>
+          <a:prstGeom prst="rect">
+            <a:avLst/>
+          </a:prstGeom>
+          <a:noFill/>
+        </p:spPr>
+        <p:txBody>
+          <a:bodyPr wrap="square" rtlCol="0" anchor="ctr">
+            <a:spAutoFit/>
+          </a:bodyPr>
+          <a:lstStyle/>
+          <a:p>
+            <a:r>
+              <a:rPr lang="zh-CN" altLang="en-US" sz="2000" dirty="0" smtClean="0">
+                <a:solidFill>
+                  <a:schemeClr val="accent5">
+                    <a:lumMod val="75000"/>
+                  </a:schemeClr>
+                </a:solidFill>
+                <a:latin typeface="幼圆" panose="02010509060101010101" pitchFamily="49" charset="-122"/>
+                <a:ea typeface="幼圆" panose="02010509060101010101" pitchFamily="49" charset="-122"/>
+              </a:rPr>
+              <a:t>父代</a:t>
+            </a:r>
+            <a:r>
+              <a:rPr lang="en-US" altLang="zh-CN" sz="2000" dirty="0" smtClean="0">
+                <a:solidFill>
+                  <a:schemeClr val="accent5">
+                    <a:lumMod val="75000"/>
+                  </a:schemeClr>
+                </a:solidFill>
+                <a:latin typeface="幼圆" panose="02010509060101010101" pitchFamily="49" charset="-122"/>
+                <a:ea typeface="幼圆" panose="02010509060101010101" pitchFamily="49" charset="-122"/>
+              </a:rPr>
+              <a:t>2</a:t>
+            </a:r>
+            <a:endParaRPr lang="zh-CN" altLang="en-US" sz="2000" dirty="0">
+              <a:solidFill>
+                <a:schemeClr val="accent5">
+                  <a:lumMod val="75000"/>
+                </a:schemeClr>
+              </a:solidFill>
+              <a:latin typeface="幼圆" panose="02010509060101010101" pitchFamily="49" charset="-122"/>
+              <a:ea typeface="幼圆" panose="02010509060101010101" pitchFamily="49" charset="-122"/>
+            </a:endParaRPr>
+          </a:p>
+        </p:txBody>
+      </p:sp>
+      <p:sp>
+        <p:nvSpPr>
+          <p:cNvPr id="24" name="矩形 23"/>
+          <p:cNvSpPr/>
+          <p:nvPr/>
+        </p:nvSpPr>
+        <p:spPr>
+          <a:xfrm>
+            <a:off x="5913616" y="3462865"/>
+            <a:ext cx="364066" cy="381000"/>
+          </a:xfrm>
+          <a:prstGeom prst="rect">
+            <a:avLst/>
+          </a:prstGeom>
+        </p:spPr>
+        <p:style>
+          <a:lnRef idx="2">
+            <a:schemeClr val="accent1">
+              <a:shade val="50000"/>
+            </a:schemeClr>
+          </a:lnRef>
+          <a:fillRef idx="1">
+            <a:schemeClr val="accent1"/>
+          </a:fillRef>
+          <a:effectRef idx="0">
+            <a:schemeClr val="accent1"/>
+          </a:effectRef>
+          <a:fontRef idx="minor">
+            <a:schemeClr val="lt1"/>
+          </a:fontRef>
+        </p:style>
+        <p:txBody>
+          <a:bodyPr rtlCol="0" anchor="ctr"/>
+          <a:lstStyle/>
+          <a:p>
+            <a:pPr algn="ctr"/>
+            <a:r>
+              <a:rPr lang="en-US" altLang="zh-CN" sz="2400" dirty="0" smtClean="0"/>
+              <a:t>0</a:t>
+            </a:r>
+            <a:endParaRPr lang="zh-CN" altLang="en-US" sz="2400" dirty="0"/>
+          </a:p>
+        </p:txBody>
+      </p:sp>
+      <p:sp>
+        <p:nvSpPr>
+          <p:cNvPr id="25" name="矩形 24"/>
+          <p:cNvSpPr/>
+          <p:nvPr/>
+        </p:nvSpPr>
+        <p:spPr>
+          <a:xfrm>
+            <a:off x="6277682" y="5223026"/>
+            <a:ext cx="364066" cy="381000"/>
+          </a:xfrm>
+          <a:prstGeom prst="rect">
+            <a:avLst/>
+          </a:prstGeom>
+        </p:spPr>
+        <p:style>
+          <a:lnRef idx="2">
+            <a:schemeClr val="accent1">
+              <a:shade val="50000"/>
+            </a:schemeClr>
+          </a:lnRef>
+          <a:fillRef idx="1">
+            <a:schemeClr val="accent1"/>
+          </a:fillRef>
+          <a:effectRef idx="0">
+            <a:schemeClr val="accent1"/>
+          </a:effectRef>
+          <a:fontRef idx="minor">
+            <a:schemeClr val="lt1"/>
+          </a:fontRef>
+        </p:style>
+        <p:txBody>
+          <a:bodyPr rtlCol="0" anchor="ctr"/>
+          <a:lstStyle/>
+          <a:p>
+            <a:pPr algn="ctr"/>
+            <a:r>
+              <a:rPr lang="en-US" altLang="zh-CN" sz="2400" dirty="0" smtClean="0"/>
+              <a:t>1</a:t>
+            </a:r>
+            <a:endParaRPr lang="zh-CN" altLang="en-US" sz="2400" dirty="0"/>
+          </a:p>
+        </p:txBody>
+      </p:sp>
+      <p:sp>
+        <p:nvSpPr>
+          <p:cNvPr id="26" name="矩形 25"/>
+          <p:cNvSpPr/>
+          <p:nvPr/>
+        </p:nvSpPr>
+        <p:spPr>
+          <a:xfrm>
+            <a:off x="6641748" y="3462865"/>
+            <a:ext cx="364066" cy="381000"/>
+          </a:xfrm>
+          <a:prstGeom prst="rect">
+            <a:avLst/>
+          </a:prstGeom>
+        </p:spPr>
+        <p:style>
+          <a:lnRef idx="2">
+            <a:schemeClr val="accent1">
+              <a:shade val="50000"/>
+            </a:schemeClr>
+          </a:lnRef>
+          <a:fillRef idx="1">
+            <a:schemeClr val="accent1"/>
+          </a:fillRef>
+          <a:effectRef idx="0">
+            <a:schemeClr val="accent1"/>
+          </a:effectRef>
+          <a:fontRef idx="minor">
+            <a:schemeClr val="lt1"/>
+          </a:fontRef>
+        </p:style>
+        <p:txBody>
+          <a:bodyPr rtlCol="0" anchor="ctr"/>
+          <a:lstStyle/>
+          <a:p>
+            <a:pPr algn="ctr"/>
+            <a:r>
+              <a:rPr lang="en-US" altLang="zh-CN" sz="2400" dirty="0" smtClean="0"/>
+              <a:t>1</a:t>
+            </a:r>
+            <a:endParaRPr lang="zh-CN" altLang="en-US" sz="2400" dirty="0"/>
+          </a:p>
+        </p:txBody>
+      </p:sp>
+      <p:sp>
+        <p:nvSpPr>
+          <p:cNvPr id="27" name="矩形 26"/>
+          <p:cNvSpPr/>
+          <p:nvPr/>
+        </p:nvSpPr>
+        <p:spPr>
+          <a:xfrm>
+            <a:off x="7005814" y="3462865"/>
+            <a:ext cx="364066" cy="381000"/>
+          </a:xfrm>
+          <a:prstGeom prst="rect">
+            <a:avLst/>
+          </a:prstGeom>
+        </p:spPr>
+        <p:style>
+          <a:lnRef idx="2">
+            <a:schemeClr val="accent1">
+              <a:shade val="50000"/>
+            </a:schemeClr>
+          </a:lnRef>
+          <a:fillRef idx="1">
+            <a:schemeClr val="accent1"/>
+          </a:fillRef>
+          <a:effectRef idx="0">
+            <a:schemeClr val="accent1"/>
+          </a:effectRef>
+          <a:fontRef idx="minor">
+            <a:schemeClr val="lt1"/>
+          </a:fontRef>
+        </p:style>
+        <p:txBody>
+          <a:bodyPr rtlCol="0" anchor="ctr"/>
+          <a:lstStyle/>
+          <a:p>
+            <a:pPr algn="ctr"/>
+            <a:r>
+              <a:rPr lang="en-US" altLang="zh-CN" sz="2400" dirty="0" smtClean="0"/>
+              <a:t>0</a:t>
+            </a:r>
+            <a:endParaRPr lang="zh-CN" altLang="en-US" sz="2400" dirty="0"/>
+          </a:p>
+        </p:txBody>
+      </p:sp>
+      <p:sp>
+        <p:nvSpPr>
+          <p:cNvPr id="28" name="矩形 27"/>
+          <p:cNvSpPr/>
+          <p:nvPr/>
+        </p:nvSpPr>
+        <p:spPr>
+          <a:xfrm>
+            <a:off x="7369880" y="5223026"/>
+            <a:ext cx="364066" cy="381000"/>
+          </a:xfrm>
+          <a:prstGeom prst="rect">
+            <a:avLst/>
+          </a:prstGeom>
+        </p:spPr>
+        <p:style>
+          <a:lnRef idx="2">
+            <a:schemeClr val="accent1">
+              <a:shade val="50000"/>
+            </a:schemeClr>
+          </a:lnRef>
+          <a:fillRef idx="1">
+            <a:schemeClr val="accent1"/>
+          </a:fillRef>
+          <a:effectRef idx="0">
+            <a:schemeClr val="accent1"/>
+          </a:effectRef>
+          <a:fontRef idx="minor">
+            <a:schemeClr val="lt1"/>
+          </a:fontRef>
+        </p:style>
+        <p:txBody>
+          <a:bodyPr rtlCol="0" anchor="ctr"/>
+          <a:lstStyle/>
+          <a:p>
+            <a:pPr algn="ctr"/>
+            <a:r>
+              <a:rPr lang="en-US" altLang="zh-CN" sz="2400" dirty="0" smtClean="0"/>
+              <a:t>1</a:t>
+            </a:r>
+            <a:endParaRPr lang="zh-CN" altLang="en-US" sz="2400" dirty="0"/>
+          </a:p>
+        </p:txBody>
+      </p:sp>
+      <p:sp>
+        <p:nvSpPr>
+          <p:cNvPr id="29" name="矩形 28"/>
+          <p:cNvSpPr/>
+          <p:nvPr/>
+        </p:nvSpPr>
+        <p:spPr>
+          <a:xfrm>
+            <a:off x="7733946" y="5223026"/>
+            <a:ext cx="364066" cy="381000"/>
+          </a:xfrm>
+          <a:prstGeom prst="rect">
+            <a:avLst/>
+          </a:prstGeom>
+        </p:spPr>
+        <p:style>
+          <a:lnRef idx="2">
+            <a:schemeClr val="accent1">
+              <a:shade val="50000"/>
+            </a:schemeClr>
+          </a:lnRef>
+          <a:fillRef idx="1">
+            <a:schemeClr val="accent1"/>
+          </a:fillRef>
+          <a:effectRef idx="0">
+            <a:schemeClr val="accent1"/>
+          </a:effectRef>
+          <a:fontRef idx="minor">
+            <a:schemeClr val="lt1"/>
+          </a:fontRef>
+        </p:style>
+        <p:txBody>
+          <a:bodyPr rtlCol="0" anchor="ctr"/>
+          <a:lstStyle/>
+          <a:p>
+            <a:pPr algn="ctr"/>
+            <a:r>
+              <a:rPr lang="en-US" altLang="zh-CN" sz="2400" dirty="0" smtClean="0"/>
+              <a:t>0</a:t>
+            </a:r>
+            <a:endParaRPr lang="zh-CN" altLang="en-US" sz="2400" dirty="0"/>
+          </a:p>
+        </p:txBody>
+      </p:sp>
+      <p:sp>
+        <p:nvSpPr>
+          <p:cNvPr id="30" name="矩形 29"/>
+          <p:cNvSpPr/>
+          <p:nvPr/>
+        </p:nvSpPr>
+        <p:spPr>
+          <a:xfrm>
+            <a:off x="8098012" y="3462865"/>
+            <a:ext cx="364066" cy="381000"/>
+          </a:xfrm>
+          <a:prstGeom prst="rect">
+            <a:avLst/>
+          </a:prstGeom>
+        </p:spPr>
+        <p:style>
+          <a:lnRef idx="2">
+            <a:schemeClr val="accent1">
+              <a:shade val="50000"/>
+            </a:schemeClr>
+          </a:lnRef>
+          <a:fillRef idx="1">
+            <a:schemeClr val="accent1"/>
+          </a:fillRef>
+          <a:effectRef idx="0">
+            <a:schemeClr val="accent1"/>
+          </a:effectRef>
+          <a:fontRef idx="minor">
+            <a:schemeClr val="lt1"/>
+          </a:fontRef>
+        </p:style>
+        <p:txBody>
+          <a:bodyPr rtlCol="0" anchor="ctr"/>
+          <a:lstStyle/>
+          <a:p>
+            <a:pPr algn="ctr"/>
+            <a:r>
+              <a:rPr lang="en-US" altLang="zh-CN" sz="2400" dirty="0" smtClean="0"/>
+              <a:t>1</a:t>
+            </a:r>
+            <a:endParaRPr lang="zh-CN" altLang="en-US" sz="2400" dirty="0"/>
+          </a:p>
+        </p:txBody>
+      </p:sp>
+      <p:sp>
+        <p:nvSpPr>
+          <p:cNvPr id="31" name="矩形 30"/>
+          <p:cNvSpPr/>
+          <p:nvPr/>
+        </p:nvSpPr>
+        <p:spPr>
+          <a:xfrm>
+            <a:off x="8462078" y="3462865"/>
+            <a:ext cx="364066" cy="381000"/>
+          </a:xfrm>
+          <a:prstGeom prst="rect">
+            <a:avLst/>
+          </a:prstGeom>
+        </p:spPr>
+        <p:style>
+          <a:lnRef idx="2">
+            <a:schemeClr val="accent1">
+              <a:shade val="50000"/>
+            </a:schemeClr>
+          </a:lnRef>
+          <a:fillRef idx="1">
+            <a:schemeClr val="accent1"/>
+          </a:fillRef>
+          <a:effectRef idx="0">
+            <a:schemeClr val="accent1"/>
+          </a:effectRef>
+          <a:fontRef idx="minor">
+            <a:schemeClr val="lt1"/>
+          </a:fontRef>
+        </p:style>
+        <p:txBody>
+          <a:bodyPr rtlCol="0" anchor="ctr"/>
+          <a:lstStyle/>
+          <a:p>
+            <a:pPr algn="ctr"/>
+            <a:r>
+              <a:rPr lang="en-US" altLang="zh-CN" sz="2400" dirty="0" smtClean="0"/>
+              <a:t>0</a:t>
+            </a:r>
+            <a:endParaRPr lang="zh-CN" altLang="en-US" sz="2400" dirty="0"/>
+          </a:p>
+        </p:txBody>
+      </p:sp>
+      <p:sp>
+        <p:nvSpPr>
+          <p:cNvPr id="32" name="矩形 31"/>
+          <p:cNvSpPr/>
+          <p:nvPr/>
+        </p:nvSpPr>
+        <p:spPr>
+          <a:xfrm>
+            <a:off x="5913616" y="5223026"/>
+            <a:ext cx="364066" cy="381000"/>
+          </a:xfrm>
+          <a:prstGeom prst="rect">
+            <a:avLst/>
+          </a:prstGeom>
+          <a:solidFill>
+            <a:schemeClr val="accent2">
+              <a:lumMod val="75000"/>
+            </a:schemeClr>
+          </a:solidFill>
+          <a:ln>
+            <a:solidFill>
+              <a:schemeClr val="accent2">
+                <a:lumMod val="50000"/>
+              </a:schemeClr>
+            </a:solidFill>
+          </a:ln>
+        </p:spPr>
+        <p:style>
+          <a:lnRef idx="2">
+            <a:schemeClr val="accent1">
+              <a:shade val="50000"/>
+            </a:schemeClr>
+          </a:lnRef>
+          <a:fillRef idx="1">
+            <a:schemeClr val="accent1"/>
+          </a:fillRef>
+          <a:effectRef idx="0">
+            <a:schemeClr val="accent1"/>
+          </a:effectRef>
+          <a:fontRef idx="minor">
+            <a:schemeClr val="lt1"/>
+          </a:fontRef>
+        </p:style>
+        <p:txBody>
+          <a:bodyPr rtlCol="0" anchor="ctr"/>
+          <a:lstStyle/>
+          <a:p>
+            <a:pPr algn="ctr"/>
+            <a:r>
+              <a:rPr lang="en-US" altLang="zh-CN" sz="2400" dirty="0" smtClean="0"/>
+              <a:t>1</a:t>
+            </a:r>
+            <a:endParaRPr lang="zh-CN" altLang="en-US" sz="2400" dirty="0"/>
+          </a:p>
+        </p:txBody>
+      </p:sp>
+      <p:sp>
+        <p:nvSpPr>
+          <p:cNvPr id="33" name="矩形 32"/>
+          <p:cNvSpPr/>
+          <p:nvPr/>
+        </p:nvSpPr>
+        <p:spPr>
+          <a:xfrm>
+            <a:off x="6277682" y="3462865"/>
+            <a:ext cx="364066" cy="381000"/>
+          </a:xfrm>
+          <a:prstGeom prst="rect">
+            <a:avLst/>
+          </a:prstGeom>
+          <a:solidFill>
+            <a:schemeClr val="accent2">
+              <a:lumMod val="75000"/>
+            </a:schemeClr>
+          </a:solidFill>
+          <a:ln>
+            <a:solidFill>
+              <a:schemeClr val="accent2">
+                <a:lumMod val="50000"/>
+              </a:schemeClr>
+            </a:solidFill>
+          </a:ln>
+        </p:spPr>
+        <p:style>
+          <a:lnRef idx="2">
+            <a:schemeClr val="accent1">
+              <a:shade val="50000"/>
+            </a:schemeClr>
+          </a:lnRef>
+          <a:fillRef idx="1">
+            <a:schemeClr val="accent1"/>
+          </a:fillRef>
+          <a:effectRef idx="0">
+            <a:schemeClr val="accent1"/>
+          </a:effectRef>
+          <a:fontRef idx="minor">
+            <a:schemeClr val="lt1"/>
+          </a:fontRef>
+        </p:style>
+        <p:txBody>
+          <a:bodyPr rtlCol="0" anchor="ctr"/>
+          <a:lstStyle/>
+          <a:p>
+            <a:pPr algn="ctr"/>
+            <a:r>
+              <a:rPr lang="en-US" altLang="zh-CN" sz="2400" dirty="0" smtClean="0"/>
+              <a:t>0</a:t>
+            </a:r>
+            <a:endParaRPr lang="zh-CN" altLang="en-US" sz="2400" dirty="0"/>
+          </a:p>
+        </p:txBody>
+      </p:sp>
+      <p:sp>
+        <p:nvSpPr>
+          <p:cNvPr id="34" name="矩形 33"/>
+          <p:cNvSpPr/>
+          <p:nvPr/>
+        </p:nvSpPr>
+        <p:spPr>
+          <a:xfrm>
+            <a:off x="6641748" y="5223026"/>
+            <a:ext cx="364066" cy="381000"/>
+          </a:xfrm>
+          <a:prstGeom prst="rect">
+            <a:avLst/>
+          </a:prstGeom>
+          <a:solidFill>
+            <a:schemeClr val="accent2">
+              <a:lumMod val="75000"/>
+            </a:schemeClr>
+          </a:solidFill>
+          <a:ln>
+            <a:solidFill>
+              <a:schemeClr val="accent2">
+                <a:lumMod val="50000"/>
+              </a:schemeClr>
+            </a:solidFill>
+          </a:ln>
+        </p:spPr>
+        <p:style>
+          <a:lnRef idx="2">
+            <a:schemeClr val="accent1">
+              <a:shade val="50000"/>
+            </a:schemeClr>
+          </a:lnRef>
+          <a:fillRef idx="1">
+            <a:schemeClr val="accent1"/>
+          </a:fillRef>
+          <a:effectRef idx="0">
+            <a:schemeClr val="accent1"/>
+          </a:effectRef>
+          <a:fontRef idx="minor">
+            <a:schemeClr val="lt1"/>
+          </a:fontRef>
+        </p:style>
+        <p:txBody>
+          <a:bodyPr rtlCol="0" anchor="ctr"/>
+          <a:lstStyle/>
+          <a:p>
+            <a:pPr algn="ctr"/>
+            <a:r>
+              <a:rPr lang="en-US" altLang="zh-CN" sz="2400" dirty="0" smtClean="0"/>
+              <a:t>1</a:t>
+            </a:r>
+            <a:endParaRPr lang="zh-CN" altLang="en-US" sz="2400" dirty="0"/>
+          </a:p>
+        </p:txBody>
+      </p:sp>
+      <p:sp>
+        <p:nvSpPr>
+          <p:cNvPr id="35" name="矩形 34"/>
+          <p:cNvSpPr/>
+          <p:nvPr/>
+        </p:nvSpPr>
+        <p:spPr>
+          <a:xfrm>
+            <a:off x="7005814" y="5223026"/>
+            <a:ext cx="364066" cy="381000"/>
+          </a:xfrm>
+          <a:prstGeom prst="rect">
+            <a:avLst/>
+          </a:prstGeom>
+          <a:solidFill>
+            <a:schemeClr val="accent2">
+              <a:lumMod val="75000"/>
+            </a:schemeClr>
+          </a:solidFill>
+          <a:ln>
+            <a:solidFill>
+              <a:schemeClr val="accent2">
+                <a:lumMod val="50000"/>
+              </a:schemeClr>
+            </a:solidFill>
+          </a:ln>
+        </p:spPr>
+        <p:style>
+          <a:lnRef idx="2">
+            <a:schemeClr val="accent1">
+              <a:shade val="50000"/>
+            </a:schemeClr>
+          </a:lnRef>
+          <a:fillRef idx="1">
+            <a:schemeClr val="accent1"/>
+          </a:fillRef>
+          <a:effectRef idx="0">
+            <a:schemeClr val="accent1"/>
+          </a:effectRef>
+          <a:fontRef idx="minor">
+            <a:schemeClr val="lt1"/>
+          </a:fontRef>
+        </p:style>
+        <p:txBody>
+          <a:bodyPr rtlCol="0" anchor="ctr"/>
+          <a:lstStyle/>
+          <a:p>
+            <a:pPr algn="ctr"/>
+            <a:r>
+              <a:rPr lang="en-US" altLang="zh-CN" sz="2400" dirty="0" smtClean="0"/>
+              <a:t>0</a:t>
+            </a:r>
+            <a:endParaRPr lang="zh-CN" altLang="en-US" sz="2400" dirty="0"/>
+          </a:p>
+        </p:txBody>
+      </p:sp>
+      <p:sp>
+        <p:nvSpPr>
+          <p:cNvPr id="36" name="矩形 35"/>
+          <p:cNvSpPr/>
+          <p:nvPr/>
+        </p:nvSpPr>
+        <p:spPr>
+          <a:xfrm>
+            <a:off x="7369880" y="3462865"/>
+            <a:ext cx="364066" cy="381000"/>
+          </a:xfrm>
+          <a:prstGeom prst="rect">
+            <a:avLst/>
+          </a:prstGeom>
+          <a:solidFill>
+            <a:schemeClr val="accent2">
+              <a:lumMod val="75000"/>
+            </a:schemeClr>
+          </a:solidFill>
+          <a:ln>
+            <a:solidFill>
+              <a:schemeClr val="accent2">
+                <a:lumMod val="50000"/>
+              </a:schemeClr>
+            </a:solidFill>
+          </a:ln>
+        </p:spPr>
+        <p:style>
+          <a:lnRef idx="2">
+            <a:schemeClr val="accent1">
+              <a:shade val="50000"/>
+            </a:schemeClr>
+          </a:lnRef>
+          <a:fillRef idx="1">
+            <a:schemeClr val="accent1"/>
+          </a:fillRef>
+          <a:effectRef idx="0">
+            <a:schemeClr val="accent1"/>
+          </a:effectRef>
+          <a:fontRef idx="minor">
+            <a:schemeClr val="lt1"/>
+          </a:fontRef>
+        </p:style>
+        <p:txBody>
+          <a:bodyPr rtlCol="0" anchor="ctr"/>
+          <a:lstStyle/>
+          <a:p>
+            <a:pPr algn="ctr"/>
+            <a:r>
+              <a:rPr lang="en-US" altLang="zh-CN" sz="2400" dirty="0" smtClean="0"/>
+              <a:t>0</a:t>
+            </a:r>
+            <a:endParaRPr lang="zh-CN" altLang="en-US" sz="2400" dirty="0"/>
+          </a:p>
+        </p:txBody>
+      </p:sp>
+      <p:sp>
+        <p:nvSpPr>
+          <p:cNvPr id="37" name="矩形 36"/>
+          <p:cNvSpPr/>
+          <p:nvPr/>
+        </p:nvSpPr>
+        <p:spPr>
+          <a:xfrm>
+            <a:off x="7733946" y="3462865"/>
+            <a:ext cx="364066" cy="381000"/>
+          </a:xfrm>
+          <a:prstGeom prst="rect">
+            <a:avLst/>
+          </a:prstGeom>
+          <a:solidFill>
+            <a:schemeClr val="accent2">
+              <a:lumMod val="75000"/>
+            </a:schemeClr>
+          </a:solidFill>
+          <a:ln>
+            <a:solidFill>
+              <a:schemeClr val="accent2">
+                <a:lumMod val="50000"/>
+              </a:schemeClr>
+            </a:solidFill>
+          </a:ln>
+        </p:spPr>
+        <p:style>
+          <a:lnRef idx="2">
+            <a:schemeClr val="accent1">
+              <a:shade val="50000"/>
+            </a:schemeClr>
+          </a:lnRef>
+          <a:fillRef idx="1">
+            <a:schemeClr val="accent1"/>
+          </a:fillRef>
+          <a:effectRef idx="0">
+            <a:schemeClr val="accent1"/>
+          </a:effectRef>
+          <a:fontRef idx="minor">
+            <a:schemeClr val="lt1"/>
+          </a:fontRef>
+        </p:style>
+        <p:txBody>
+          <a:bodyPr rtlCol="0" anchor="ctr"/>
+          <a:lstStyle/>
+          <a:p>
+            <a:pPr algn="ctr"/>
+            <a:r>
+              <a:rPr lang="en-US" altLang="zh-CN" sz="2400" dirty="0" smtClean="0"/>
+              <a:t>1</a:t>
+            </a:r>
+            <a:endParaRPr lang="zh-CN" altLang="en-US" sz="2400" dirty="0"/>
+          </a:p>
+        </p:txBody>
+      </p:sp>
+      <p:sp>
+        <p:nvSpPr>
+          <p:cNvPr id="38" name="矩形 37"/>
+          <p:cNvSpPr/>
+          <p:nvPr/>
+        </p:nvSpPr>
+        <p:spPr>
+          <a:xfrm>
+            <a:off x="8098012" y="5223026"/>
+            <a:ext cx="364066" cy="381000"/>
+          </a:xfrm>
+          <a:prstGeom prst="rect">
+            <a:avLst/>
+          </a:prstGeom>
+          <a:solidFill>
+            <a:schemeClr val="accent2">
+              <a:lumMod val="75000"/>
+            </a:schemeClr>
+          </a:solidFill>
+          <a:ln>
+            <a:solidFill>
+              <a:schemeClr val="accent2">
+                <a:lumMod val="50000"/>
+              </a:schemeClr>
+            </a:solidFill>
+          </a:ln>
+        </p:spPr>
+        <p:style>
+          <a:lnRef idx="2">
+            <a:schemeClr val="accent1">
+              <a:shade val="50000"/>
+            </a:schemeClr>
+          </a:lnRef>
+          <a:fillRef idx="1">
+            <a:schemeClr val="accent1"/>
+          </a:fillRef>
+          <a:effectRef idx="0">
+            <a:schemeClr val="accent1"/>
+          </a:effectRef>
+          <a:fontRef idx="minor">
+            <a:schemeClr val="lt1"/>
+          </a:fontRef>
+        </p:style>
+        <p:txBody>
+          <a:bodyPr rtlCol="0" anchor="ctr"/>
+          <a:lstStyle/>
+          <a:p>
+            <a:pPr algn="ctr"/>
+            <a:r>
+              <a:rPr lang="en-US" altLang="zh-CN" sz="2400" dirty="0" smtClean="0"/>
+              <a:t>1</a:t>
+            </a:r>
+            <a:endParaRPr lang="zh-CN" altLang="en-US" sz="2400" dirty="0"/>
+          </a:p>
+        </p:txBody>
+      </p:sp>
+      <p:sp>
+        <p:nvSpPr>
+          <p:cNvPr id="39" name="矩形 38"/>
+          <p:cNvSpPr/>
+          <p:nvPr/>
+        </p:nvSpPr>
+        <p:spPr>
+          <a:xfrm>
+            <a:off x="8462078" y="5223026"/>
+            <a:ext cx="364066" cy="381000"/>
+          </a:xfrm>
+          <a:prstGeom prst="rect">
+            <a:avLst/>
+          </a:prstGeom>
+          <a:solidFill>
+            <a:schemeClr val="accent2">
+              <a:lumMod val="75000"/>
+            </a:schemeClr>
+          </a:solidFill>
+          <a:ln>
+            <a:solidFill>
+              <a:schemeClr val="accent2">
+                <a:lumMod val="50000"/>
+              </a:schemeClr>
+            </a:solidFill>
+          </a:ln>
+        </p:spPr>
+        <p:style>
+          <a:lnRef idx="2">
+            <a:schemeClr val="accent1">
+              <a:shade val="50000"/>
+            </a:schemeClr>
+          </a:lnRef>
+          <a:fillRef idx="1">
+            <a:schemeClr val="accent1"/>
+          </a:fillRef>
+          <a:effectRef idx="0">
+            <a:schemeClr val="accent1"/>
+          </a:effectRef>
+          <a:fontRef idx="minor">
+            <a:schemeClr val="lt1"/>
+          </a:fontRef>
+        </p:style>
+        <p:txBody>
+          <a:bodyPr rtlCol="0" anchor="ctr"/>
+          <a:lstStyle/>
+          <a:p>
+            <a:pPr algn="ctr"/>
+            <a:r>
+              <a:rPr lang="en-US" altLang="zh-CN" sz="2400" dirty="0" smtClean="0"/>
+              <a:t>0</a:t>
+            </a:r>
+            <a:endParaRPr lang="zh-CN" altLang="en-US" sz="2400" dirty="0"/>
+          </a:p>
+        </p:txBody>
+      </p:sp>
+      <p:sp>
+        <p:nvSpPr>
+          <p:cNvPr id="40" name="文本框 39"/>
+          <p:cNvSpPr txBox="1"/>
+          <p:nvPr/>
+        </p:nvSpPr>
+        <p:spPr>
+          <a:xfrm>
+            <a:off x="5823833" y="2995023"/>
+            <a:ext cx="907698" cy="400110"/>
+          </a:xfrm>
+          <a:prstGeom prst="rect">
+            <a:avLst/>
+          </a:prstGeom>
+          <a:noFill/>
+        </p:spPr>
+        <p:txBody>
+          <a:bodyPr wrap="square" rtlCol="0" anchor="ctr">
+            <a:spAutoFit/>
+          </a:bodyPr>
+          <a:lstStyle/>
+          <a:p>
+            <a:r>
+              <a:rPr lang="zh-CN" altLang="en-US" sz="2000" dirty="0" smtClean="0">
+                <a:solidFill>
+                  <a:schemeClr val="accent5">
+                    <a:lumMod val="75000"/>
+                  </a:schemeClr>
+                </a:solidFill>
+                <a:latin typeface="幼圆" panose="02010509060101010101" pitchFamily="49" charset="-122"/>
+                <a:ea typeface="幼圆" panose="02010509060101010101" pitchFamily="49" charset="-122"/>
+              </a:rPr>
+              <a:t>子代</a:t>
+            </a:r>
+            <a:r>
+              <a:rPr lang="en-US" altLang="zh-CN" sz="2000" dirty="0" smtClean="0">
+                <a:solidFill>
+                  <a:schemeClr val="accent5">
+                    <a:lumMod val="75000"/>
+                  </a:schemeClr>
+                </a:solidFill>
+                <a:latin typeface="幼圆" panose="02010509060101010101" pitchFamily="49" charset="-122"/>
+                <a:ea typeface="幼圆" panose="02010509060101010101" pitchFamily="49" charset="-122"/>
+              </a:rPr>
+              <a:t>1</a:t>
+            </a:r>
+            <a:endParaRPr lang="zh-CN" altLang="en-US" sz="2000" dirty="0">
+              <a:solidFill>
+                <a:schemeClr val="accent5">
+                  <a:lumMod val="75000"/>
+                </a:schemeClr>
+              </a:solidFill>
+              <a:latin typeface="幼圆" panose="02010509060101010101" pitchFamily="49" charset="-122"/>
+              <a:ea typeface="幼圆" panose="02010509060101010101" pitchFamily="49" charset="-122"/>
+            </a:endParaRPr>
+          </a:p>
+        </p:txBody>
+      </p:sp>
+      <p:sp>
+        <p:nvSpPr>
+          <p:cNvPr id="41" name="文本框 40"/>
+          <p:cNvSpPr txBox="1"/>
+          <p:nvPr/>
+        </p:nvSpPr>
+        <p:spPr>
+          <a:xfrm>
+            <a:off x="5823833" y="4774294"/>
+            <a:ext cx="907698" cy="400110"/>
+          </a:xfrm>
+          <a:prstGeom prst="rect">
+            <a:avLst/>
+          </a:prstGeom>
+          <a:noFill/>
+        </p:spPr>
+        <p:txBody>
+          <a:bodyPr wrap="square" rtlCol="0" anchor="ctr">
+            <a:spAutoFit/>
+          </a:bodyPr>
+          <a:lstStyle/>
+          <a:p>
+            <a:r>
+              <a:rPr lang="zh-CN" altLang="en-US" sz="2000" dirty="0" smtClean="0">
+                <a:solidFill>
+                  <a:schemeClr val="accent5">
+                    <a:lumMod val="75000"/>
+                  </a:schemeClr>
+                </a:solidFill>
+                <a:latin typeface="幼圆" panose="02010509060101010101" pitchFamily="49" charset="-122"/>
+                <a:ea typeface="幼圆" panose="02010509060101010101" pitchFamily="49" charset="-122"/>
+              </a:rPr>
+              <a:t>子代</a:t>
+            </a:r>
+            <a:r>
+              <a:rPr lang="en-US" altLang="zh-CN" sz="2000" dirty="0" smtClean="0">
+                <a:solidFill>
+                  <a:schemeClr val="accent5">
+                    <a:lumMod val="75000"/>
+                  </a:schemeClr>
+                </a:solidFill>
+                <a:latin typeface="幼圆" panose="02010509060101010101" pitchFamily="49" charset="-122"/>
+                <a:ea typeface="幼圆" panose="02010509060101010101" pitchFamily="49" charset="-122"/>
+              </a:rPr>
+              <a:t>2</a:t>
+            </a:r>
+            <a:endParaRPr lang="zh-CN" altLang="en-US" sz="2000" dirty="0">
+              <a:solidFill>
+                <a:schemeClr val="accent5">
+                  <a:lumMod val="75000"/>
+                </a:schemeClr>
+              </a:solidFill>
+              <a:latin typeface="幼圆" panose="02010509060101010101" pitchFamily="49" charset="-122"/>
+              <a:ea typeface="幼圆" panose="02010509060101010101" pitchFamily="49" charset="-122"/>
+            </a:endParaRPr>
+          </a:p>
+        </p:txBody>
+      </p:sp>
+      <p:sp>
+        <p:nvSpPr>
+          <p:cNvPr id="3" name="十字箭头 2"/>
+          <p:cNvSpPr/>
+          <p:nvPr/>
+        </p:nvSpPr>
+        <p:spPr>
+          <a:xfrm rot="2623279">
+            <a:off x="4978114" y="3958542"/>
+            <a:ext cx="1007400" cy="1007400"/>
+          </a:xfrm>
+          <a:prstGeom prst="quadArrow">
+            <a:avLst>
+              <a:gd name="adj1" fmla="val 11034"/>
+              <a:gd name="adj2" fmla="val 15812"/>
+              <a:gd name="adj3" fmla="val 22500"/>
+            </a:avLst>
+          </a:prstGeom>
+          <a:ln>
+            <a:noFill/>
+          </a:ln>
+        </p:spPr>
+        <p:style>
+          <a:lnRef idx="2">
+            <a:schemeClr val="accent1">
+              <a:shade val="50000"/>
+            </a:schemeClr>
+          </a:lnRef>
+          <a:fillRef idx="1">
+            <a:schemeClr val="accent1"/>
+          </a:fillRef>
+          <a:effectRef idx="0">
+            <a:schemeClr val="accent1"/>
+          </a:effectRef>
+          <a:fontRef idx="minor">
+            <a:schemeClr val="lt1"/>
+          </a:fontRef>
+        </p:style>
+        <p:txBody>
+          <a:bodyPr rtlCol="0" anchor="ctr"/>
+          <a:lstStyle/>
+          <a:p>
+            <a:pPr algn="ctr"/>
+            <a:endParaRPr lang="zh-CN" altLang="en-US"/>
+          </a:p>
+        </p:txBody>
+      </p:sp>
+      <p:sp>
+        <p:nvSpPr>
+          <p:cNvPr id="42" name="文本框 41"/>
+          <p:cNvSpPr txBox="1"/>
+          <p:nvPr/>
+        </p:nvSpPr>
+        <p:spPr>
+          <a:xfrm>
+            <a:off x="3669872" y="5960723"/>
+            <a:ext cx="3770288" cy="288220"/>
+          </a:xfrm>
+          <a:prstGeom prst="rect">
+            <a:avLst/>
+          </a:prstGeom>
+          <a:noFill/>
+        </p:spPr>
+        <p:txBody>
+          <a:bodyPr wrap="square" lIns="0" tIns="0" rIns="0" bIns="0" rtlCol="0">
+            <a:spAutoFit/>
+          </a:bodyPr>
+          <a:lstStyle/>
+          <a:p>
+            <a:pPr algn="ctr">
+              <a:lnSpc>
+                <a:spcPct val="120000"/>
+              </a:lnSpc>
+              <a:spcAft>
+                <a:spcPts val="1000"/>
+              </a:spcAft>
+            </a:pPr>
+            <a:r>
+              <a:rPr lang="zh-CN" altLang="en-US" dirty="0" smtClean="0">
+                <a:solidFill>
+                  <a:srgbClr val="FF0000"/>
+                </a:solidFill>
+                <a:latin typeface="幼圆" panose="02010509060101010101" pitchFamily="49" charset="-122"/>
+                <a:ea typeface="幼圆" panose="02010509060101010101" pitchFamily="49" charset="-122"/>
+              </a:rPr>
+              <a:t>随机交换父代解每一位决策变量</a:t>
+            </a:r>
+            <a:endParaRPr lang="en-US" altLang="zh-CN" dirty="0" smtClean="0">
+              <a:solidFill>
+                <a:srgbClr val="FF0000"/>
+              </a:solidFill>
+              <a:latin typeface="幼圆" panose="02010509060101010101" pitchFamily="49" charset="-122"/>
+              <a:ea typeface="幼圆" panose="02010509060101010101" pitchFamily="49" charset="-122"/>
+            </a:endParaRPr>
+          </a:p>
+        </p:txBody>
+      </p:sp>
+    </p:spTree>
+    <p:extLst>
+      <p:ext uri="{BB962C8B-B14F-4D97-AF65-F5344CB8AC3E}">
+        <p14:creationId xmlns:p14="http://schemas.microsoft.com/office/powerpoint/2010/main" val="959271008"/>
+      </p:ext>
+    </p:extLst>
+  </p:cSld>
+  <p:clrMapOvr>
+    <a:masterClrMapping/>
+  </p:clrMapOvr>
+  <p:timing>
+    <p:tnLst>
+      <p:par>
+        <p:cTn id="1" dur="indefinite" restart="never" nodeType="tmRoot"/>
+      </p:par>
+    </p:tnLst>
+  </p:timing>
+</p:sld>
+</file>
+
+<file path=ppt/slides/slide35.xml><?xml version="1.0" encoding="utf-8"?>
+<p:sld xmlns:a="http://schemas.openxmlformats.org/drawingml/2006/main" xmlns:r="http://schemas.openxmlformats.org/officeDocument/2006/relationships" xmlns:p="http://schemas.openxmlformats.org/presentationml/2006/main">
+  <p:cSld>
+    <p:spTree>
+      <p:nvGrpSpPr>
+        <p:cNvPr id="1" name=""/>
+        <p:cNvGrpSpPr/>
+        <p:nvPr/>
+      </p:nvGrpSpPr>
+      <p:grpSpPr>
+        <a:xfrm>
+          <a:off x="0" y="0"/>
+          <a:ext cx="0" cy="0"/>
+          <a:chOff x="0" y="0"/>
+          <a:chExt cx="0" cy="0"/>
+        </a:xfrm>
+      </p:grpSpPr>
+      <mc:AlternateContent xmlns:mc="http://schemas.openxmlformats.org/markup-compatibility/2006" xmlns:a14="http://schemas.microsoft.com/office/drawing/2010/main">
+        <mc:Choice Requires="a14">
+          <p:sp>
+            <p:nvSpPr>
+              <p:cNvPr id="5" name="文本占位符 4"/>
+              <p:cNvSpPr>
+                <a:spLocks noGrp="1"/>
+              </p:cNvSpPr>
+              <p:nvPr>
+                <p:ph type="body" sz="quarter" idx="11"/>
+              </p:nvPr>
+            </p:nvSpPr>
+            <p:spPr>
+              <a:xfrm>
+                <a:off x="2137759" y="101598"/>
+                <a:ext cx="6835067" cy="6756401"/>
+              </a:xfrm>
+            </p:spPr>
+            <p:txBody>
+              <a:bodyPr>
+                <a:noAutofit/>
+              </a:bodyPr>
+              <a:lstStyle/>
+              <a:p>
+                <a:r>
+                  <a:rPr lang="zh-CN" altLang="en-US" dirty="0" smtClean="0"/>
+                  <a:t>决策变量是实数时的交叉算子：</a:t>
+                </a:r>
+                <a:endParaRPr lang="en-US" altLang="zh-CN" dirty="0" smtClean="0"/>
+              </a:p>
+              <a:p>
+                <a:endParaRPr lang="en-US" altLang="zh-CN" dirty="0"/>
+              </a:p>
+              <a:p>
+                <a:endParaRPr lang="en-US" altLang="zh-CN" dirty="0" smtClean="0"/>
+              </a:p>
+              <a:p>
+                <a:pPr marL="0" indent="0">
+                  <a:buNone/>
+                </a:pPr>
+                <a:endParaRPr lang="en-US" altLang="zh-CN" dirty="0" smtClean="0"/>
+              </a:p>
+              <a:p>
+                <a:pPr marL="0" indent="0">
+                  <a:buNone/>
+                </a:pPr>
+                <a:endParaRPr lang="en-US" altLang="zh-CN" dirty="0"/>
+              </a:p>
+              <a:p>
+                <a:r>
+                  <a:rPr lang="zh-CN" altLang="en-US" dirty="0" smtClean="0"/>
+                  <a:t>根据以下公式计算子代</a:t>
+                </a:r>
+                <a:endParaRPr lang="en-US" altLang="zh-CN" dirty="0" smtClean="0"/>
+              </a:p>
+              <a:p>
+                <a14:m>
+                  <m:oMath xmlns:m="http://schemas.openxmlformats.org/officeDocument/2006/math">
+                    <m:sSub>
+                      <m:sSubPr>
+                        <m:ctrlPr>
+                          <a:rPr lang="en-US" altLang="zh-CN" i="1" smtClean="0">
+                            <a:latin typeface="Cambria Math" panose="02040503050406030204" pitchFamily="18" charset="0"/>
+                          </a:rPr>
+                        </m:ctrlPr>
+                      </m:sSubPr>
+                      <m:e>
+                        <m:r>
+                          <a:rPr lang="en-US" altLang="zh-CN" b="0" i="1" smtClean="0">
+                            <a:latin typeface="Cambria Math" panose="02040503050406030204" pitchFamily="18" charset="0"/>
+                          </a:rPr>
+                          <m:t>𝑐</m:t>
+                        </m:r>
+                      </m:e>
+                      <m:sub>
+                        <m:r>
+                          <a:rPr lang="en-US" altLang="zh-CN" b="0" i="1" smtClean="0">
+                            <a:latin typeface="Cambria Math" panose="02040503050406030204" pitchFamily="18" charset="0"/>
+                          </a:rPr>
+                          <m:t>1,</m:t>
+                        </m:r>
+                        <m:r>
+                          <a:rPr lang="en-US" altLang="zh-CN" b="0" i="1" smtClean="0">
+                            <a:latin typeface="Cambria Math" panose="02040503050406030204" pitchFamily="18" charset="0"/>
+                          </a:rPr>
+                          <m:t>𝑖</m:t>
+                        </m:r>
+                      </m:sub>
+                    </m:sSub>
+                    <m:r>
+                      <a:rPr lang="en-US" altLang="zh-CN" b="0" i="1" smtClean="0">
+                        <a:latin typeface="Cambria Math" panose="02040503050406030204" pitchFamily="18" charset="0"/>
+                      </a:rPr>
+                      <m:t>=0.5</m:t>
+                    </m:r>
+                    <m:d>
+                      <m:dPr>
+                        <m:ctrlPr>
+                          <a:rPr lang="en-US" altLang="zh-CN" b="0" i="1" smtClean="0">
+                            <a:latin typeface="Cambria Math" panose="02040503050406030204" pitchFamily="18" charset="0"/>
+                          </a:rPr>
+                        </m:ctrlPr>
+                      </m:dPr>
+                      <m:e>
+                        <m:r>
+                          <a:rPr lang="en-US" altLang="zh-CN" b="0" i="1" smtClean="0">
+                            <a:latin typeface="Cambria Math" panose="02040503050406030204" pitchFamily="18" charset="0"/>
+                          </a:rPr>
+                          <m:t>1+</m:t>
+                        </m:r>
+                        <m:sSub>
+                          <m:sSubPr>
+                            <m:ctrlPr>
+                              <a:rPr lang="en-US" altLang="zh-CN" b="0" i="1" smtClean="0">
+                                <a:latin typeface="Cambria Math" panose="02040503050406030204" pitchFamily="18" charset="0"/>
+                              </a:rPr>
+                            </m:ctrlPr>
+                          </m:sSubPr>
+                          <m:e>
+                            <m:r>
+                              <a:rPr lang="zh-CN" altLang="en-US" i="1">
+                                <a:latin typeface="Cambria Math" panose="02040503050406030204" pitchFamily="18" charset="0"/>
+                              </a:rPr>
+                              <m:t>𝛽</m:t>
+                            </m:r>
+                          </m:e>
+                          <m:sub>
+                            <m:r>
+                              <a:rPr lang="en-US" altLang="zh-CN" b="0" i="1" smtClean="0">
+                                <a:latin typeface="Cambria Math" panose="02040503050406030204" pitchFamily="18" charset="0"/>
+                              </a:rPr>
+                              <m:t>𝑖</m:t>
+                            </m:r>
+                          </m:sub>
+                        </m:sSub>
+                      </m:e>
+                    </m:d>
+                    <m:sSub>
+                      <m:sSubPr>
+                        <m:ctrlPr>
+                          <a:rPr lang="en-US" altLang="zh-CN" b="0" i="1" smtClean="0">
+                            <a:latin typeface="Cambria Math" panose="02040503050406030204" pitchFamily="18" charset="0"/>
+                          </a:rPr>
+                        </m:ctrlPr>
+                      </m:sSubPr>
+                      <m:e>
+                        <m:r>
+                          <a:rPr lang="en-US" altLang="zh-CN" b="0" i="1" smtClean="0">
+                            <a:latin typeface="Cambria Math" panose="02040503050406030204" pitchFamily="18" charset="0"/>
+                          </a:rPr>
+                          <m:t>𝑥</m:t>
+                        </m:r>
+                      </m:e>
+                      <m:sub>
+                        <m:r>
+                          <a:rPr lang="en-US" altLang="zh-CN" b="0" i="1" smtClean="0">
+                            <a:latin typeface="Cambria Math" panose="02040503050406030204" pitchFamily="18" charset="0"/>
+                          </a:rPr>
+                          <m:t>1,</m:t>
+                        </m:r>
+                        <m:r>
+                          <a:rPr lang="en-US" altLang="zh-CN" b="0" i="1" smtClean="0">
+                            <a:latin typeface="Cambria Math" panose="02040503050406030204" pitchFamily="18" charset="0"/>
+                          </a:rPr>
+                          <m:t>𝑖</m:t>
+                        </m:r>
+                      </m:sub>
+                    </m:sSub>
+                    <m:r>
+                      <a:rPr lang="en-US" altLang="zh-CN" b="0" i="1" smtClean="0">
+                        <a:latin typeface="Cambria Math" panose="02040503050406030204" pitchFamily="18" charset="0"/>
+                      </a:rPr>
+                      <m:t>+0.5</m:t>
+                    </m:r>
+                    <m:d>
+                      <m:dPr>
+                        <m:ctrlPr>
+                          <a:rPr lang="en-US" altLang="zh-CN" b="0" i="1" smtClean="0">
+                            <a:latin typeface="Cambria Math" panose="02040503050406030204" pitchFamily="18" charset="0"/>
+                          </a:rPr>
+                        </m:ctrlPr>
+                      </m:dPr>
+                      <m:e>
+                        <m:r>
+                          <a:rPr lang="en-US" altLang="zh-CN" b="0" i="1" smtClean="0">
+                            <a:latin typeface="Cambria Math" panose="02040503050406030204" pitchFamily="18" charset="0"/>
+                          </a:rPr>
+                          <m:t>1−</m:t>
+                        </m:r>
+                        <m:sSub>
+                          <m:sSubPr>
+                            <m:ctrlPr>
+                              <a:rPr lang="en-US" altLang="zh-CN" i="1">
+                                <a:latin typeface="Cambria Math" panose="02040503050406030204" pitchFamily="18" charset="0"/>
+                              </a:rPr>
+                            </m:ctrlPr>
+                          </m:sSubPr>
+                          <m:e>
+                            <m:r>
+                              <a:rPr lang="zh-CN" altLang="en-US" i="1">
+                                <a:latin typeface="Cambria Math" panose="02040503050406030204" pitchFamily="18" charset="0"/>
+                              </a:rPr>
+                              <m:t>𝛽</m:t>
+                            </m:r>
+                          </m:e>
+                          <m:sub>
+                            <m:r>
+                              <a:rPr lang="en-US" altLang="zh-CN" i="1">
+                                <a:latin typeface="Cambria Math" panose="02040503050406030204" pitchFamily="18" charset="0"/>
+                              </a:rPr>
+                              <m:t>𝑖</m:t>
+                            </m:r>
+                          </m:sub>
+                        </m:sSub>
+                      </m:e>
+                    </m:d>
+                    <m:sSub>
+                      <m:sSubPr>
+                        <m:ctrlPr>
+                          <a:rPr lang="en-US" altLang="zh-CN" i="1">
+                            <a:latin typeface="Cambria Math" panose="02040503050406030204" pitchFamily="18" charset="0"/>
+                          </a:rPr>
+                        </m:ctrlPr>
+                      </m:sSubPr>
+                      <m:e>
+                        <m:r>
+                          <a:rPr lang="en-US" altLang="zh-CN" i="1">
+                            <a:latin typeface="Cambria Math" panose="02040503050406030204" pitchFamily="18" charset="0"/>
+                          </a:rPr>
+                          <m:t>𝑥</m:t>
+                        </m:r>
+                      </m:e>
+                      <m:sub>
+                        <m:r>
+                          <a:rPr lang="en-US" altLang="zh-CN" b="0" i="1" smtClean="0">
+                            <a:latin typeface="Cambria Math" panose="02040503050406030204" pitchFamily="18" charset="0"/>
+                          </a:rPr>
+                          <m:t>2</m:t>
+                        </m:r>
+                        <m:r>
+                          <a:rPr lang="en-US" altLang="zh-CN" i="1">
+                            <a:latin typeface="Cambria Math" panose="02040503050406030204" pitchFamily="18" charset="0"/>
+                          </a:rPr>
+                          <m:t>,</m:t>
+                        </m:r>
+                        <m:r>
+                          <a:rPr lang="en-US" altLang="zh-CN" i="1">
+                            <a:latin typeface="Cambria Math" panose="02040503050406030204" pitchFamily="18" charset="0"/>
+                          </a:rPr>
+                          <m:t>𝑖</m:t>
+                        </m:r>
+                      </m:sub>
+                    </m:sSub>
+                  </m:oMath>
+                </a14:m>
+                <a:endParaRPr lang="en-US" altLang="zh-CN" dirty="0" smtClean="0"/>
+              </a:p>
+              <a:p>
+                <a14:m>
+                  <m:oMath xmlns:m="http://schemas.openxmlformats.org/officeDocument/2006/math">
+                    <m:sSub>
+                      <m:sSubPr>
+                        <m:ctrlPr>
+                          <a:rPr lang="en-US" altLang="zh-CN" i="1">
+                            <a:latin typeface="Cambria Math" panose="02040503050406030204" pitchFamily="18" charset="0"/>
+                          </a:rPr>
+                        </m:ctrlPr>
+                      </m:sSubPr>
+                      <m:e>
+                        <m:r>
+                          <a:rPr lang="en-US" altLang="zh-CN" i="1">
+                            <a:latin typeface="Cambria Math" panose="02040503050406030204" pitchFamily="18" charset="0"/>
+                          </a:rPr>
+                          <m:t>𝑐</m:t>
+                        </m:r>
+                      </m:e>
+                      <m:sub>
+                        <m:r>
+                          <a:rPr lang="en-US" altLang="zh-CN" b="0" i="1" smtClean="0">
+                            <a:latin typeface="Cambria Math" panose="02040503050406030204" pitchFamily="18" charset="0"/>
+                          </a:rPr>
+                          <m:t>2</m:t>
+                        </m:r>
+                        <m:r>
+                          <a:rPr lang="en-US" altLang="zh-CN" i="1">
+                            <a:latin typeface="Cambria Math" panose="02040503050406030204" pitchFamily="18" charset="0"/>
+                          </a:rPr>
+                          <m:t>,</m:t>
+                        </m:r>
+                        <m:r>
+                          <a:rPr lang="en-US" altLang="zh-CN" i="1">
+                            <a:latin typeface="Cambria Math" panose="02040503050406030204" pitchFamily="18" charset="0"/>
+                          </a:rPr>
+                          <m:t>𝑖</m:t>
+                        </m:r>
+                      </m:sub>
+                    </m:sSub>
+                    <m:r>
+                      <a:rPr lang="en-US" altLang="zh-CN" i="1">
+                        <a:latin typeface="Cambria Math" panose="02040503050406030204" pitchFamily="18" charset="0"/>
+                      </a:rPr>
+                      <m:t>=0.5</m:t>
+                    </m:r>
+                    <m:d>
+                      <m:dPr>
+                        <m:ctrlPr>
+                          <a:rPr lang="en-US" altLang="zh-CN" i="1">
+                            <a:latin typeface="Cambria Math" panose="02040503050406030204" pitchFamily="18" charset="0"/>
+                          </a:rPr>
+                        </m:ctrlPr>
+                      </m:dPr>
+                      <m:e>
+                        <m:r>
+                          <a:rPr lang="en-US" altLang="zh-CN" i="1">
+                            <a:latin typeface="Cambria Math" panose="02040503050406030204" pitchFamily="18" charset="0"/>
+                          </a:rPr>
+                          <m:t>1</m:t>
+                        </m:r>
+                        <m:r>
+                          <a:rPr lang="en-US" altLang="zh-CN" b="0" i="1" smtClean="0">
+                            <a:latin typeface="Cambria Math" panose="02040503050406030204" pitchFamily="18" charset="0"/>
+                          </a:rPr>
+                          <m:t>−</m:t>
+                        </m:r>
+                        <m:sSub>
+                          <m:sSubPr>
+                            <m:ctrlPr>
+                              <a:rPr lang="en-US" altLang="zh-CN" i="1">
+                                <a:latin typeface="Cambria Math" panose="02040503050406030204" pitchFamily="18" charset="0"/>
+                              </a:rPr>
+                            </m:ctrlPr>
+                          </m:sSubPr>
+                          <m:e>
+                            <m:r>
+                              <a:rPr lang="zh-CN" altLang="en-US" i="1">
+                                <a:latin typeface="Cambria Math" panose="02040503050406030204" pitchFamily="18" charset="0"/>
+                              </a:rPr>
+                              <m:t>𝛽</m:t>
+                            </m:r>
+                          </m:e>
+                          <m:sub>
+                            <m:r>
+                              <a:rPr lang="en-US" altLang="zh-CN" i="1">
+                                <a:latin typeface="Cambria Math" panose="02040503050406030204" pitchFamily="18" charset="0"/>
+                              </a:rPr>
+                              <m:t>𝑖</m:t>
+                            </m:r>
+                          </m:sub>
+                        </m:sSub>
+                      </m:e>
+                    </m:d>
+                    <m:sSub>
+                      <m:sSubPr>
+                        <m:ctrlPr>
+                          <a:rPr lang="en-US" altLang="zh-CN" i="1">
+                            <a:latin typeface="Cambria Math" panose="02040503050406030204" pitchFamily="18" charset="0"/>
+                          </a:rPr>
+                        </m:ctrlPr>
+                      </m:sSubPr>
+                      <m:e>
+                        <m:r>
+                          <a:rPr lang="en-US" altLang="zh-CN" i="1">
+                            <a:latin typeface="Cambria Math" panose="02040503050406030204" pitchFamily="18" charset="0"/>
+                          </a:rPr>
+                          <m:t>𝑥</m:t>
+                        </m:r>
+                      </m:e>
+                      <m:sub>
+                        <m:r>
+                          <a:rPr lang="en-US" altLang="zh-CN" i="1">
+                            <a:latin typeface="Cambria Math" panose="02040503050406030204" pitchFamily="18" charset="0"/>
+                          </a:rPr>
+                          <m:t>1,</m:t>
+                        </m:r>
+                        <m:r>
+                          <a:rPr lang="en-US" altLang="zh-CN" i="1">
+                            <a:latin typeface="Cambria Math" panose="02040503050406030204" pitchFamily="18" charset="0"/>
+                          </a:rPr>
+                          <m:t>𝑖</m:t>
+                        </m:r>
+                      </m:sub>
+                    </m:sSub>
+                    <m:r>
+                      <a:rPr lang="en-US" altLang="zh-CN" i="1">
+                        <a:latin typeface="Cambria Math" panose="02040503050406030204" pitchFamily="18" charset="0"/>
+                      </a:rPr>
+                      <m:t>+0.5</m:t>
+                    </m:r>
+                    <m:d>
+                      <m:dPr>
+                        <m:ctrlPr>
+                          <a:rPr lang="en-US" altLang="zh-CN" i="1">
+                            <a:latin typeface="Cambria Math" panose="02040503050406030204" pitchFamily="18" charset="0"/>
+                          </a:rPr>
+                        </m:ctrlPr>
+                      </m:dPr>
+                      <m:e>
+                        <m:r>
+                          <a:rPr lang="en-US" altLang="zh-CN" i="1">
+                            <a:latin typeface="Cambria Math" panose="02040503050406030204" pitchFamily="18" charset="0"/>
+                          </a:rPr>
+                          <m:t>1</m:t>
+                        </m:r>
+                        <m:r>
+                          <a:rPr lang="en-US" altLang="zh-CN" b="0" i="1" smtClean="0">
+                            <a:latin typeface="Cambria Math" panose="02040503050406030204" pitchFamily="18" charset="0"/>
+                          </a:rPr>
+                          <m:t>+</m:t>
+                        </m:r>
+                        <m:sSub>
+                          <m:sSubPr>
+                            <m:ctrlPr>
+                              <a:rPr lang="en-US" altLang="zh-CN" i="1">
+                                <a:latin typeface="Cambria Math" panose="02040503050406030204" pitchFamily="18" charset="0"/>
+                              </a:rPr>
+                            </m:ctrlPr>
+                          </m:sSubPr>
+                          <m:e>
+                            <m:r>
+                              <a:rPr lang="zh-CN" altLang="en-US" i="1">
+                                <a:latin typeface="Cambria Math" panose="02040503050406030204" pitchFamily="18" charset="0"/>
+                              </a:rPr>
+                              <m:t>𝛽</m:t>
+                            </m:r>
+                          </m:e>
+                          <m:sub>
+                            <m:r>
+                              <a:rPr lang="en-US" altLang="zh-CN" i="1">
+                                <a:latin typeface="Cambria Math" panose="02040503050406030204" pitchFamily="18" charset="0"/>
+                              </a:rPr>
+                              <m:t>𝑖</m:t>
+                            </m:r>
+                          </m:sub>
+                        </m:sSub>
+                      </m:e>
+                    </m:d>
+                    <m:sSub>
+                      <m:sSubPr>
+                        <m:ctrlPr>
+                          <a:rPr lang="en-US" altLang="zh-CN" i="1">
+                            <a:latin typeface="Cambria Math" panose="02040503050406030204" pitchFamily="18" charset="0"/>
+                          </a:rPr>
+                        </m:ctrlPr>
+                      </m:sSubPr>
+                      <m:e>
+                        <m:r>
+                          <a:rPr lang="en-US" altLang="zh-CN" i="1">
+                            <a:latin typeface="Cambria Math" panose="02040503050406030204" pitchFamily="18" charset="0"/>
+                          </a:rPr>
+                          <m:t>𝑥</m:t>
+                        </m:r>
+                      </m:e>
+                      <m:sub>
+                        <m:r>
+                          <a:rPr lang="en-US" altLang="zh-CN" i="1">
+                            <a:latin typeface="Cambria Math" panose="02040503050406030204" pitchFamily="18" charset="0"/>
+                          </a:rPr>
+                          <m:t>2,</m:t>
+                        </m:r>
+                        <m:r>
+                          <a:rPr lang="en-US" altLang="zh-CN" i="1">
+                            <a:latin typeface="Cambria Math" panose="02040503050406030204" pitchFamily="18" charset="0"/>
+                          </a:rPr>
+                          <m:t>𝑖</m:t>
+                        </m:r>
+                      </m:sub>
+                    </m:sSub>
+                  </m:oMath>
+                </a14:m>
+                <a:endParaRPr lang="en-US" altLang="zh-CN" dirty="0" smtClean="0"/>
+              </a:p>
+              <a:p>
+                <a14:m>
+                  <m:oMath xmlns:m="http://schemas.openxmlformats.org/officeDocument/2006/math">
+                    <m:sSub>
+                      <m:sSubPr>
+                        <m:ctrlPr>
+                          <a:rPr lang="en-US" altLang="zh-CN" i="1">
+                            <a:latin typeface="Cambria Math" panose="02040503050406030204" pitchFamily="18" charset="0"/>
+                          </a:rPr>
+                        </m:ctrlPr>
+                      </m:sSubPr>
+                      <m:e>
+                        <m:r>
+                          <a:rPr lang="zh-CN" altLang="en-US" i="1">
+                            <a:latin typeface="Cambria Math" panose="02040503050406030204" pitchFamily="18" charset="0"/>
+                          </a:rPr>
+                          <m:t>𝛽</m:t>
+                        </m:r>
+                      </m:e>
+                      <m:sub>
+                        <m:r>
+                          <a:rPr lang="en-US" altLang="zh-CN" i="1">
+                            <a:latin typeface="Cambria Math" panose="02040503050406030204" pitchFamily="18" charset="0"/>
+                          </a:rPr>
+                          <m:t>𝑖</m:t>
+                        </m:r>
+                      </m:sub>
+                    </m:sSub>
+                    <m:r>
+                      <a:rPr lang="en-US" altLang="zh-CN" b="0" i="1" smtClean="0">
+                        <a:latin typeface="Cambria Math" panose="02040503050406030204" pitchFamily="18" charset="0"/>
+                      </a:rPr>
+                      <m:t>=</m:t>
+                    </m:r>
+                    <m:d>
+                      <m:dPr>
+                        <m:begChr m:val="{"/>
+                        <m:endChr m:val=""/>
+                        <m:ctrlPr>
+                          <a:rPr lang="en-US" altLang="zh-CN" b="0" i="1" smtClean="0">
+                            <a:latin typeface="Cambria Math" panose="02040503050406030204" pitchFamily="18" charset="0"/>
+                          </a:rPr>
+                        </m:ctrlPr>
+                      </m:dPr>
+                      <m:e>
+                        <m:eqArr>
+                          <m:eqArrPr>
+                            <m:ctrlPr>
+                              <a:rPr lang="en-US" altLang="zh-CN" b="0" i="1" smtClean="0">
+                                <a:latin typeface="Cambria Math" panose="02040503050406030204" pitchFamily="18" charset="0"/>
+                              </a:rPr>
+                            </m:ctrlPr>
+                          </m:eqArrPr>
+                          <m:e>
+                            <m:sSup>
+                              <m:sSupPr>
+                                <m:ctrlPr>
+                                  <a:rPr lang="en-US" altLang="zh-CN" b="0" i="1" smtClean="0">
+                                    <a:latin typeface="Cambria Math" panose="02040503050406030204" pitchFamily="18" charset="0"/>
+                                  </a:rPr>
+                                </m:ctrlPr>
+                              </m:sSupPr>
+                              <m:e>
+                                <m:r>
+                                  <a:rPr lang="en-US" altLang="zh-CN" i="1">
+                                    <a:latin typeface="Cambria Math" panose="02040503050406030204" pitchFamily="18" charset="0"/>
+                                  </a:rPr>
+                                  <m:t>(2</m:t>
+                                </m:r>
+                                <m:sSub>
+                                  <m:sSubPr>
+                                    <m:ctrlPr>
+                                      <a:rPr lang="en-US" altLang="zh-CN" i="1">
+                                        <a:latin typeface="Cambria Math" panose="02040503050406030204" pitchFamily="18" charset="0"/>
+                                      </a:rPr>
+                                    </m:ctrlPr>
+                                  </m:sSubPr>
+                                  <m:e>
+                                    <m:r>
+                                      <a:rPr lang="en-US" altLang="zh-CN" i="1">
+                                        <a:latin typeface="Cambria Math" panose="02040503050406030204" pitchFamily="18" charset="0"/>
+                                      </a:rPr>
+                                      <m:t>𝑢</m:t>
+                                    </m:r>
+                                  </m:e>
+                                  <m:sub>
+                                    <m:r>
+                                      <a:rPr lang="en-US" altLang="zh-CN" i="1">
+                                        <a:latin typeface="Cambria Math" panose="02040503050406030204" pitchFamily="18" charset="0"/>
+                                      </a:rPr>
+                                      <m:t>𝑖</m:t>
+                                    </m:r>
+                                  </m:sub>
+                                </m:sSub>
+                                <m:r>
+                                  <a:rPr lang="en-US" altLang="zh-CN" i="1">
+                                    <a:latin typeface="Cambria Math" panose="02040503050406030204" pitchFamily="18" charset="0"/>
+                                  </a:rPr>
+                                  <m:t>)</m:t>
+                                </m:r>
+                              </m:e>
+                              <m:sup>
+                                <m:f>
+                                  <m:fPr>
+                                    <m:ctrlPr>
+                                      <a:rPr lang="en-US" altLang="zh-CN" b="0" i="1" smtClean="0">
+                                        <a:latin typeface="Cambria Math" panose="02040503050406030204" pitchFamily="18" charset="0"/>
+                                      </a:rPr>
+                                    </m:ctrlPr>
+                                  </m:fPr>
+                                  <m:num>
+                                    <m:r>
+                                      <a:rPr lang="en-US" altLang="zh-CN" b="0" i="1" smtClean="0">
+                                        <a:latin typeface="Cambria Math" panose="02040503050406030204" pitchFamily="18" charset="0"/>
+                                      </a:rPr>
+                                      <m:t>1</m:t>
+                                    </m:r>
+                                  </m:num>
+                                  <m:den>
+                                    <m:r>
+                                      <a:rPr lang="zh-CN" altLang="en-US" b="0" i="1" smtClean="0">
+                                        <a:latin typeface="Cambria Math" panose="02040503050406030204" pitchFamily="18" charset="0"/>
+                                      </a:rPr>
+                                      <m:t>𝜂</m:t>
+                                    </m:r>
+                                    <m:r>
+                                      <a:rPr lang="en-US" altLang="zh-CN" b="0" i="1" smtClean="0">
+                                        <a:latin typeface="Cambria Math" panose="02040503050406030204" pitchFamily="18" charset="0"/>
+                                      </a:rPr>
+                                      <m:t>+1</m:t>
+                                    </m:r>
+                                  </m:den>
+                                </m:f>
+                              </m:sup>
+                            </m:sSup>
+                            <m:r>
+                              <a:rPr lang="en-US" altLang="zh-CN" b="0" i="1" smtClean="0">
+                                <a:latin typeface="Cambria Math" panose="02040503050406030204" pitchFamily="18" charset="0"/>
+                              </a:rPr>
+                              <m:t>,             </m:t>
+                            </m:r>
+                            <m:sSub>
+                              <m:sSubPr>
+                                <m:ctrlPr>
+                                  <a:rPr lang="en-US" altLang="zh-CN" i="1">
+                                    <a:latin typeface="Cambria Math" panose="02040503050406030204" pitchFamily="18" charset="0"/>
+                                  </a:rPr>
+                                </m:ctrlPr>
+                              </m:sSubPr>
+                              <m:e>
+                                <m:r>
+                                  <a:rPr lang="en-US" altLang="zh-CN" i="1">
+                                    <a:latin typeface="Cambria Math" panose="02040503050406030204" pitchFamily="18" charset="0"/>
+                                  </a:rPr>
+                                  <m:t>𝑢</m:t>
+                                </m:r>
+                              </m:e>
+                              <m:sub>
+                                <m:r>
+                                  <a:rPr lang="en-US" altLang="zh-CN" i="1">
+                                    <a:latin typeface="Cambria Math" panose="02040503050406030204" pitchFamily="18" charset="0"/>
+                                  </a:rPr>
+                                  <m:t>𝑖</m:t>
+                                </m:r>
+                              </m:sub>
+                            </m:sSub>
+                            <m:r>
+                              <a:rPr lang="en-US" altLang="zh-CN" b="0" i="1" smtClean="0">
+                                <a:latin typeface="Cambria Math" panose="02040503050406030204" pitchFamily="18" charset="0"/>
+                                <a:ea typeface="Cambria Math" panose="02040503050406030204" pitchFamily="18" charset="0"/>
+                              </a:rPr>
+                              <m:t>≤0.5</m:t>
+                            </m:r>
+                          </m:e>
+                          <m:e>
+                            <m:sSup>
+                              <m:sSupPr>
+                                <m:ctrlPr>
+                                  <a:rPr lang="en-US" altLang="zh-CN" i="1">
+                                    <a:latin typeface="Cambria Math" panose="02040503050406030204" pitchFamily="18" charset="0"/>
+                                  </a:rPr>
+                                </m:ctrlPr>
+                              </m:sSupPr>
+                              <m:e>
+                                <m:r>
+                                  <a:rPr lang="en-US" altLang="zh-CN" i="1">
+                                    <a:latin typeface="Cambria Math" panose="02040503050406030204" pitchFamily="18" charset="0"/>
+                                  </a:rPr>
+                                  <m:t>(2</m:t>
+                                </m:r>
+                                <m:r>
+                                  <a:rPr lang="en-US" altLang="zh-CN" b="0" i="1" smtClean="0">
+                                    <a:latin typeface="Cambria Math" panose="02040503050406030204" pitchFamily="18" charset="0"/>
+                                  </a:rPr>
+                                  <m:t>−2</m:t>
+                                </m:r>
+                                <m:sSub>
+                                  <m:sSubPr>
+                                    <m:ctrlPr>
+                                      <a:rPr lang="en-US" altLang="zh-CN" i="1">
+                                        <a:latin typeface="Cambria Math" panose="02040503050406030204" pitchFamily="18" charset="0"/>
+                                      </a:rPr>
+                                    </m:ctrlPr>
+                                  </m:sSubPr>
+                                  <m:e>
+                                    <m:r>
+                                      <a:rPr lang="en-US" altLang="zh-CN" i="1">
+                                        <a:latin typeface="Cambria Math" panose="02040503050406030204" pitchFamily="18" charset="0"/>
+                                      </a:rPr>
+                                      <m:t>𝑢</m:t>
+                                    </m:r>
+                                  </m:e>
+                                  <m:sub>
+                                    <m:r>
+                                      <a:rPr lang="en-US" altLang="zh-CN" i="1">
+                                        <a:latin typeface="Cambria Math" panose="02040503050406030204" pitchFamily="18" charset="0"/>
+                                      </a:rPr>
+                                      <m:t>𝑖</m:t>
+                                    </m:r>
+                                  </m:sub>
+                                </m:sSub>
+                                <m:r>
+                                  <a:rPr lang="en-US" altLang="zh-CN" i="1">
+                                    <a:latin typeface="Cambria Math" panose="02040503050406030204" pitchFamily="18" charset="0"/>
+                                  </a:rPr>
+                                  <m:t>)</m:t>
+                                </m:r>
+                              </m:e>
+                              <m:sup>
+                                <m:r>
+                                  <a:rPr lang="en-US" altLang="zh-CN" b="0" i="1" smtClean="0">
+                                    <a:latin typeface="Cambria Math" panose="02040503050406030204" pitchFamily="18" charset="0"/>
+                                  </a:rPr>
+                                  <m:t>−</m:t>
+                                </m:r>
+                                <m:f>
+                                  <m:fPr>
+                                    <m:ctrlPr>
+                                      <a:rPr lang="en-US" altLang="zh-CN" i="1">
+                                        <a:latin typeface="Cambria Math" panose="02040503050406030204" pitchFamily="18" charset="0"/>
+                                      </a:rPr>
+                                    </m:ctrlPr>
+                                  </m:fPr>
+                                  <m:num>
+                                    <m:r>
+                                      <a:rPr lang="en-US" altLang="zh-CN" i="1">
+                                        <a:latin typeface="Cambria Math" panose="02040503050406030204" pitchFamily="18" charset="0"/>
+                                      </a:rPr>
+                                      <m:t>1</m:t>
+                                    </m:r>
+                                  </m:num>
+                                  <m:den>
+                                    <m:r>
+                                      <a:rPr lang="zh-CN" altLang="en-US" i="1">
+                                        <a:latin typeface="Cambria Math" panose="02040503050406030204" pitchFamily="18" charset="0"/>
+                                      </a:rPr>
+                                      <m:t>𝜂</m:t>
+                                    </m:r>
+                                    <m:r>
+                                      <a:rPr lang="en-US" altLang="zh-CN" i="1">
+                                        <a:latin typeface="Cambria Math" panose="02040503050406030204" pitchFamily="18" charset="0"/>
+                                      </a:rPr>
+                                      <m:t>+1</m:t>
+                                    </m:r>
+                                  </m:den>
+                                </m:f>
+                              </m:sup>
+                            </m:sSup>
+                            <m:r>
+                              <a:rPr lang="en-US" altLang="zh-CN" b="0" i="1" smtClean="0">
+                                <a:latin typeface="Cambria Math" panose="02040503050406030204" pitchFamily="18" charset="0"/>
+                              </a:rPr>
+                              <m:t>,   </m:t>
+                            </m:r>
+                            <m:sSub>
+                              <m:sSubPr>
+                                <m:ctrlPr>
+                                  <a:rPr lang="en-US" altLang="zh-CN" i="1">
+                                    <a:latin typeface="Cambria Math" panose="02040503050406030204" pitchFamily="18" charset="0"/>
+                                  </a:rPr>
+                                </m:ctrlPr>
+                              </m:sSubPr>
+                              <m:e>
+                                <m:r>
+                                  <a:rPr lang="en-US" altLang="zh-CN" i="1">
+                                    <a:latin typeface="Cambria Math" panose="02040503050406030204" pitchFamily="18" charset="0"/>
+                                  </a:rPr>
+                                  <m:t>𝑢</m:t>
+                                </m:r>
+                              </m:e>
+                              <m:sub>
+                                <m:r>
+                                  <a:rPr lang="en-US" altLang="zh-CN" i="1">
+                                    <a:latin typeface="Cambria Math" panose="02040503050406030204" pitchFamily="18" charset="0"/>
+                                  </a:rPr>
+                                  <m:t>𝑖</m:t>
+                                </m:r>
+                              </m:sub>
+                            </m:sSub>
+                            <m:r>
+                              <a:rPr lang="en-US" altLang="zh-CN" b="0" i="1" smtClean="0">
+                                <a:latin typeface="Cambria Math" panose="02040503050406030204" pitchFamily="18" charset="0"/>
+                              </a:rPr>
+                              <m:t>&gt;0.5</m:t>
+                            </m:r>
+                          </m:e>
+                        </m:eqArr>
+                      </m:e>
+                    </m:d>
+                  </m:oMath>
+                </a14:m>
+                <a:endParaRPr lang="en-US" altLang="zh-CN" dirty="0" smtClean="0"/>
+              </a:p>
+              <a:p>
+                <a:r>
+                  <a:rPr lang="zh-CN" altLang="en-US" dirty="0" smtClean="0"/>
+                  <a:t>其中</a:t>
+                </a:r>
+                <a14:m>
+                  <m:oMath xmlns:m="http://schemas.openxmlformats.org/officeDocument/2006/math">
+                    <m:r>
+                      <a:rPr lang="en-US" altLang="zh-CN" b="0" i="0" smtClean="0">
+                        <a:latin typeface="Cambria Math" panose="02040503050406030204" pitchFamily="18" charset="0"/>
+                      </a:rPr>
+                      <m:t> </m:t>
+                    </m:r>
+                    <m:sSub>
+                      <m:sSubPr>
+                        <m:ctrlPr>
+                          <a:rPr lang="en-US" altLang="zh-CN" i="1">
+                            <a:latin typeface="Cambria Math" panose="02040503050406030204" pitchFamily="18" charset="0"/>
+                          </a:rPr>
+                        </m:ctrlPr>
+                      </m:sSubPr>
+                      <m:e>
+                        <m:r>
+                          <a:rPr lang="en-US" altLang="zh-CN" i="1">
+                            <a:latin typeface="Cambria Math" panose="02040503050406030204" pitchFamily="18" charset="0"/>
+                          </a:rPr>
+                          <m:t>𝑥</m:t>
+                        </m:r>
+                      </m:e>
+                      <m:sub>
+                        <m:r>
+                          <a:rPr lang="en-US" altLang="zh-CN" i="1">
+                            <a:latin typeface="Cambria Math" panose="02040503050406030204" pitchFamily="18" charset="0"/>
+                          </a:rPr>
+                          <m:t>1</m:t>
+                        </m:r>
+                        <m:r>
+                          <a:rPr lang="en-US" altLang="zh-CN" b="0" i="1" smtClean="0">
+                            <a:latin typeface="Cambria Math" panose="02040503050406030204" pitchFamily="18" charset="0"/>
+                          </a:rPr>
+                          <m:t>,</m:t>
+                        </m:r>
+                        <m:r>
+                          <a:rPr lang="en-US" altLang="zh-CN" b="0" i="1" smtClean="0">
+                            <a:latin typeface="Cambria Math" panose="02040503050406030204" pitchFamily="18" charset="0"/>
+                          </a:rPr>
+                          <m:t>𝑖</m:t>
+                        </m:r>
+                      </m:sub>
+                    </m:sSub>
+                    <m:r>
+                      <a:rPr lang="en-US" altLang="zh-CN" b="0" i="1" smtClean="0">
+                        <a:latin typeface="Cambria Math" panose="02040503050406030204" pitchFamily="18" charset="0"/>
+                      </a:rPr>
+                      <m:t>,</m:t>
+                    </m:r>
+                    <m:sSub>
+                      <m:sSubPr>
+                        <m:ctrlPr>
+                          <a:rPr lang="en-US" altLang="zh-CN" i="1">
+                            <a:latin typeface="Cambria Math" panose="02040503050406030204" pitchFamily="18" charset="0"/>
+                          </a:rPr>
+                        </m:ctrlPr>
+                      </m:sSubPr>
+                      <m:e>
+                        <m:r>
+                          <a:rPr lang="en-US" altLang="zh-CN" i="1">
+                            <a:latin typeface="Cambria Math" panose="02040503050406030204" pitchFamily="18" charset="0"/>
+                          </a:rPr>
+                          <m:t>𝑥</m:t>
+                        </m:r>
+                      </m:e>
+                      <m:sub>
+                        <m:r>
+                          <a:rPr lang="en-US" altLang="zh-CN" b="0" i="1" smtClean="0">
+                            <a:latin typeface="Cambria Math" panose="02040503050406030204" pitchFamily="18" charset="0"/>
+                          </a:rPr>
+                          <m:t>2</m:t>
+                        </m:r>
+                        <m:r>
+                          <a:rPr lang="en-US" altLang="zh-CN" i="1">
+                            <a:latin typeface="Cambria Math" panose="02040503050406030204" pitchFamily="18" charset="0"/>
+                          </a:rPr>
+                          <m:t>,</m:t>
+                        </m:r>
+                        <m:r>
+                          <a:rPr lang="en-US" altLang="zh-CN" i="1">
+                            <a:latin typeface="Cambria Math" panose="02040503050406030204" pitchFamily="18" charset="0"/>
+                          </a:rPr>
+                          <m:t>𝑖</m:t>
+                        </m:r>
+                      </m:sub>
+                    </m:sSub>
+                    <m:r>
+                      <a:rPr lang="en-US" altLang="zh-CN" b="0" i="1" smtClean="0">
+                        <a:latin typeface="Cambria Math" panose="02040503050406030204" pitchFamily="18" charset="0"/>
+                      </a:rPr>
+                      <m:t>,</m:t>
+                    </m:r>
+                    <m:sSub>
+                      <m:sSubPr>
+                        <m:ctrlPr>
+                          <a:rPr lang="en-US" altLang="zh-CN" i="1">
+                            <a:latin typeface="Cambria Math" panose="02040503050406030204" pitchFamily="18" charset="0"/>
+                          </a:rPr>
+                        </m:ctrlPr>
+                      </m:sSubPr>
+                      <m:e>
+                        <m:r>
+                          <a:rPr lang="en-US" altLang="zh-CN" b="0" i="1" smtClean="0">
+                            <a:latin typeface="Cambria Math" panose="02040503050406030204" pitchFamily="18" charset="0"/>
+                          </a:rPr>
+                          <m:t>𝑐</m:t>
+                        </m:r>
+                      </m:e>
+                      <m:sub>
+                        <m:r>
+                          <a:rPr lang="en-US" altLang="zh-CN" i="1">
+                            <a:latin typeface="Cambria Math" panose="02040503050406030204" pitchFamily="18" charset="0"/>
+                          </a:rPr>
+                          <m:t>1,</m:t>
+                        </m:r>
+                        <m:r>
+                          <a:rPr lang="en-US" altLang="zh-CN" i="1">
+                            <a:latin typeface="Cambria Math" panose="02040503050406030204" pitchFamily="18" charset="0"/>
+                          </a:rPr>
+                          <m:t>𝑖</m:t>
+                        </m:r>
+                      </m:sub>
+                    </m:sSub>
+                    <m:r>
+                      <a:rPr lang="en-US" altLang="zh-CN" b="0" i="1" smtClean="0">
+                        <a:latin typeface="Cambria Math" panose="02040503050406030204" pitchFamily="18" charset="0"/>
+                      </a:rPr>
+                      <m:t>,</m:t>
+                    </m:r>
+                    <m:sSub>
+                      <m:sSubPr>
+                        <m:ctrlPr>
+                          <a:rPr lang="en-US" altLang="zh-CN" i="1">
+                            <a:latin typeface="Cambria Math" panose="02040503050406030204" pitchFamily="18" charset="0"/>
+                          </a:rPr>
+                        </m:ctrlPr>
+                      </m:sSubPr>
+                      <m:e>
+                        <m:r>
+                          <a:rPr lang="en-US" altLang="zh-CN" b="0" i="1" smtClean="0">
+                            <a:latin typeface="Cambria Math" panose="02040503050406030204" pitchFamily="18" charset="0"/>
+                          </a:rPr>
+                          <m:t>𝑐</m:t>
+                        </m:r>
+                      </m:e>
+                      <m:sub>
+                        <m:r>
+                          <a:rPr lang="en-US" altLang="zh-CN" b="0" i="1" smtClean="0">
+                            <a:latin typeface="Cambria Math" panose="02040503050406030204" pitchFamily="18" charset="0"/>
+                          </a:rPr>
+                          <m:t>2</m:t>
+                        </m:r>
+                        <m:r>
+                          <a:rPr lang="en-US" altLang="zh-CN" i="1">
+                            <a:latin typeface="Cambria Math" panose="02040503050406030204" pitchFamily="18" charset="0"/>
+                          </a:rPr>
+                          <m:t>,</m:t>
+                        </m:r>
+                        <m:r>
+                          <a:rPr lang="en-US" altLang="zh-CN" i="1">
+                            <a:latin typeface="Cambria Math" panose="02040503050406030204" pitchFamily="18" charset="0"/>
+                          </a:rPr>
+                          <m:t>𝑖</m:t>
+                        </m:r>
+                      </m:sub>
+                    </m:sSub>
+                    <m:r>
+                      <a:rPr lang="en-US" altLang="zh-CN" b="0" i="1" smtClean="0">
+                        <a:latin typeface="Cambria Math" panose="02040503050406030204" pitchFamily="18" charset="0"/>
+                      </a:rPr>
+                      <m:t> </m:t>
+                    </m:r>
+                  </m:oMath>
+                </a14:m>
+                <a:r>
+                  <a:rPr lang="zh-CN" altLang="en-US" dirty="0" smtClean="0"/>
+                  <a:t>表示父代</a:t>
+                </a:r>
+                <a:r>
+                  <a:rPr lang="en-US" altLang="zh-CN" dirty="0" smtClean="0"/>
+                  <a:t>1</a:t>
+                </a:r>
+                <a:r>
+                  <a:rPr lang="zh-CN" altLang="en-US" dirty="0" smtClean="0"/>
+                  <a:t>、父代</a:t>
+                </a:r>
+                <a:r>
+                  <a:rPr lang="en-US" altLang="zh-CN" dirty="0" smtClean="0"/>
+                  <a:t>2</a:t>
+                </a:r>
+                <a:r>
+                  <a:rPr lang="zh-CN" altLang="en-US" dirty="0" smtClean="0"/>
+                  <a:t>、子代</a:t>
+                </a:r>
+                <a:r>
+                  <a:rPr lang="en-US" altLang="zh-CN" dirty="0" smtClean="0"/>
+                  <a:t>1</a:t>
+                </a:r>
+                <a:r>
+                  <a:rPr lang="zh-CN" altLang="en-US" dirty="0" smtClean="0"/>
+                  <a:t>、子代</a:t>
+                </a:r>
+                <a:r>
+                  <a:rPr lang="en-US" altLang="zh-CN" dirty="0" smtClean="0"/>
+                  <a:t>2</a:t>
+                </a:r>
+                <a:r>
+                  <a:rPr lang="zh-CN" altLang="en-US" dirty="0" smtClean="0"/>
+                  <a:t>第</a:t>
+                </a:r>
+                <a14:m>
+                  <m:oMath xmlns:m="http://schemas.openxmlformats.org/officeDocument/2006/math">
+                    <m:r>
+                      <a:rPr lang="en-US" altLang="zh-CN" b="0" i="0" smtClean="0">
+                        <a:latin typeface="Cambria Math" panose="02040503050406030204" pitchFamily="18" charset="0"/>
+                      </a:rPr>
+                      <m:t> </m:t>
+                    </m:r>
+                    <m:r>
+                      <a:rPr lang="en-US" altLang="zh-CN" i="1">
+                        <a:latin typeface="Cambria Math" panose="02040503050406030204" pitchFamily="18" charset="0"/>
+                      </a:rPr>
+                      <m:t>𝑖</m:t>
+                    </m:r>
+                    <m:r>
+                      <a:rPr lang="en-US" altLang="zh-CN" b="0" i="1" smtClean="0">
+                        <a:latin typeface="Cambria Math" panose="02040503050406030204" pitchFamily="18" charset="0"/>
+                      </a:rPr>
+                      <m:t> </m:t>
+                    </m:r>
+                  </m:oMath>
+                </a14:m>
+                <a:r>
+                  <a:rPr lang="zh-CN" altLang="en-US" dirty="0" smtClean="0"/>
+                  <a:t>位决策变量的值，</a:t>
+                </a:r>
+                <a14:m>
+                  <m:oMath xmlns:m="http://schemas.openxmlformats.org/officeDocument/2006/math">
+                    <m:sSub>
+                      <m:sSubPr>
+                        <m:ctrlPr>
+                          <a:rPr lang="en-US" altLang="zh-CN" i="1">
+                            <a:latin typeface="Cambria Math" panose="02040503050406030204" pitchFamily="18" charset="0"/>
+                          </a:rPr>
+                        </m:ctrlPr>
+                      </m:sSubPr>
+                      <m:e>
+                        <m:r>
+                          <a:rPr lang="en-US" altLang="zh-CN" i="1">
+                            <a:latin typeface="Cambria Math" panose="02040503050406030204" pitchFamily="18" charset="0"/>
+                          </a:rPr>
+                          <m:t>𝑢</m:t>
+                        </m:r>
+                      </m:e>
+                      <m:sub>
+                        <m:r>
+                          <a:rPr lang="en-US" altLang="zh-CN" i="1">
+                            <a:latin typeface="Cambria Math" panose="02040503050406030204" pitchFamily="18" charset="0"/>
+                          </a:rPr>
+                          <m:t>𝑖</m:t>
+                        </m:r>
+                      </m:sub>
+                    </m:sSub>
+                    <m:r>
+                      <a:rPr lang="en-US" altLang="zh-CN" b="0" i="1" smtClean="0">
+                        <a:latin typeface="Cambria Math" panose="02040503050406030204" pitchFamily="18" charset="0"/>
+                      </a:rPr>
+                      <m:t> </m:t>
+                    </m:r>
+                  </m:oMath>
+                </a14:m>
+                <a:r>
+                  <a:rPr lang="zh-CN" altLang="en-US" dirty="0" smtClean="0"/>
+                  <a:t>是</a:t>
+                </a:r>
+                <a:r>
+                  <a:rPr lang="en-US" altLang="zh-CN" dirty="0" smtClean="0"/>
+                  <a:t>[0,1]</a:t>
+                </a:r>
+                <a:r>
+                  <a:rPr lang="zh-CN" altLang="en-US" dirty="0" smtClean="0"/>
+                  <a:t>内随机数，</a:t>
+                </a:r>
+                <a14:m>
+                  <m:oMath xmlns:m="http://schemas.openxmlformats.org/officeDocument/2006/math">
+                    <m:r>
+                      <a:rPr lang="zh-CN" altLang="en-US" i="1">
+                        <a:latin typeface="Cambria Math" panose="02040503050406030204" pitchFamily="18" charset="0"/>
+                      </a:rPr>
+                      <m:t>𝜂</m:t>
+                    </m:r>
+                    <m:r>
+                      <a:rPr lang="en-US" altLang="zh-CN" b="0" i="1" smtClean="0">
+                        <a:latin typeface="Cambria Math" panose="02040503050406030204" pitchFamily="18" charset="0"/>
+                      </a:rPr>
+                      <m:t> </m:t>
+                    </m:r>
+                  </m:oMath>
+                </a14:m>
+                <a:r>
+                  <a:rPr lang="zh-CN" altLang="en-US" dirty="0" smtClean="0"/>
+                  <a:t>是固定参数</a:t>
+                </a:r>
+                <a:endParaRPr lang="en-US" altLang="zh-CN" dirty="0" smtClean="0"/>
+              </a:p>
+            </p:txBody>
+          </p:sp>
+        </mc:Choice>
+        <mc:Fallback xmlns="">
+          <p:sp>
+            <p:nvSpPr>
+              <p:cNvPr id="5" name="文本占位符 4"/>
+              <p:cNvSpPr>
+                <a:spLocks noGrp="1" noRot="1" noChangeAspect="1" noMove="1" noResize="1" noEditPoints="1" noAdjustHandles="1" noChangeArrowheads="1" noChangeShapeType="1" noTextEdit="1"/>
+              </p:cNvSpPr>
+              <p:nvPr>
+                <p:ph type="body" sz="quarter" idx="11"/>
+              </p:nvPr>
+            </p:nvSpPr>
+            <p:spPr>
+              <a:xfrm>
+                <a:off x="2137759" y="101598"/>
+                <a:ext cx="6835067" cy="6756401"/>
+              </a:xfrm>
+              <a:blipFill rotWithShape="0">
+                <a:blip r:embed="rId2"/>
+                <a:stretch>
+                  <a:fillRect l="-1249" t="-993" r="-5888" b="-361"/>
+                </a:stretch>
+              </a:blipFill>
+            </p:spPr>
+            <p:txBody>
+              <a:bodyPr/>
+              <a:lstStyle/>
+              <a:p>
+                <a:r>
+                  <a:rPr lang="zh-CN" altLang="en-US">
+                    <a:noFill/>
+                  </a:rPr>
+                  <a:t> </a:t>
+                </a:r>
+              </a:p>
+            </p:txBody>
+          </p:sp>
+        </mc:Fallback>
+      </mc:AlternateContent>
+      <p:sp>
+        <p:nvSpPr>
+          <p:cNvPr id="44" name="矩形 43"/>
+          <p:cNvSpPr/>
+          <p:nvPr/>
+        </p:nvSpPr>
+        <p:spPr>
+          <a:xfrm>
+            <a:off x="2189059" y="1833146"/>
+            <a:ext cx="2914307" cy="381000"/>
+          </a:xfrm>
+          <a:prstGeom prst="rect">
+            <a:avLst/>
+          </a:prstGeom>
+          <a:solidFill>
+            <a:schemeClr val="accent2">
+              <a:lumMod val="75000"/>
+            </a:schemeClr>
+          </a:solidFill>
+          <a:ln>
+            <a:solidFill>
+              <a:schemeClr val="accent2">
+                <a:lumMod val="50000"/>
+              </a:schemeClr>
+            </a:solidFill>
+          </a:ln>
+        </p:spPr>
+        <p:style>
+          <a:lnRef idx="2">
+            <a:schemeClr val="accent1">
+              <a:shade val="50000"/>
+            </a:schemeClr>
+          </a:lnRef>
+          <a:fillRef idx="1">
+            <a:schemeClr val="accent1"/>
+          </a:fillRef>
+          <a:effectRef idx="0">
+            <a:schemeClr val="accent1"/>
+          </a:effectRef>
+          <a:fontRef idx="minor">
+            <a:schemeClr val="lt1"/>
+          </a:fontRef>
+        </p:style>
+        <p:txBody>
+          <a:bodyPr rtlCol="0" anchor="ctr"/>
+          <a:lstStyle/>
+          <a:p>
+            <a:pPr algn="ctr"/>
+            <a:endParaRPr lang="zh-CN" altLang="en-US" sz="2400"/>
+          </a:p>
+        </p:txBody>
+      </p:sp>
+      <p:sp>
+        <p:nvSpPr>
+          <p:cNvPr id="2" name="矩形 1"/>
+          <p:cNvSpPr/>
+          <p:nvPr/>
+        </p:nvSpPr>
+        <p:spPr>
+          <a:xfrm>
+            <a:off x="2189059" y="995855"/>
+            <a:ext cx="2914307" cy="381000"/>
+          </a:xfrm>
+          <a:prstGeom prst="rect">
+            <a:avLst/>
+          </a:prstGeom>
+        </p:spPr>
+        <p:style>
+          <a:lnRef idx="2">
+            <a:schemeClr val="accent1">
+              <a:shade val="50000"/>
+            </a:schemeClr>
+          </a:lnRef>
+          <a:fillRef idx="1">
+            <a:schemeClr val="accent1"/>
+          </a:fillRef>
+          <a:effectRef idx="0">
+            <a:schemeClr val="accent1"/>
+          </a:effectRef>
+          <a:fontRef idx="minor">
+            <a:schemeClr val="lt1"/>
+          </a:fontRef>
+        </p:style>
+        <p:txBody>
+          <a:bodyPr rtlCol="0" anchor="ctr"/>
+          <a:lstStyle/>
+          <a:p>
+            <a:pPr algn="ctr"/>
+            <a:endParaRPr lang="zh-CN" altLang="en-US"/>
+          </a:p>
+        </p:txBody>
+      </p:sp>
+      <p:sp>
+        <p:nvSpPr>
+          <p:cNvPr id="4" name="文本占位符 3"/>
+          <p:cNvSpPr>
+            <a:spLocks noGrp="1"/>
+          </p:cNvSpPr>
+          <p:nvPr>
+            <p:ph type="body" sz="quarter" idx="10"/>
+          </p:nvPr>
+        </p:nvSpPr>
+        <p:spPr/>
+        <p:txBody>
+          <a:bodyPr/>
+          <a:lstStyle/>
+          <a:p>
+            <a:r>
+              <a:rPr lang="zh-CN" altLang="en-US" dirty="0" smtClean="0"/>
+              <a:t>交叉算子</a:t>
+            </a:r>
+            <a:endParaRPr lang="zh-CN" altLang="en-US" dirty="0"/>
+          </a:p>
+        </p:txBody>
+      </p:sp>
+      <p:sp>
+        <p:nvSpPr>
+          <p:cNvPr id="23" name="文本框 22"/>
+          <p:cNvSpPr txBox="1"/>
+          <p:nvPr/>
+        </p:nvSpPr>
+        <p:spPr>
+          <a:xfrm>
+            <a:off x="2079733" y="528013"/>
+            <a:ext cx="907698" cy="400110"/>
+          </a:xfrm>
+          <a:prstGeom prst="rect">
+            <a:avLst/>
+          </a:prstGeom>
+          <a:noFill/>
+        </p:spPr>
+        <p:txBody>
+          <a:bodyPr wrap="square" rtlCol="0" anchor="ctr">
+            <a:spAutoFit/>
+          </a:bodyPr>
+          <a:lstStyle/>
+          <a:p>
+            <a:r>
+              <a:rPr lang="zh-CN" altLang="en-US" sz="2000" dirty="0" smtClean="0">
+                <a:solidFill>
+                  <a:schemeClr val="accent5">
+                    <a:lumMod val="75000"/>
+                  </a:schemeClr>
+                </a:solidFill>
+                <a:latin typeface="幼圆" panose="02010509060101010101" pitchFamily="49" charset="-122"/>
+                <a:ea typeface="幼圆" panose="02010509060101010101" pitchFamily="49" charset="-122"/>
+              </a:rPr>
+              <a:t>父代</a:t>
+            </a:r>
+            <a:r>
+              <a:rPr lang="en-US" altLang="zh-CN" sz="2000" dirty="0" smtClean="0">
+                <a:solidFill>
+                  <a:schemeClr val="accent5">
+                    <a:lumMod val="75000"/>
+                  </a:schemeClr>
+                </a:solidFill>
+                <a:latin typeface="幼圆" panose="02010509060101010101" pitchFamily="49" charset="-122"/>
+                <a:ea typeface="幼圆" panose="02010509060101010101" pitchFamily="49" charset="-122"/>
+              </a:rPr>
+              <a:t>1</a:t>
+            </a:r>
+            <a:endParaRPr lang="zh-CN" altLang="en-US" sz="2000" dirty="0">
+              <a:solidFill>
+                <a:schemeClr val="accent5">
+                  <a:lumMod val="75000"/>
+                </a:schemeClr>
+              </a:solidFill>
+              <a:latin typeface="幼圆" panose="02010509060101010101" pitchFamily="49" charset="-122"/>
+              <a:ea typeface="幼圆" panose="02010509060101010101" pitchFamily="49" charset="-122"/>
+            </a:endParaRPr>
+          </a:p>
+        </p:txBody>
+      </p:sp>
+      <p:sp>
+        <p:nvSpPr>
+          <p:cNvPr id="24" name="文本框 23"/>
+          <p:cNvSpPr txBox="1"/>
+          <p:nvPr/>
+        </p:nvSpPr>
+        <p:spPr>
+          <a:xfrm>
+            <a:off x="2079733" y="1384414"/>
+            <a:ext cx="907698" cy="400110"/>
+          </a:xfrm>
+          <a:prstGeom prst="rect">
+            <a:avLst/>
+          </a:prstGeom>
+          <a:noFill/>
+        </p:spPr>
+        <p:txBody>
+          <a:bodyPr wrap="square" rtlCol="0" anchor="ctr">
+            <a:spAutoFit/>
+          </a:bodyPr>
+          <a:lstStyle/>
+          <a:p>
+            <a:r>
+              <a:rPr lang="zh-CN" altLang="en-US" sz="2000" dirty="0" smtClean="0">
+                <a:solidFill>
+                  <a:schemeClr val="accent5">
+                    <a:lumMod val="75000"/>
+                  </a:schemeClr>
+                </a:solidFill>
+                <a:latin typeface="幼圆" panose="02010509060101010101" pitchFamily="49" charset="-122"/>
+                <a:ea typeface="幼圆" panose="02010509060101010101" pitchFamily="49" charset="-122"/>
+              </a:rPr>
+              <a:t>父代</a:t>
+            </a:r>
+            <a:r>
+              <a:rPr lang="en-US" altLang="zh-CN" sz="2000" dirty="0" smtClean="0">
+                <a:solidFill>
+                  <a:schemeClr val="accent5">
+                    <a:lumMod val="75000"/>
+                  </a:schemeClr>
+                </a:solidFill>
+                <a:latin typeface="幼圆" panose="02010509060101010101" pitchFamily="49" charset="-122"/>
+                <a:ea typeface="幼圆" panose="02010509060101010101" pitchFamily="49" charset="-122"/>
+              </a:rPr>
+              <a:t>2</a:t>
+            </a:r>
+            <a:endParaRPr lang="zh-CN" altLang="en-US" sz="2000" dirty="0">
+              <a:solidFill>
+                <a:schemeClr val="accent5">
+                  <a:lumMod val="75000"/>
+                </a:schemeClr>
+              </a:solidFill>
+              <a:latin typeface="幼圆" panose="02010509060101010101" pitchFamily="49" charset="-122"/>
+              <a:ea typeface="幼圆" panose="02010509060101010101" pitchFamily="49" charset="-122"/>
+            </a:endParaRPr>
+          </a:p>
+        </p:txBody>
+      </p:sp>
+      <p:sp>
+        <p:nvSpPr>
+          <p:cNvPr id="41" name="文本框 40"/>
+          <p:cNvSpPr txBox="1"/>
+          <p:nvPr/>
+        </p:nvSpPr>
+        <p:spPr>
+          <a:xfrm>
+            <a:off x="5877189" y="528013"/>
+            <a:ext cx="907698" cy="400110"/>
+          </a:xfrm>
+          <a:prstGeom prst="rect">
+            <a:avLst/>
+          </a:prstGeom>
+          <a:noFill/>
+        </p:spPr>
+        <p:txBody>
+          <a:bodyPr wrap="square" rtlCol="0" anchor="ctr">
+            <a:spAutoFit/>
+          </a:bodyPr>
+          <a:lstStyle/>
+          <a:p>
+            <a:r>
+              <a:rPr lang="zh-CN" altLang="en-US" sz="2000" dirty="0" smtClean="0">
+                <a:solidFill>
+                  <a:schemeClr val="accent5">
+                    <a:lumMod val="75000"/>
+                  </a:schemeClr>
+                </a:solidFill>
+                <a:latin typeface="幼圆" panose="02010509060101010101" pitchFamily="49" charset="-122"/>
+                <a:ea typeface="幼圆" panose="02010509060101010101" pitchFamily="49" charset="-122"/>
+              </a:rPr>
+              <a:t>子代</a:t>
+            </a:r>
+            <a:r>
+              <a:rPr lang="en-US" altLang="zh-CN" sz="2000" dirty="0" smtClean="0">
+                <a:solidFill>
+                  <a:schemeClr val="accent5">
+                    <a:lumMod val="75000"/>
+                  </a:schemeClr>
+                </a:solidFill>
+                <a:latin typeface="幼圆" panose="02010509060101010101" pitchFamily="49" charset="-122"/>
+                <a:ea typeface="幼圆" panose="02010509060101010101" pitchFamily="49" charset="-122"/>
+              </a:rPr>
+              <a:t>1</a:t>
+            </a:r>
+            <a:endParaRPr lang="zh-CN" altLang="en-US" sz="2000" dirty="0">
+              <a:solidFill>
+                <a:schemeClr val="accent5">
+                  <a:lumMod val="75000"/>
+                </a:schemeClr>
+              </a:solidFill>
+              <a:latin typeface="幼圆" panose="02010509060101010101" pitchFamily="49" charset="-122"/>
+              <a:ea typeface="幼圆" panose="02010509060101010101" pitchFamily="49" charset="-122"/>
+            </a:endParaRPr>
+          </a:p>
+        </p:txBody>
+      </p:sp>
+      <p:sp>
+        <p:nvSpPr>
+          <p:cNvPr id="42" name="文本框 41"/>
+          <p:cNvSpPr txBox="1"/>
+          <p:nvPr/>
+        </p:nvSpPr>
+        <p:spPr>
+          <a:xfrm>
+            <a:off x="5877189" y="1384414"/>
+            <a:ext cx="907698" cy="400110"/>
+          </a:xfrm>
+          <a:prstGeom prst="rect">
+            <a:avLst/>
+          </a:prstGeom>
+          <a:noFill/>
+        </p:spPr>
+        <p:txBody>
+          <a:bodyPr wrap="square" rtlCol="0" anchor="ctr">
+            <a:spAutoFit/>
+          </a:bodyPr>
+          <a:lstStyle/>
+          <a:p>
+            <a:r>
+              <a:rPr lang="zh-CN" altLang="en-US" sz="2000" dirty="0" smtClean="0">
+                <a:solidFill>
+                  <a:schemeClr val="accent5">
+                    <a:lumMod val="75000"/>
+                  </a:schemeClr>
+                </a:solidFill>
+                <a:latin typeface="幼圆" panose="02010509060101010101" pitchFamily="49" charset="-122"/>
+                <a:ea typeface="幼圆" panose="02010509060101010101" pitchFamily="49" charset="-122"/>
+              </a:rPr>
+              <a:t>子代</a:t>
+            </a:r>
+            <a:r>
+              <a:rPr lang="en-US" altLang="zh-CN" sz="2000" dirty="0" smtClean="0">
+                <a:solidFill>
+                  <a:schemeClr val="accent5">
+                    <a:lumMod val="75000"/>
+                  </a:schemeClr>
+                </a:solidFill>
+                <a:latin typeface="幼圆" panose="02010509060101010101" pitchFamily="49" charset="-122"/>
+                <a:ea typeface="幼圆" panose="02010509060101010101" pitchFamily="49" charset="-122"/>
+              </a:rPr>
+              <a:t>2</a:t>
+            </a:r>
+            <a:endParaRPr lang="zh-CN" altLang="en-US" sz="2000" dirty="0">
+              <a:solidFill>
+                <a:schemeClr val="accent5">
+                  <a:lumMod val="75000"/>
+                </a:schemeClr>
+              </a:solidFill>
+              <a:latin typeface="幼圆" panose="02010509060101010101" pitchFamily="49" charset="-122"/>
+              <a:ea typeface="幼圆" panose="02010509060101010101" pitchFamily="49" charset="-122"/>
+            </a:endParaRPr>
+          </a:p>
+        </p:txBody>
+      </p:sp>
+      <p:sp>
+        <p:nvSpPr>
+          <p:cNvPr id="43" name="十字箭头 42"/>
+          <p:cNvSpPr/>
+          <p:nvPr/>
+        </p:nvSpPr>
+        <p:spPr>
+          <a:xfrm rot="2623279">
+            <a:off x="5214960" y="1279358"/>
+            <a:ext cx="647347" cy="663219"/>
+          </a:xfrm>
+          <a:prstGeom prst="quadArrow">
+            <a:avLst>
+              <a:gd name="adj1" fmla="val 11034"/>
+              <a:gd name="adj2" fmla="val 15812"/>
+              <a:gd name="adj3" fmla="val 22500"/>
+            </a:avLst>
+          </a:prstGeom>
+          <a:ln>
+            <a:noFill/>
+          </a:ln>
+        </p:spPr>
+        <p:style>
+          <a:lnRef idx="2">
+            <a:schemeClr val="accent1">
+              <a:shade val="50000"/>
+            </a:schemeClr>
+          </a:lnRef>
+          <a:fillRef idx="1">
+            <a:schemeClr val="accent1"/>
+          </a:fillRef>
+          <a:effectRef idx="0">
+            <a:schemeClr val="accent1"/>
+          </a:effectRef>
+          <a:fontRef idx="minor">
+            <a:schemeClr val="lt1"/>
+          </a:fontRef>
+        </p:style>
+        <p:txBody>
+          <a:bodyPr rtlCol="0" anchor="ctr"/>
+          <a:lstStyle/>
+          <a:p>
+            <a:pPr algn="ctr"/>
+            <a:endParaRPr lang="zh-CN" altLang="en-US"/>
+          </a:p>
+        </p:txBody>
+      </p:sp>
+      <p:sp>
+        <p:nvSpPr>
+          <p:cNvPr id="46" name="矩形 45"/>
+          <p:cNvSpPr/>
+          <p:nvPr/>
+        </p:nvSpPr>
+        <p:spPr>
+          <a:xfrm>
+            <a:off x="6018550" y="1001111"/>
+            <a:ext cx="2914307" cy="381000"/>
+          </a:xfrm>
+          <a:prstGeom prst="rect">
+            <a:avLst/>
+          </a:prstGeom>
+          <a:gradFill>
+            <a:gsLst>
+              <a:gs pos="67000">
+                <a:srgbClr val="5B9BD5"/>
+              </a:gs>
+              <a:gs pos="100000">
+                <a:srgbClr val="C55A11"/>
+              </a:gs>
+            </a:gsLst>
+            <a:lin ang="5400000" scaled="1"/>
+          </a:gradFill>
+        </p:spPr>
+        <p:style>
+          <a:lnRef idx="2">
+            <a:schemeClr val="accent1">
+              <a:shade val="50000"/>
+            </a:schemeClr>
+          </a:lnRef>
+          <a:fillRef idx="1">
+            <a:schemeClr val="accent1"/>
+          </a:fillRef>
+          <a:effectRef idx="0">
+            <a:schemeClr val="accent1"/>
+          </a:effectRef>
+          <a:fontRef idx="minor">
+            <a:schemeClr val="lt1"/>
+          </a:fontRef>
+        </p:style>
+        <p:txBody>
+          <a:bodyPr rtlCol="0" anchor="ctr"/>
+          <a:lstStyle/>
+          <a:p>
+            <a:pPr algn="ctr"/>
+            <a:endParaRPr lang="zh-CN" altLang="en-US"/>
+          </a:p>
+        </p:txBody>
+      </p:sp>
+      <p:sp>
+        <p:nvSpPr>
+          <p:cNvPr id="47" name="矩形 46"/>
+          <p:cNvSpPr/>
+          <p:nvPr/>
+        </p:nvSpPr>
+        <p:spPr>
+          <a:xfrm>
+            <a:off x="6018549" y="1829868"/>
+            <a:ext cx="2914307" cy="381000"/>
+          </a:xfrm>
+          <a:prstGeom prst="rect">
+            <a:avLst/>
+          </a:prstGeom>
+          <a:gradFill>
+            <a:gsLst>
+              <a:gs pos="0">
+                <a:srgbClr val="5B9BD5"/>
+              </a:gs>
+              <a:gs pos="49000">
+                <a:srgbClr val="C55A11"/>
+              </a:gs>
+            </a:gsLst>
+            <a:lin ang="5400000" scaled="1"/>
+          </a:gradFill>
+        </p:spPr>
+        <p:style>
+          <a:lnRef idx="2">
+            <a:schemeClr val="accent1">
+              <a:shade val="50000"/>
+            </a:schemeClr>
+          </a:lnRef>
+          <a:fillRef idx="1">
+            <a:schemeClr val="accent1"/>
+          </a:fillRef>
+          <a:effectRef idx="0">
+            <a:schemeClr val="accent1"/>
+          </a:effectRef>
+          <a:fontRef idx="minor">
+            <a:schemeClr val="lt1"/>
+          </a:fontRef>
+        </p:style>
+        <p:txBody>
+          <a:bodyPr rtlCol="0" anchor="ctr"/>
+          <a:lstStyle/>
+          <a:p>
+            <a:pPr algn="ctr"/>
+            <a:endParaRPr lang="zh-CN" altLang="en-US"/>
+          </a:p>
+        </p:txBody>
+      </p:sp>
+    </p:spTree>
+    <p:extLst>
+      <p:ext uri="{BB962C8B-B14F-4D97-AF65-F5344CB8AC3E}">
+        <p14:creationId xmlns:p14="http://schemas.microsoft.com/office/powerpoint/2010/main" val="3458693304"/>
+      </p:ext>
+    </p:extLst>
+  </p:cSld>
+  <p:clrMapOvr>
+    <a:masterClrMapping/>
+  </p:clrMapOvr>
+  <p:timing>
+    <p:tnLst>
+      <p:par>
+        <p:cTn id="1" dur="indefinite" restart="never" nodeType="tmRoot"/>
+      </p:par>
+    </p:tnLst>
+  </p:timing>
+</p:sld>
+</file>
+
+<file path=ppt/slides/slide36.xml><?xml version="1.0" encoding="utf-8"?>
+<p:sld xmlns:a="http://schemas.openxmlformats.org/drawingml/2006/main" xmlns:r="http://schemas.openxmlformats.org/officeDocument/2006/relationships" xmlns:p="http://schemas.openxmlformats.org/presentationml/2006/main">
+  <p:cSld>
+    <p:spTree>
+      <p:nvGrpSpPr>
+        <p:cNvPr id="1" name=""/>
+        <p:cNvGrpSpPr/>
+        <p:nvPr/>
+      </p:nvGrpSpPr>
+      <p:grpSpPr>
+        <a:xfrm>
+          <a:off x="0" y="0"/>
+          <a:ext cx="0" cy="0"/>
+          <a:chOff x="0" y="0"/>
+          <a:chExt cx="0" cy="0"/>
+        </a:xfrm>
+      </p:grpSpPr>
+      <p:sp>
+        <p:nvSpPr>
+          <p:cNvPr id="2" name="文本占位符 1"/>
+          <p:cNvSpPr>
+            <a:spLocks noGrp="1"/>
+          </p:cNvSpPr>
+          <p:nvPr>
+            <p:ph type="body" sz="quarter" idx="10"/>
+          </p:nvPr>
+        </p:nvSpPr>
+        <p:spPr/>
+        <p:txBody>
+          <a:bodyPr/>
+          <a:lstStyle/>
+          <a:p>
+            <a:r>
+              <a:rPr lang="zh-CN" altLang="en-US" dirty="0" smtClean="0"/>
+              <a:t>变异算子</a:t>
+            </a:r>
+            <a:endParaRPr lang="zh-CN" altLang="en-US" dirty="0"/>
+          </a:p>
+        </p:txBody>
+      </p:sp>
+      <p:sp>
+        <p:nvSpPr>
+          <p:cNvPr id="3" name="文本占位符 2"/>
+          <p:cNvSpPr>
+            <a:spLocks noGrp="1"/>
+          </p:cNvSpPr>
+          <p:nvPr>
+            <p:ph type="body" sz="quarter" idx="11"/>
+          </p:nvPr>
+        </p:nvSpPr>
+        <p:spPr>
+          <a:xfrm>
+            <a:off x="2137483" y="355600"/>
+            <a:ext cx="6835067" cy="2873345"/>
+          </a:xfrm>
+        </p:spPr>
+        <p:txBody>
+          <a:bodyPr/>
+          <a:lstStyle/>
+          <a:p>
+            <a:r>
+              <a:rPr lang="zh-CN" altLang="en-US" dirty="0" smtClean="0"/>
+              <a:t>变异算子模拟生物的变异过程，对一个解进行随机的改变</a:t>
+            </a:r>
+            <a:endParaRPr lang="en-US" altLang="zh-CN" dirty="0" smtClean="0"/>
+          </a:p>
+          <a:p>
+            <a:endParaRPr lang="en-US" altLang="zh-CN" dirty="0"/>
+          </a:p>
+          <a:p>
+            <a:endParaRPr lang="en-US" altLang="zh-CN" dirty="0" smtClean="0"/>
+          </a:p>
+          <a:p>
+            <a:r>
+              <a:rPr lang="zh-CN" altLang="en-US" dirty="0" smtClean="0"/>
+              <a:t>决策变量是二进制时的变异算子：</a:t>
+            </a:r>
+            <a:endParaRPr lang="zh-CN" altLang="en-US" dirty="0"/>
+          </a:p>
+        </p:txBody>
+      </p:sp>
+      <p:sp>
+        <p:nvSpPr>
+          <p:cNvPr id="4" name="文本框 3"/>
+          <p:cNvSpPr txBox="1"/>
+          <p:nvPr/>
+        </p:nvSpPr>
+        <p:spPr>
+          <a:xfrm>
+            <a:off x="5173133" y="838364"/>
+            <a:ext cx="2683934" cy="288220"/>
+          </a:xfrm>
+          <a:prstGeom prst="rect">
+            <a:avLst/>
+          </a:prstGeom>
+          <a:noFill/>
+        </p:spPr>
+        <p:txBody>
+          <a:bodyPr wrap="square" lIns="0" tIns="0" rIns="0" bIns="0" rtlCol="0">
+            <a:spAutoFit/>
+          </a:bodyPr>
+          <a:lstStyle/>
+          <a:p>
+            <a:pPr algn="ctr">
+              <a:lnSpc>
+                <a:spcPct val="120000"/>
+              </a:lnSpc>
+              <a:spcAft>
+                <a:spcPts val="1000"/>
+              </a:spcAft>
+            </a:pPr>
+            <a:r>
+              <a:rPr lang="zh-CN" altLang="en-US" dirty="0" smtClean="0">
+                <a:solidFill>
+                  <a:srgbClr val="FF0000"/>
+                </a:solidFill>
+                <a:latin typeface="幼圆" panose="02010509060101010101" pitchFamily="49" charset="-122"/>
+                <a:ea typeface="幼圆" panose="02010509060101010101" pitchFamily="49" charset="-122"/>
+              </a:rPr>
+              <a:t>变异是进化的动力</a:t>
+            </a:r>
+            <a:endParaRPr lang="en-US" altLang="zh-CN" dirty="0" smtClean="0">
+              <a:solidFill>
+                <a:srgbClr val="FF0000"/>
+              </a:solidFill>
+              <a:latin typeface="幼圆" panose="02010509060101010101" pitchFamily="49" charset="-122"/>
+              <a:ea typeface="幼圆" panose="02010509060101010101" pitchFamily="49" charset="-122"/>
+            </a:endParaRPr>
+          </a:p>
+        </p:txBody>
+      </p:sp>
+      <p:sp>
+        <p:nvSpPr>
+          <p:cNvPr id="5" name="矩形 4"/>
+          <p:cNvSpPr/>
+          <p:nvPr/>
+        </p:nvSpPr>
+        <p:spPr>
+          <a:xfrm>
+            <a:off x="2225268" y="3733527"/>
+            <a:ext cx="364066" cy="381000"/>
+          </a:xfrm>
+          <a:prstGeom prst="rect">
+            <a:avLst/>
+          </a:prstGeom>
+        </p:spPr>
+        <p:style>
+          <a:lnRef idx="2">
+            <a:schemeClr val="accent1">
+              <a:shade val="50000"/>
+            </a:schemeClr>
+          </a:lnRef>
+          <a:fillRef idx="1">
+            <a:schemeClr val="accent1"/>
+          </a:fillRef>
+          <a:effectRef idx="0">
+            <a:schemeClr val="accent1"/>
+          </a:effectRef>
+          <a:fontRef idx="minor">
+            <a:schemeClr val="lt1"/>
+          </a:fontRef>
+        </p:style>
+        <p:txBody>
+          <a:bodyPr rtlCol="0" anchor="ctr"/>
+          <a:lstStyle/>
+          <a:p>
+            <a:pPr algn="ctr"/>
+            <a:r>
+              <a:rPr lang="en-US" altLang="zh-CN" sz="2400" dirty="0" smtClean="0"/>
+              <a:t>0</a:t>
+            </a:r>
+            <a:endParaRPr lang="zh-CN" altLang="en-US" sz="2400" dirty="0"/>
+          </a:p>
+        </p:txBody>
+      </p:sp>
+      <p:sp>
+        <p:nvSpPr>
+          <p:cNvPr id="6" name="矩形 5"/>
+          <p:cNvSpPr/>
+          <p:nvPr/>
+        </p:nvSpPr>
+        <p:spPr>
+          <a:xfrm>
+            <a:off x="2589334" y="3733527"/>
+            <a:ext cx="364066" cy="381000"/>
+          </a:xfrm>
+          <a:prstGeom prst="rect">
+            <a:avLst/>
+          </a:prstGeom>
+        </p:spPr>
+        <p:style>
+          <a:lnRef idx="2">
+            <a:schemeClr val="accent1">
+              <a:shade val="50000"/>
+            </a:schemeClr>
+          </a:lnRef>
+          <a:fillRef idx="1">
+            <a:schemeClr val="accent1"/>
+          </a:fillRef>
+          <a:effectRef idx="0">
+            <a:schemeClr val="accent1"/>
+          </a:effectRef>
+          <a:fontRef idx="minor">
+            <a:schemeClr val="lt1"/>
+          </a:fontRef>
+        </p:style>
+        <p:txBody>
+          <a:bodyPr rtlCol="0" anchor="ctr"/>
+          <a:lstStyle/>
+          <a:p>
+            <a:pPr algn="ctr"/>
+            <a:r>
+              <a:rPr lang="en-US" altLang="zh-CN" sz="2400" dirty="0" smtClean="0"/>
+              <a:t>1</a:t>
+            </a:r>
+            <a:endParaRPr lang="zh-CN" altLang="en-US" sz="2400" dirty="0"/>
+          </a:p>
+        </p:txBody>
+      </p:sp>
+      <p:sp>
+        <p:nvSpPr>
+          <p:cNvPr id="7" name="矩形 6"/>
+          <p:cNvSpPr/>
+          <p:nvPr/>
+        </p:nvSpPr>
+        <p:spPr>
+          <a:xfrm>
+            <a:off x="2953400" y="3733527"/>
+            <a:ext cx="364066" cy="381000"/>
+          </a:xfrm>
+          <a:prstGeom prst="rect">
+            <a:avLst/>
+          </a:prstGeom>
+        </p:spPr>
+        <p:style>
+          <a:lnRef idx="2">
+            <a:schemeClr val="accent1">
+              <a:shade val="50000"/>
+            </a:schemeClr>
+          </a:lnRef>
+          <a:fillRef idx="1">
+            <a:schemeClr val="accent1"/>
+          </a:fillRef>
+          <a:effectRef idx="0">
+            <a:schemeClr val="accent1"/>
+          </a:effectRef>
+          <a:fontRef idx="minor">
+            <a:schemeClr val="lt1"/>
+          </a:fontRef>
+        </p:style>
+        <p:txBody>
+          <a:bodyPr rtlCol="0" anchor="ctr"/>
+          <a:lstStyle/>
+          <a:p>
+            <a:pPr algn="ctr"/>
+            <a:r>
+              <a:rPr lang="en-US" altLang="zh-CN" sz="2400" dirty="0" smtClean="0"/>
+              <a:t>1</a:t>
+            </a:r>
+            <a:endParaRPr lang="zh-CN" altLang="en-US" sz="2400" dirty="0"/>
+          </a:p>
+        </p:txBody>
+      </p:sp>
+      <p:sp>
+        <p:nvSpPr>
+          <p:cNvPr id="8" name="矩形 7"/>
+          <p:cNvSpPr/>
+          <p:nvPr/>
+        </p:nvSpPr>
+        <p:spPr>
+          <a:xfrm>
+            <a:off x="3317466" y="3733527"/>
+            <a:ext cx="364066" cy="381000"/>
+          </a:xfrm>
+          <a:prstGeom prst="rect">
+            <a:avLst/>
+          </a:prstGeom>
+        </p:spPr>
+        <p:style>
+          <a:lnRef idx="2">
+            <a:schemeClr val="accent1">
+              <a:shade val="50000"/>
+            </a:schemeClr>
+          </a:lnRef>
+          <a:fillRef idx="1">
+            <a:schemeClr val="accent1"/>
+          </a:fillRef>
+          <a:effectRef idx="0">
+            <a:schemeClr val="accent1"/>
+          </a:effectRef>
+          <a:fontRef idx="minor">
+            <a:schemeClr val="lt1"/>
+          </a:fontRef>
+        </p:style>
+        <p:txBody>
+          <a:bodyPr rtlCol="0" anchor="ctr"/>
+          <a:lstStyle/>
+          <a:p>
+            <a:pPr algn="ctr"/>
+            <a:r>
+              <a:rPr lang="en-US" altLang="zh-CN" sz="2400" dirty="0" smtClean="0"/>
+              <a:t>0</a:t>
+            </a:r>
+            <a:endParaRPr lang="zh-CN" altLang="en-US" sz="2400" dirty="0"/>
+          </a:p>
+        </p:txBody>
+      </p:sp>
+      <p:sp>
+        <p:nvSpPr>
+          <p:cNvPr id="9" name="矩形 8"/>
+          <p:cNvSpPr/>
+          <p:nvPr/>
+        </p:nvSpPr>
+        <p:spPr>
+          <a:xfrm>
+            <a:off x="3681532" y="3733527"/>
+            <a:ext cx="364066" cy="381000"/>
+          </a:xfrm>
+          <a:prstGeom prst="rect">
+            <a:avLst/>
+          </a:prstGeom>
+        </p:spPr>
+        <p:style>
+          <a:lnRef idx="2">
+            <a:schemeClr val="accent1">
+              <a:shade val="50000"/>
+            </a:schemeClr>
+          </a:lnRef>
+          <a:fillRef idx="1">
+            <a:schemeClr val="accent1"/>
+          </a:fillRef>
+          <a:effectRef idx="0">
+            <a:schemeClr val="accent1"/>
+          </a:effectRef>
+          <a:fontRef idx="minor">
+            <a:schemeClr val="lt1"/>
+          </a:fontRef>
+        </p:style>
+        <p:txBody>
+          <a:bodyPr rtlCol="0" anchor="ctr"/>
+          <a:lstStyle/>
+          <a:p>
+            <a:pPr algn="ctr"/>
+            <a:r>
+              <a:rPr lang="en-US" altLang="zh-CN" sz="2400" dirty="0" smtClean="0"/>
+              <a:t>1</a:t>
+            </a:r>
+            <a:endParaRPr lang="zh-CN" altLang="en-US" sz="2400" dirty="0"/>
+          </a:p>
+        </p:txBody>
+      </p:sp>
+      <p:sp>
+        <p:nvSpPr>
+          <p:cNvPr id="10" name="矩形 9"/>
+          <p:cNvSpPr/>
+          <p:nvPr/>
+        </p:nvSpPr>
+        <p:spPr>
+          <a:xfrm>
+            <a:off x="4045598" y="3733527"/>
+            <a:ext cx="364066" cy="381000"/>
+          </a:xfrm>
+          <a:prstGeom prst="rect">
+            <a:avLst/>
+          </a:prstGeom>
+        </p:spPr>
+        <p:style>
+          <a:lnRef idx="2">
+            <a:schemeClr val="accent1">
+              <a:shade val="50000"/>
+            </a:schemeClr>
+          </a:lnRef>
+          <a:fillRef idx="1">
+            <a:schemeClr val="accent1"/>
+          </a:fillRef>
+          <a:effectRef idx="0">
+            <a:schemeClr val="accent1"/>
+          </a:effectRef>
+          <a:fontRef idx="minor">
+            <a:schemeClr val="lt1"/>
+          </a:fontRef>
+        </p:style>
+        <p:txBody>
+          <a:bodyPr rtlCol="0" anchor="ctr"/>
+          <a:lstStyle/>
+          <a:p>
+            <a:pPr algn="ctr"/>
+            <a:r>
+              <a:rPr lang="en-US" altLang="zh-CN" sz="2400" dirty="0" smtClean="0"/>
+              <a:t>0</a:t>
+            </a:r>
+            <a:endParaRPr lang="zh-CN" altLang="en-US" sz="2400" dirty="0"/>
+          </a:p>
+        </p:txBody>
+      </p:sp>
+      <p:sp>
+        <p:nvSpPr>
+          <p:cNvPr id="11" name="矩形 10"/>
+          <p:cNvSpPr/>
+          <p:nvPr/>
+        </p:nvSpPr>
+        <p:spPr>
+          <a:xfrm>
+            <a:off x="4409664" y="3733527"/>
+            <a:ext cx="364066" cy="381000"/>
+          </a:xfrm>
+          <a:prstGeom prst="rect">
+            <a:avLst/>
+          </a:prstGeom>
+        </p:spPr>
+        <p:style>
+          <a:lnRef idx="2">
+            <a:schemeClr val="accent1">
+              <a:shade val="50000"/>
+            </a:schemeClr>
+          </a:lnRef>
+          <a:fillRef idx="1">
+            <a:schemeClr val="accent1"/>
+          </a:fillRef>
+          <a:effectRef idx="0">
+            <a:schemeClr val="accent1"/>
+          </a:effectRef>
+          <a:fontRef idx="minor">
+            <a:schemeClr val="lt1"/>
+          </a:fontRef>
+        </p:style>
+        <p:txBody>
+          <a:bodyPr rtlCol="0" anchor="ctr"/>
+          <a:lstStyle/>
+          <a:p>
+            <a:pPr algn="ctr"/>
+            <a:r>
+              <a:rPr lang="en-US" altLang="zh-CN" sz="2400" dirty="0" smtClean="0"/>
+              <a:t>1</a:t>
+            </a:r>
+            <a:endParaRPr lang="zh-CN" altLang="en-US" sz="2400" dirty="0"/>
+          </a:p>
+        </p:txBody>
+      </p:sp>
+      <p:sp>
+        <p:nvSpPr>
+          <p:cNvPr id="12" name="矩形 11"/>
+          <p:cNvSpPr/>
+          <p:nvPr/>
+        </p:nvSpPr>
+        <p:spPr>
+          <a:xfrm>
+            <a:off x="4773730" y="3733527"/>
+            <a:ext cx="364066" cy="381000"/>
+          </a:xfrm>
+          <a:prstGeom prst="rect">
+            <a:avLst/>
+          </a:prstGeom>
+        </p:spPr>
+        <p:style>
+          <a:lnRef idx="2">
+            <a:schemeClr val="accent1">
+              <a:shade val="50000"/>
+            </a:schemeClr>
+          </a:lnRef>
+          <a:fillRef idx="1">
+            <a:schemeClr val="accent1"/>
+          </a:fillRef>
+          <a:effectRef idx="0">
+            <a:schemeClr val="accent1"/>
+          </a:effectRef>
+          <a:fontRef idx="minor">
+            <a:schemeClr val="lt1"/>
+          </a:fontRef>
+        </p:style>
+        <p:txBody>
+          <a:bodyPr rtlCol="0" anchor="ctr"/>
+          <a:lstStyle/>
+          <a:p>
+            <a:pPr algn="ctr"/>
+            <a:r>
+              <a:rPr lang="en-US" altLang="zh-CN" sz="2400" dirty="0" smtClean="0"/>
+              <a:t>0</a:t>
+            </a:r>
+            <a:endParaRPr lang="zh-CN" altLang="en-US" sz="2400" dirty="0"/>
+          </a:p>
+        </p:txBody>
+      </p:sp>
+      <p:sp>
+        <p:nvSpPr>
+          <p:cNvPr id="13" name="文本框 12"/>
+          <p:cNvSpPr txBox="1"/>
+          <p:nvPr/>
+        </p:nvSpPr>
+        <p:spPr>
+          <a:xfrm>
+            <a:off x="2085253" y="3251807"/>
+            <a:ext cx="1159217" cy="400110"/>
+          </a:xfrm>
+          <a:prstGeom prst="rect">
+            <a:avLst/>
+          </a:prstGeom>
+          <a:noFill/>
+        </p:spPr>
+        <p:txBody>
+          <a:bodyPr wrap="square" rtlCol="0" anchor="ctr">
+            <a:spAutoFit/>
+          </a:bodyPr>
+          <a:lstStyle/>
+          <a:p>
+            <a:r>
+              <a:rPr lang="zh-CN" altLang="en-US" sz="2000" dirty="0" smtClean="0">
+                <a:solidFill>
+                  <a:schemeClr val="accent5">
+                    <a:lumMod val="75000"/>
+                  </a:schemeClr>
+                </a:solidFill>
+                <a:latin typeface="幼圆" panose="02010509060101010101" pitchFamily="49" charset="-122"/>
+                <a:ea typeface="幼圆" panose="02010509060101010101" pitchFamily="49" charset="-122"/>
+              </a:rPr>
+              <a:t>变异前</a:t>
+            </a:r>
+            <a:endParaRPr lang="zh-CN" altLang="en-US" sz="2000" dirty="0">
+              <a:solidFill>
+                <a:schemeClr val="accent5">
+                  <a:lumMod val="75000"/>
+                </a:schemeClr>
+              </a:solidFill>
+              <a:latin typeface="幼圆" panose="02010509060101010101" pitchFamily="49" charset="-122"/>
+              <a:ea typeface="幼圆" panose="02010509060101010101" pitchFamily="49" charset="-122"/>
+            </a:endParaRPr>
+          </a:p>
+        </p:txBody>
+      </p:sp>
+      <p:sp>
+        <p:nvSpPr>
+          <p:cNvPr id="14" name="右箭头 13"/>
+          <p:cNvSpPr/>
+          <p:nvPr/>
+        </p:nvSpPr>
+        <p:spPr>
+          <a:xfrm>
+            <a:off x="5269832" y="3782768"/>
+            <a:ext cx="570367" cy="282518"/>
+          </a:xfrm>
+          <a:prstGeom prst="rightArrow">
+            <a:avLst/>
+          </a:prstGeom>
+          <a:ln>
+            <a:noFill/>
+          </a:ln>
+        </p:spPr>
+        <p:style>
+          <a:lnRef idx="2">
+            <a:schemeClr val="accent1">
+              <a:shade val="50000"/>
+            </a:schemeClr>
+          </a:lnRef>
+          <a:fillRef idx="1">
+            <a:schemeClr val="accent1"/>
+          </a:fillRef>
+          <a:effectRef idx="0">
+            <a:schemeClr val="accent1"/>
+          </a:effectRef>
+          <a:fontRef idx="minor">
+            <a:schemeClr val="lt1"/>
+          </a:fontRef>
+        </p:style>
+        <p:txBody>
+          <a:bodyPr rtlCol="0" anchor="ctr"/>
+          <a:lstStyle/>
+          <a:p>
+            <a:pPr algn="ctr"/>
+            <a:endParaRPr lang="zh-CN" altLang="en-US"/>
+          </a:p>
+        </p:txBody>
+      </p:sp>
+      <p:sp>
+        <p:nvSpPr>
+          <p:cNvPr id="15" name="矩形 14"/>
+          <p:cNvSpPr/>
+          <p:nvPr/>
+        </p:nvSpPr>
+        <p:spPr>
+          <a:xfrm>
+            <a:off x="5950890" y="3733527"/>
+            <a:ext cx="364066" cy="381000"/>
+          </a:xfrm>
+          <a:prstGeom prst="rect">
+            <a:avLst/>
+          </a:prstGeom>
+        </p:spPr>
+        <p:style>
+          <a:lnRef idx="2">
+            <a:schemeClr val="accent1">
+              <a:shade val="50000"/>
+            </a:schemeClr>
+          </a:lnRef>
+          <a:fillRef idx="1">
+            <a:schemeClr val="accent1"/>
+          </a:fillRef>
+          <a:effectRef idx="0">
+            <a:schemeClr val="accent1"/>
+          </a:effectRef>
+          <a:fontRef idx="minor">
+            <a:schemeClr val="lt1"/>
+          </a:fontRef>
+        </p:style>
+        <p:txBody>
+          <a:bodyPr rtlCol="0" anchor="ctr"/>
+          <a:lstStyle/>
+          <a:p>
+            <a:pPr algn="ctr"/>
+            <a:r>
+              <a:rPr lang="en-US" altLang="zh-CN" sz="2400" dirty="0" smtClean="0"/>
+              <a:t>0</a:t>
+            </a:r>
+            <a:endParaRPr lang="zh-CN" altLang="en-US" sz="2400" dirty="0"/>
+          </a:p>
+        </p:txBody>
+      </p:sp>
+      <p:sp>
+        <p:nvSpPr>
+          <p:cNvPr id="16" name="矩形 15"/>
+          <p:cNvSpPr/>
+          <p:nvPr/>
+        </p:nvSpPr>
+        <p:spPr>
+          <a:xfrm>
+            <a:off x="6314956" y="3733527"/>
+            <a:ext cx="364066" cy="381000"/>
+          </a:xfrm>
+          <a:prstGeom prst="rect">
+            <a:avLst/>
+          </a:prstGeom>
+        </p:spPr>
+        <p:style>
+          <a:lnRef idx="2">
+            <a:schemeClr val="accent1">
+              <a:shade val="50000"/>
+            </a:schemeClr>
+          </a:lnRef>
+          <a:fillRef idx="1">
+            <a:schemeClr val="accent1"/>
+          </a:fillRef>
+          <a:effectRef idx="0">
+            <a:schemeClr val="accent1"/>
+          </a:effectRef>
+          <a:fontRef idx="minor">
+            <a:schemeClr val="lt1"/>
+          </a:fontRef>
+        </p:style>
+        <p:txBody>
+          <a:bodyPr rtlCol="0" anchor="ctr"/>
+          <a:lstStyle/>
+          <a:p>
+            <a:pPr algn="ctr"/>
+            <a:r>
+              <a:rPr lang="en-US" altLang="zh-CN" sz="2400" dirty="0" smtClean="0"/>
+              <a:t>1</a:t>
+            </a:r>
+            <a:endParaRPr lang="zh-CN" altLang="en-US" sz="2400" dirty="0"/>
+          </a:p>
+        </p:txBody>
+      </p:sp>
+      <p:sp>
+        <p:nvSpPr>
+          <p:cNvPr id="17" name="矩形 16"/>
+          <p:cNvSpPr/>
+          <p:nvPr/>
+        </p:nvSpPr>
+        <p:spPr>
+          <a:xfrm>
+            <a:off x="6679022" y="3733527"/>
+            <a:ext cx="364066" cy="381000"/>
+          </a:xfrm>
+          <a:prstGeom prst="rect">
+            <a:avLst/>
+          </a:prstGeom>
+          <a:solidFill>
+            <a:schemeClr val="accent2">
+              <a:lumMod val="75000"/>
+            </a:schemeClr>
+          </a:solidFill>
+          <a:ln>
+            <a:solidFill>
+              <a:schemeClr val="accent2">
+                <a:lumMod val="50000"/>
+              </a:schemeClr>
+            </a:solidFill>
+          </a:ln>
+        </p:spPr>
+        <p:style>
+          <a:lnRef idx="2">
+            <a:schemeClr val="accent1">
+              <a:shade val="50000"/>
+            </a:schemeClr>
+          </a:lnRef>
+          <a:fillRef idx="1">
+            <a:schemeClr val="accent1"/>
+          </a:fillRef>
+          <a:effectRef idx="0">
+            <a:schemeClr val="accent1"/>
+          </a:effectRef>
+          <a:fontRef idx="minor">
+            <a:schemeClr val="lt1"/>
+          </a:fontRef>
+        </p:style>
+        <p:txBody>
+          <a:bodyPr rtlCol="0" anchor="ctr"/>
+          <a:lstStyle/>
+          <a:p>
+            <a:pPr algn="ctr"/>
+            <a:r>
+              <a:rPr lang="en-US" altLang="zh-CN" sz="2400" dirty="0"/>
+              <a:t>0</a:t>
+            </a:r>
+            <a:endParaRPr lang="zh-CN" altLang="en-US" sz="2400" dirty="0"/>
+          </a:p>
+        </p:txBody>
+      </p:sp>
+      <p:sp>
+        <p:nvSpPr>
+          <p:cNvPr id="18" name="矩形 17"/>
+          <p:cNvSpPr/>
+          <p:nvPr/>
+        </p:nvSpPr>
+        <p:spPr>
+          <a:xfrm>
+            <a:off x="7043088" y="3733527"/>
+            <a:ext cx="364066" cy="381000"/>
+          </a:xfrm>
+          <a:prstGeom prst="rect">
+            <a:avLst/>
+          </a:prstGeom>
+        </p:spPr>
+        <p:style>
+          <a:lnRef idx="2">
+            <a:schemeClr val="accent1">
+              <a:shade val="50000"/>
+            </a:schemeClr>
+          </a:lnRef>
+          <a:fillRef idx="1">
+            <a:schemeClr val="accent1"/>
+          </a:fillRef>
+          <a:effectRef idx="0">
+            <a:schemeClr val="accent1"/>
+          </a:effectRef>
+          <a:fontRef idx="minor">
+            <a:schemeClr val="lt1"/>
+          </a:fontRef>
+        </p:style>
+        <p:txBody>
+          <a:bodyPr rtlCol="0" anchor="ctr"/>
+          <a:lstStyle/>
+          <a:p>
+            <a:pPr algn="ctr"/>
+            <a:r>
+              <a:rPr lang="en-US" altLang="zh-CN" sz="2400" dirty="0" smtClean="0"/>
+              <a:t>0</a:t>
+            </a:r>
+            <a:endParaRPr lang="zh-CN" altLang="en-US" sz="2400" dirty="0"/>
+          </a:p>
+        </p:txBody>
+      </p:sp>
+      <p:sp>
+        <p:nvSpPr>
+          <p:cNvPr id="19" name="矩形 18"/>
+          <p:cNvSpPr/>
+          <p:nvPr/>
+        </p:nvSpPr>
+        <p:spPr>
+          <a:xfrm>
+            <a:off x="7407154" y="3733527"/>
+            <a:ext cx="364066" cy="381000"/>
+          </a:xfrm>
+          <a:prstGeom prst="rect">
+            <a:avLst/>
+          </a:prstGeom>
+        </p:spPr>
+        <p:style>
+          <a:lnRef idx="2">
+            <a:schemeClr val="accent1">
+              <a:shade val="50000"/>
+            </a:schemeClr>
+          </a:lnRef>
+          <a:fillRef idx="1">
+            <a:schemeClr val="accent1"/>
+          </a:fillRef>
+          <a:effectRef idx="0">
+            <a:schemeClr val="accent1"/>
+          </a:effectRef>
+          <a:fontRef idx="minor">
+            <a:schemeClr val="lt1"/>
+          </a:fontRef>
+        </p:style>
+        <p:txBody>
+          <a:bodyPr rtlCol="0" anchor="ctr"/>
+          <a:lstStyle/>
+          <a:p>
+            <a:pPr algn="ctr"/>
+            <a:r>
+              <a:rPr lang="en-US" altLang="zh-CN" sz="2400" dirty="0" smtClean="0"/>
+              <a:t>1</a:t>
+            </a:r>
+            <a:endParaRPr lang="zh-CN" altLang="en-US" sz="2400" dirty="0"/>
+          </a:p>
+        </p:txBody>
+      </p:sp>
+      <p:sp>
+        <p:nvSpPr>
+          <p:cNvPr id="20" name="矩形 19"/>
+          <p:cNvSpPr/>
+          <p:nvPr/>
+        </p:nvSpPr>
+        <p:spPr>
+          <a:xfrm>
+            <a:off x="7771220" y="3733527"/>
+            <a:ext cx="364066" cy="381000"/>
+          </a:xfrm>
+          <a:prstGeom prst="rect">
+            <a:avLst/>
+          </a:prstGeom>
+        </p:spPr>
+        <p:style>
+          <a:lnRef idx="2">
+            <a:schemeClr val="accent1">
+              <a:shade val="50000"/>
+            </a:schemeClr>
+          </a:lnRef>
+          <a:fillRef idx="1">
+            <a:schemeClr val="accent1"/>
+          </a:fillRef>
+          <a:effectRef idx="0">
+            <a:schemeClr val="accent1"/>
+          </a:effectRef>
+          <a:fontRef idx="minor">
+            <a:schemeClr val="lt1"/>
+          </a:fontRef>
+        </p:style>
+        <p:txBody>
+          <a:bodyPr rtlCol="0" anchor="ctr"/>
+          <a:lstStyle/>
+          <a:p>
+            <a:pPr algn="ctr"/>
+            <a:r>
+              <a:rPr lang="en-US" altLang="zh-CN" sz="2400" dirty="0" smtClean="0"/>
+              <a:t>0</a:t>
+            </a:r>
+            <a:endParaRPr lang="zh-CN" altLang="en-US" sz="2400" dirty="0"/>
+          </a:p>
+        </p:txBody>
+      </p:sp>
+      <p:sp>
+        <p:nvSpPr>
+          <p:cNvPr id="21" name="矩形 20"/>
+          <p:cNvSpPr/>
+          <p:nvPr/>
+        </p:nvSpPr>
+        <p:spPr>
+          <a:xfrm>
+            <a:off x="8135286" y="3733527"/>
+            <a:ext cx="364066" cy="381000"/>
+          </a:xfrm>
+          <a:prstGeom prst="rect">
+            <a:avLst/>
+          </a:prstGeom>
+          <a:solidFill>
+            <a:schemeClr val="accent2">
+              <a:lumMod val="75000"/>
+            </a:schemeClr>
+          </a:solidFill>
+          <a:ln>
+            <a:solidFill>
+              <a:schemeClr val="accent2">
+                <a:lumMod val="50000"/>
+              </a:schemeClr>
+            </a:solidFill>
+          </a:ln>
+        </p:spPr>
+        <p:style>
+          <a:lnRef idx="2">
+            <a:schemeClr val="accent1">
+              <a:shade val="50000"/>
+            </a:schemeClr>
+          </a:lnRef>
+          <a:fillRef idx="1">
+            <a:schemeClr val="accent1"/>
+          </a:fillRef>
+          <a:effectRef idx="0">
+            <a:schemeClr val="accent1"/>
+          </a:effectRef>
+          <a:fontRef idx="minor">
+            <a:schemeClr val="lt1"/>
+          </a:fontRef>
+        </p:style>
+        <p:txBody>
+          <a:bodyPr rtlCol="0" anchor="ctr"/>
+          <a:lstStyle/>
+          <a:p>
+            <a:pPr algn="ctr"/>
+            <a:r>
+              <a:rPr lang="en-US" altLang="zh-CN" sz="2400" dirty="0"/>
+              <a:t>0</a:t>
+            </a:r>
+            <a:endParaRPr lang="zh-CN" altLang="en-US" sz="2400" dirty="0"/>
+          </a:p>
+        </p:txBody>
+      </p:sp>
+      <p:sp>
+        <p:nvSpPr>
+          <p:cNvPr id="22" name="矩形 21"/>
+          <p:cNvSpPr/>
+          <p:nvPr/>
+        </p:nvSpPr>
+        <p:spPr>
+          <a:xfrm>
+            <a:off x="8499352" y="3733527"/>
+            <a:ext cx="364066" cy="381000"/>
+          </a:xfrm>
+          <a:prstGeom prst="rect">
+            <a:avLst/>
+          </a:prstGeom>
+        </p:spPr>
+        <p:style>
+          <a:lnRef idx="2">
+            <a:schemeClr val="accent1">
+              <a:shade val="50000"/>
+            </a:schemeClr>
+          </a:lnRef>
+          <a:fillRef idx="1">
+            <a:schemeClr val="accent1"/>
+          </a:fillRef>
+          <a:effectRef idx="0">
+            <a:schemeClr val="accent1"/>
+          </a:effectRef>
+          <a:fontRef idx="minor">
+            <a:schemeClr val="lt1"/>
+          </a:fontRef>
+        </p:style>
+        <p:txBody>
+          <a:bodyPr rtlCol="0" anchor="ctr"/>
+          <a:lstStyle/>
+          <a:p>
+            <a:pPr algn="ctr"/>
+            <a:r>
+              <a:rPr lang="en-US" altLang="zh-CN" sz="2400" dirty="0" smtClean="0"/>
+              <a:t>0</a:t>
+            </a:r>
+            <a:endParaRPr lang="zh-CN" altLang="en-US" sz="2400" dirty="0"/>
+          </a:p>
+        </p:txBody>
+      </p:sp>
+      <p:sp>
+        <p:nvSpPr>
+          <p:cNvPr id="23" name="文本框 22"/>
+          <p:cNvSpPr txBox="1"/>
+          <p:nvPr/>
+        </p:nvSpPr>
+        <p:spPr>
+          <a:xfrm>
+            <a:off x="3669871" y="4474999"/>
+            <a:ext cx="3770288" cy="332399"/>
+          </a:xfrm>
+          <a:prstGeom prst="rect">
+            <a:avLst/>
+          </a:prstGeom>
+          <a:noFill/>
+        </p:spPr>
+        <p:txBody>
+          <a:bodyPr wrap="square" lIns="0" tIns="0" rIns="0" bIns="0" rtlCol="0">
+            <a:spAutoFit/>
+          </a:bodyPr>
+          <a:lstStyle/>
+          <a:p>
+            <a:pPr algn="ctr">
+              <a:lnSpc>
+                <a:spcPct val="120000"/>
+              </a:lnSpc>
+              <a:spcAft>
+                <a:spcPts val="1000"/>
+              </a:spcAft>
+            </a:pPr>
+            <a:r>
+              <a:rPr lang="zh-CN" altLang="en-US" dirty="0" smtClean="0">
+                <a:solidFill>
+                  <a:srgbClr val="FF0000"/>
+                </a:solidFill>
+                <a:latin typeface="幼圆" panose="02010509060101010101" pitchFamily="49" charset="-122"/>
+                <a:ea typeface="幼圆" panose="02010509060101010101" pitchFamily="49" charset="-122"/>
+              </a:rPr>
+              <a:t>随机对解的某几位决策变量取反</a:t>
+            </a:r>
+            <a:endParaRPr lang="en-US" altLang="zh-CN" dirty="0" smtClean="0">
+              <a:solidFill>
+                <a:srgbClr val="FF0000"/>
+              </a:solidFill>
+              <a:latin typeface="幼圆" panose="02010509060101010101" pitchFamily="49" charset="-122"/>
+              <a:ea typeface="幼圆" panose="02010509060101010101" pitchFamily="49" charset="-122"/>
+            </a:endParaRPr>
+          </a:p>
+        </p:txBody>
+      </p:sp>
+      <p:sp>
+        <p:nvSpPr>
+          <p:cNvPr id="24" name="文本框 23"/>
+          <p:cNvSpPr txBox="1"/>
+          <p:nvPr/>
+        </p:nvSpPr>
+        <p:spPr>
+          <a:xfrm>
+            <a:off x="5840199" y="3257293"/>
+            <a:ext cx="1159217" cy="400110"/>
+          </a:xfrm>
+          <a:prstGeom prst="rect">
+            <a:avLst/>
+          </a:prstGeom>
+          <a:noFill/>
+        </p:spPr>
+        <p:txBody>
+          <a:bodyPr wrap="square" rtlCol="0" anchor="ctr">
+            <a:spAutoFit/>
+          </a:bodyPr>
+          <a:lstStyle/>
+          <a:p>
+            <a:r>
+              <a:rPr lang="zh-CN" altLang="en-US" sz="2000" dirty="0" smtClean="0">
+                <a:solidFill>
+                  <a:schemeClr val="accent5">
+                    <a:lumMod val="75000"/>
+                  </a:schemeClr>
+                </a:solidFill>
+                <a:latin typeface="幼圆" panose="02010509060101010101" pitchFamily="49" charset="-122"/>
+                <a:ea typeface="幼圆" panose="02010509060101010101" pitchFamily="49" charset="-122"/>
+              </a:rPr>
+              <a:t>变异后</a:t>
+            </a:r>
+            <a:endParaRPr lang="zh-CN" altLang="en-US" sz="2000" dirty="0">
+              <a:solidFill>
+                <a:schemeClr val="accent5">
+                  <a:lumMod val="75000"/>
+                </a:schemeClr>
+              </a:solidFill>
+              <a:latin typeface="幼圆" panose="02010509060101010101" pitchFamily="49" charset="-122"/>
+              <a:ea typeface="幼圆" panose="02010509060101010101" pitchFamily="49" charset="-122"/>
+            </a:endParaRPr>
+          </a:p>
+        </p:txBody>
+      </p:sp>
+    </p:spTree>
+    <p:extLst>
+      <p:ext uri="{BB962C8B-B14F-4D97-AF65-F5344CB8AC3E}">
+        <p14:creationId xmlns:p14="http://schemas.microsoft.com/office/powerpoint/2010/main" val="4034193019"/>
+      </p:ext>
+    </p:extLst>
+  </p:cSld>
+  <p:clrMapOvr>
+    <a:masterClrMapping/>
+  </p:clrMapOvr>
+  <p:timing>
+    <p:tnLst>
+      <p:par>
+        <p:cTn id="1" dur="indefinite" restart="never" nodeType="tmRoot"/>
+      </p:par>
+    </p:tnLst>
+  </p:timing>
+</p:sld>
+</file>
+
+<file path=ppt/slides/slide37.xml><?xml version="1.0" encoding="utf-8"?>
+<p:sld xmlns:a="http://schemas.openxmlformats.org/drawingml/2006/main" xmlns:r="http://schemas.openxmlformats.org/officeDocument/2006/relationships" xmlns:p="http://schemas.openxmlformats.org/presentationml/2006/main">
+  <p:cSld>
+    <p:spTree>
+      <p:nvGrpSpPr>
+        <p:cNvPr id="1" name=""/>
+        <p:cNvGrpSpPr/>
+        <p:nvPr/>
+      </p:nvGrpSpPr>
+      <p:grpSpPr>
+        <a:xfrm>
+          <a:off x="0" y="0"/>
+          <a:ext cx="0" cy="0"/>
+          <a:chOff x="0" y="0"/>
+          <a:chExt cx="0" cy="0"/>
+        </a:xfrm>
+      </p:grpSpPr>
+      <p:sp>
+        <p:nvSpPr>
+          <p:cNvPr id="2" name="文本占位符 1"/>
+          <p:cNvSpPr>
+            <a:spLocks noGrp="1"/>
+          </p:cNvSpPr>
+          <p:nvPr>
+            <p:ph type="body" sz="quarter" idx="10"/>
+          </p:nvPr>
+        </p:nvSpPr>
+        <p:spPr/>
+        <p:txBody>
+          <a:bodyPr/>
+          <a:lstStyle/>
+          <a:p>
+            <a:r>
+              <a:rPr lang="zh-CN" altLang="en-US" dirty="0"/>
+              <a:t>变异算子</a:t>
+            </a:r>
+          </a:p>
+        </p:txBody>
+      </p:sp>
+      <mc:AlternateContent xmlns:mc="http://schemas.openxmlformats.org/markup-compatibility/2006" xmlns:a14="http://schemas.microsoft.com/office/drawing/2010/main">
+        <mc:Choice Requires="a14">
+          <p:sp>
+            <p:nvSpPr>
+              <p:cNvPr id="3" name="文本占位符 2"/>
+              <p:cNvSpPr>
+                <a:spLocks noGrp="1"/>
+              </p:cNvSpPr>
+              <p:nvPr>
+                <p:ph type="body" sz="quarter" idx="11"/>
+              </p:nvPr>
+            </p:nvSpPr>
+            <p:spPr/>
+            <p:txBody>
+              <a:bodyPr>
+                <a:normAutofit/>
+              </a:bodyPr>
+              <a:lstStyle/>
+              <a:p>
+                <a:r>
+                  <a:rPr lang="zh-CN" altLang="en-US" dirty="0" smtClean="0"/>
+                  <a:t>决策变量是实数时</a:t>
+                </a:r>
+                <a:r>
+                  <a:rPr lang="zh-CN" altLang="en-US" dirty="0"/>
+                  <a:t>的变异</a:t>
+                </a:r>
+                <a:r>
+                  <a:rPr lang="zh-CN" altLang="en-US" dirty="0" smtClean="0"/>
+                  <a:t>算子：</a:t>
+                </a:r>
+                <a:endParaRPr lang="en-US" altLang="zh-CN" dirty="0" smtClean="0"/>
+              </a:p>
+              <a:p>
+                <a:endParaRPr lang="en-US" altLang="zh-CN" dirty="0"/>
+              </a:p>
+              <a:p>
+                <a:endParaRPr lang="en-US" altLang="zh-CN" dirty="0" smtClean="0"/>
+              </a:p>
+              <a:p>
+                <a:endParaRPr lang="en-US" altLang="zh-CN" dirty="0"/>
+              </a:p>
+              <a:p>
+                <a:r>
+                  <a:rPr lang="zh-CN" altLang="en-US" dirty="0" smtClean="0"/>
+                  <a:t>根据</a:t>
+                </a:r>
+                <a:r>
+                  <a:rPr lang="zh-CN" altLang="en-US" dirty="0"/>
+                  <a:t>以下</a:t>
+                </a:r>
+                <a:r>
+                  <a:rPr lang="zh-CN" altLang="en-US" dirty="0" smtClean="0"/>
+                  <a:t>公式随机改变几位决策变量</a:t>
+                </a:r>
+                <a:endParaRPr lang="en-US" altLang="zh-CN" dirty="0" smtClean="0"/>
+              </a:p>
+              <a:p>
+                <a14:m>
+                  <m:oMath xmlns:m="http://schemas.openxmlformats.org/officeDocument/2006/math">
+                    <m:sSub>
+                      <m:sSubPr>
+                        <m:ctrlPr>
+                          <a:rPr lang="en-US" altLang="zh-CN" i="1">
+                            <a:latin typeface="Cambria Math" panose="02040503050406030204" pitchFamily="18" charset="0"/>
+                          </a:rPr>
+                        </m:ctrlPr>
+                      </m:sSubPr>
+                      <m:e>
+                        <m:r>
+                          <a:rPr lang="en-US" altLang="zh-CN" i="1">
+                            <a:latin typeface="Cambria Math" panose="02040503050406030204" pitchFamily="18" charset="0"/>
+                          </a:rPr>
+                          <m:t>𝑐</m:t>
+                        </m:r>
+                      </m:e>
+                      <m:sub>
+                        <m:r>
+                          <a:rPr lang="en-US" altLang="zh-CN" i="1">
+                            <a:latin typeface="Cambria Math" panose="02040503050406030204" pitchFamily="18" charset="0"/>
+                          </a:rPr>
+                          <m:t>𝑖</m:t>
+                        </m:r>
+                      </m:sub>
+                    </m:sSub>
+                    <m:r>
+                      <a:rPr lang="en-US" altLang="zh-CN" i="1">
+                        <a:latin typeface="Cambria Math" panose="02040503050406030204" pitchFamily="18" charset="0"/>
+                      </a:rPr>
+                      <m:t>=</m:t>
+                    </m:r>
+                    <m:sSub>
+                      <m:sSubPr>
+                        <m:ctrlPr>
+                          <a:rPr lang="en-US" altLang="zh-CN" i="1">
+                            <a:latin typeface="Cambria Math" panose="02040503050406030204" pitchFamily="18" charset="0"/>
+                          </a:rPr>
+                        </m:ctrlPr>
+                      </m:sSubPr>
+                      <m:e>
+                        <m:r>
+                          <a:rPr lang="en-US" altLang="zh-CN" b="0" i="1" smtClean="0">
+                            <a:latin typeface="Cambria Math" panose="02040503050406030204" pitchFamily="18" charset="0"/>
+                          </a:rPr>
+                          <m:t>𝑐</m:t>
+                        </m:r>
+                      </m:e>
+                      <m:sub>
+                        <m:r>
+                          <a:rPr lang="en-US" altLang="zh-CN" i="1">
+                            <a:latin typeface="Cambria Math" panose="02040503050406030204" pitchFamily="18" charset="0"/>
+                          </a:rPr>
+                          <m:t>𝑖</m:t>
+                        </m:r>
+                      </m:sub>
+                    </m:sSub>
+                    <m:r>
+                      <a:rPr lang="en-US" altLang="zh-CN" b="0" i="1" smtClean="0">
+                        <a:latin typeface="Cambria Math" panose="02040503050406030204" pitchFamily="18" charset="0"/>
+                      </a:rPr>
+                      <m:t>+</m:t>
+                    </m:r>
+                    <m:sSub>
+                      <m:sSubPr>
+                        <m:ctrlPr>
+                          <a:rPr lang="en-US" altLang="zh-CN" i="1">
+                            <a:latin typeface="Cambria Math" panose="02040503050406030204" pitchFamily="18" charset="0"/>
+                          </a:rPr>
+                        </m:ctrlPr>
+                      </m:sSubPr>
+                      <m:e>
+                        <m:r>
+                          <a:rPr lang="zh-CN" altLang="en-US" i="1">
+                            <a:latin typeface="Cambria Math" panose="02040503050406030204" pitchFamily="18" charset="0"/>
+                          </a:rPr>
+                          <m:t>𝛽</m:t>
+                        </m:r>
+                      </m:e>
+                      <m:sub>
+                        <m:r>
+                          <a:rPr lang="en-US" altLang="zh-CN" i="1">
+                            <a:latin typeface="Cambria Math" panose="02040503050406030204" pitchFamily="18" charset="0"/>
+                          </a:rPr>
+                          <m:t>𝑖</m:t>
+                        </m:r>
+                      </m:sub>
+                    </m:sSub>
+                    <m:d>
+                      <m:dPr>
+                        <m:ctrlPr>
+                          <a:rPr lang="en-US" altLang="zh-CN" b="0" i="1" smtClean="0">
+                            <a:latin typeface="Cambria Math" panose="02040503050406030204" pitchFamily="18" charset="0"/>
+                          </a:rPr>
+                        </m:ctrlPr>
+                      </m:dPr>
+                      <m:e>
+                        <m:sSub>
+                          <m:sSubPr>
+                            <m:ctrlPr>
+                              <a:rPr lang="en-US" altLang="zh-CN" b="0" i="1" smtClean="0">
+                                <a:latin typeface="Cambria Math" panose="02040503050406030204" pitchFamily="18" charset="0"/>
+                              </a:rPr>
+                            </m:ctrlPr>
+                          </m:sSubPr>
+                          <m:e>
+                            <m:r>
+                              <a:rPr lang="en-US" altLang="zh-CN" b="0" i="1" smtClean="0">
+                                <a:latin typeface="Cambria Math" panose="02040503050406030204" pitchFamily="18" charset="0"/>
+                              </a:rPr>
+                              <m:t>𝑢𝑝</m:t>
+                            </m:r>
+                          </m:e>
+                          <m:sub>
+                            <m:r>
+                              <a:rPr lang="en-US" altLang="zh-CN" b="0" i="1" smtClean="0">
+                                <a:latin typeface="Cambria Math" panose="02040503050406030204" pitchFamily="18" charset="0"/>
+                              </a:rPr>
+                              <m:t>𝑖</m:t>
+                            </m:r>
+                          </m:sub>
+                        </m:sSub>
+                        <m:r>
+                          <a:rPr lang="en-US" altLang="zh-CN" b="0" i="1" smtClean="0">
+                            <a:latin typeface="Cambria Math" panose="02040503050406030204" pitchFamily="18" charset="0"/>
+                          </a:rPr>
+                          <m:t>−</m:t>
+                        </m:r>
+                        <m:sSub>
+                          <m:sSubPr>
+                            <m:ctrlPr>
+                              <a:rPr lang="en-US" altLang="zh-CN" b="0" i="1" smtClean="0">
+                                <a:latin typeface="Cambria Math" panose="02040503050406030204" pitchFamily="18" charset="0"/>
+                              </a:rPr>
+                            </m:ctrlPr>
+                          </m:sSubPr>
+                          <m:e>
+                            <m:r>
+                              <a:rPr lang="en-US" altLang="zh-CN" b="0" i="1" smtClean="0">
+                                <a:latin typeface="Cambria Math" panose="02040503050406030204" pitchFamily="18" charset="0"/>
+                              </a:rPr>
+                              <m:t>𝑙𝑜𝑤</m:t>
+                            </m:r>
+                          </m:e>
+                          <m:sub>
+                            <m:r>
+                              <a:rPr lang="en-US" altLang="zh-CN" b="0" i="1" smtClean="0">
+                                <a:latin typeface="Cambria Math" panose="02040503050406030204" pitchFamily="18" charset="0"/>
+                              </a:rPr>
+                              <m:t>𝑖</m:t>
+                            </m:r>
+                          </m:sub>
+                        </m:sSub>
+                      </m:e>
+                    </m:d>
+                  </m:oMath>
+                </a14:m>
+                <a:endParaRPr lang="en-US" altLang="zh-CN" b="0" dirty="0" smtClean="0"/>
+              </a:p>
+              <a:p>
+                <a14:m>
+                  <m:oMath xmlns:m="http://schemas.openxmlformats.org/officeDocument/2006/math">
+                    <m:sSub>
+                      <m:sSubPr>
+                        <m:ctrlPr>
+                          <a:rPr lang="en-US" altLang="zh-CN" sz="1700" i="1">
+                            <a:latin typeface="Cambria Math" panose="02040503050406030204" pitchFamily="18" charset="0"/>
+                          </a:rPr>
+                        </m:ctrlPr>
+                      </m:sSubPr>
+                      <m:e>
+                        <m:r>
+                          <a:rPr lang="zh-CN" altLang="en-US" sz="1700" i="1">
+                            <a:latin typeface="Cambria Math" panose="02040503050406030204" pitchFamily="18" charset="0"/>
+                          </a:rPr>
+                          <m:t>𝛽</m:t>
+                        </m:r>
+                      </m:e>
+                      <m:sub>
+                        <m:r>
+                          <a:rPr lang="en-US" altLang="zh-CN" sz="1700" i="1">
+                            <a:latin typeface="Cambria Math" panose="02040503050406030204" pitchFamily="18" charset="0"/>
+                          </a:rPr>
+                          <m:t>𝑖</m:t>
+                        </m:r>
+                      </m:sub>
+                    </m:sSub>
+                    <m:r>
+                      <a:rPr lang="en-US" altLang="zh-CN" sz="1700" i="1">
+                        <a:latin typeface="Cambria Math" panose="02040503050406030204" pitchFamily="18" charset="0"/>
+                      </a:rPr>
+                      <m:t>=</m:t>
+                    </m:r>
+                    <m:d>
+                      <m:dPr>
+                        <m:begChr m:val="{"/>
+                        <m:endChr m:val=""/>
+                        <m:ctrlPr>
+                          <a:rPr lang="en-US" altLang="zh-CN" sz="1700" i="1">
+                            <a:latin typeface="Cambria Math" panose="02040503050406030204" pitchFamily="18" charset="0"/>
+                          </a:rPr>
+                        </m:ctrlPr>
+                      </m:dPr>
+                      <m:e>
+                        <m:eqArr>
+                          <m:eqArrPr>
+                            <m:ctrlPr>
+                              <a:rPr lang="en-US" altLang="zh-CN" sz="1700" i="1">
+                                <a:latin typeface="Cambria Math" panose="02040503050406030204" pitchFamily="18" charset="0"/>
+                              </a:rPr>
+                            </m:ctrlPr>
+                          </m:eqArrPr>
+                          <m:e>
+                            <m:sSup>
+                              <m:sSupPr>
+                                <m:ctrlPr>
+                                  <a:rPr lang="en-US" altLang="zh-CN" sz="1700" i="1">
+                                    <a:latin typeface="Cambria Math" panose="02040503050406030204" pitchFamily="18" charset="0"/>
+                                  </a:rPr>
+                                </m:ctrlPr>
+                              </m:sSupPr>
+                              <m:e>
+                                <m:d>
+                                  <m:dPr>
+                                    <m:begChr m:val="["/>
+                                    <m:endChr m:val="]"/>
+                                    <m:ctrlPr>
+                                      <a:rPr lang="en-US" altLang="zh-CN" sz="1700" b="0" i="1" smtClean="0">
+                                        <a:latin typeface="Cambria Math" panose="02040503050406030204" pitchFamily="18" charset="0"/>
+                                      </a:rPr>
+                                    </m:ctrlPr>
+                                  </m:dPr>
+                                  <m:e>
+                                    <m:r>
+                                      <a:rPr lang="en-US" altLang="zh-CN" sz="1700" i="1">
+                                        <a:latin typeface="Cambria Math" panose="02040503050406030204" pitchFamily="18" charset="0"/>
+                                      </a:rPr>
+                                      <m:t>2</m:t>
+                                    </m:r>
+                                    <m:sSub>
+                                      <m:sSubPr>
+                                        <m:ctrlPr>
+                                          <a:rPr lang="en-US" altLang="zh-CN" sz="1700" i="1">
+                                            <a:latin typeface="Cambria Math" panose="02040503050406030204" pitchFamily="18" charset="0"/>
+                                          </a:rPr>
+                                        </m:ctrlPr>
+                                      </m:sSubPr>
+                                      <m:e>
+                                        <m:r>
+                                          <a:rPr lang="en-US" altLang="zh-CN" sz="1700" i="1">
+                                            <a:latin typeface="Cambria Math" panose="02040503050406030204" pitchFamily="18" charset="0"/>
+                                          </a:rPr>
+                                          <m:t>𝑢</m:t>
+                                        </m:r>
+                                      </m:e>
+                                      <m:sub>
+                                        <m:r>
+                                          <a:rPr lang="en-US" altLang="zh-CN" sz="1700" i="1">
+                                            <a:latin typeface="Cambria Math" panose="02040503050406030204" pitchFamily="18" charset="0"/>
+                                          </a:rPr>
+                                          <m:t>𝑖</m:t>
+                                        </m:r>
+                                      </m:sub>
+                                    </m:sSub>
+                                    <m:r>
+                                      <a:rPr lang="en-US" altLang="zh-CN" sz="1700" b="0" i="1" smtClean="0">
+                                        <a:latin typeface="Cambria Math" panose="02040503050406030204" pitchFamily="18" charset="0"/>
+                                      </a:rPr>
+                                      <m:t>+(1−2</m:t>
+                                    </m:r>
+                                    <m:sSub>
+                                      <m:sSubPr>
+                                        <m:ctrlPr>
+                                          <a:rPr lang="en-US" altLang="zh-CN" sz="1700" i="1">
+                                            <a:latin typeface="Cambria Math" panose="02040503050406030204" pitchFamily="18" charset="0"/>
+                                          </a:rPr>
+                                        </m:ctrlPr>
+                                      </m:sSubPr>
+                                      <m:e>
+                                        <m:r>
+                                          <a:rPr lang="en-US" altLang="zh-CN" sz="1700" i="1">
+                                            <a:latin typeface="Cambria Math" panose="02040503050406030204" pitchFamily="18" charset="0"/>
+                                          </a:rPr>
+                                          <m:t>𝑢</m:t>
+                                        </m:r>
+                                      </m:e>
+                                      <m:sub>
+                                        <m:r>
+                                          <a:rPr lang="en-US" altLang="zh-CN" sz="1700" i="1">
+                                            <a:latin typeface="Cambria Math" panose="02040503050406030204" pitchFamily="18" charset="0"/>
+                                          </a:rPr>
+                                          <m:t>𝑖</m:t>
+                                        </m:r>
+                                      </m:sub>
+                                    </m:sSub>
+                                    <m:sSup>
+                                      <m:sSupPr>
+                                        <m:ctrlPr>
+                                          <a:rPr lang="en-US" altLang="zh-CN" sz="1700" b="0" i="1" smtClean="0">
+                                            <a:latin typeface="Cambria Math" panose="02040503050406030204" pitchFamily="18" charset="0"/>
+                                          </a:rPr>
+                                        </m:ctrlPr>
+                                      </m:sSupPr>
+                                      <m:e>
+                                        <m:r>
+                                          <a:rPr lang="en-US" altLang="zh-CN" sz="1700" i="1">
+                                            <a:latin typeface="Cambria Math" panose="02040503050406030204" pitchFamily="18" charset="0"/>
+                                          </a:rPr>
+                                          <m:t>)(1−</m:t>
+                                        </m:r>
+                                        <m:f>
+                                          <m:fPr>
+                                            <m:ctrlPr>
+                                              <a:rPr lang="en-US" altLang="zh-CN" sz="1700" i="1">
+                                                <a:latin typeface="Cambria Math" panose="02040503050406030204" pitchFamily="18" charset="0"/>
+                                              </a:rPr>
+                                            </m:ctrlPr>
+                                          </m:fPr>
+                                          <m:num>
+                                            <m:sSub>
+                                              <m:sSubPr>
+                                                <m:ctrlPr>
+                                                  <a:rPr lang="en-US" altLang="zh-CN" sz="1700" i="1">
+                                                    <a:latin typeface="Cambria Math" panose="02040503050406030204" pitchFamily="18" charset="0"/>
+                                                  </a:rPr>
+                                                </m:ctrlPr>
+                                              </m:sSubPr>
+                                              <m:e>
+                                                <m:r>
+                                                  <a:rPr lang="en-US" altLang="zh-CN" sz="1700" i="1">
+                                                    <a:latin typeface="Cambria Math" panose="02040503050406030204" pitchFamily="18" charset="0"/>
+                                                  </a:rPr>
+                                                  <m:t>𝑐</m:t>
+                                                </m:r>
+                                              </m:e>
+                                              <m:sub>
+                                                <m:r>
+                                                  <a:rPr lang="en-US" altLang="zh-CN" sz="1700" i="1">
+                                                    <a:latin typeface="Cambria Math" panose="02040503050406030204" pitchFamily="18" charset="0"/>
+                                                  </a:rPr>
+                                                  <m:t>𝑖</m:t>
+                                                </m:r>
+                                              </m:sub>
+                                            </m:sSub>
+                                            <m:r>
+                                              <a:rPr lang="en-US" altLang="zh-CN" sz="1700" b="0" i="1" smtClean="0">
+                                                <a:latin typeface="Cambria Math" panose="02040503050406030204" pitchFamily="18" charset="0"/>
+                                              </a:rPr>
+                                              <m:t>−</m:t>
+                                            </m:r>
+                                            <m:sSub>
+                                              <m:sSubPr>
+                                                <m:ctrlPr>
+                                                  <a:rPr lang="en-US" altLang="zh-CN" sz="1700" i="1" smtClean="0">
+                                                    <a:latin typeface="Cambria Math" panose="02040503050406030204" pitchFamily="18" charset="0"/>
+                                                  </a:rPr>
+                                                </m:ctrlPr>
+                                              </m:sSubPr>
+                                              <m:e>
+                                                <m:r>
+                                                  <a:rPr lang="en-US" altLang="zh-CN" sz="1700" b="0" i="1" smtClean="0">
+                                                    <a:latin typeface="Cambria Math" panose="02040503050406030204" pitchFamily="18" charset="0"/>
+                                                  </a:rPr>
+                                                  <m:t>𝑙𝑜𝑤</m:t>
+                                                </m:r>
+                                              </m:e>
+                                              <m:sub>
+                                                <m:r>
+                                                  <a:rPr lang="en-US" altLang="zh-CN" sz="1700" i="1">
+                                                    <a:latin typeface="Cambria Math" panose="02040503050406030204" pitchFamily="18" charset="0"/>
+                                                  </a:rPr>
+                                                  <m:t>𝑖</m:t>
+                                                </m:r>
+                                              </m:sub>
+                                            </m:sSub>
+                                          </m:num>
+                                          <m:den>
+                                            <m:sSub>
+                                              <m:sSubPr>
+                                                <m:ctrlPr>
+                                                  <a:rPr lang="en-US" altLang="zh-CN" sz="1700" i="1">
+                                                    <a:latin typeface="Cambria Math" panose="02040503050406030204" pitchFamily="18" charset="0"/>
+                                                  </a:rPr>
+                                                </m:ctrlPr>
+                                              </m:sSubPr>
+                                              <m:e>
+                                                <m:r>
+                                                  <a:rPr lang="en-US" altLang="zh-CN" sz="1700" i="1">
+                                                    <a:latin typeface="Cambria Math" panose="02040503050406030204" pitchFamily="18" charset="0"/>
+                                                  </a:rPr>
+                                                  <m:t>𝑢𝑝</m:t>
+                                                </m:r>
+                                              </m:e>
+                                              <m:sub>
+                                                <m:r>
+                                                  <a:rPr lang="en-US" altLang="zh-CN" sz="1700" i="1">
+                                                    <a:latin typeface="Cambria Math" panose="02040503050406030204" pitchFamily="18" charset="0"/>
+                                                  </a:rPr>
+                                                  <m:t>𝑖</m:t>
+                                                </m:r>
+                                              </m:sub>
+                                            </m:sSub>
+                                            <m:r>
+                                              <a:rPr lang="en-US" altLang="zh-CN" sz="1700" i="1">
+                                                <a:latin typeface="Cambria Math" panose="02040503050406030204" pitchFamily="18" charset="0"/>
+                                              </a:rPr>
+                                              <m:t>−</m:t>
+                                            </m:r>
+                                            <m:sSub>
+                                              <m:sSubPr>
+                                                <m:ctrlPr>
+                                                  <a:rPr lang="en-US" altLang="zh-CN" sz="1700" i="1">
+                                                    <a:latin typeface="Cambria Math" panose="02040503050406030204" pitchFamily="18" charset="0"/>
+                                                  </a:rPr>
+                                                </m:ctrlPr>
+                                              </m:sSubPr>
+                                              <m:e>
+                                                <m:r>
+                                                  <a:rPr lang="en-US" altLang="zh-CN" sz="1700" i="1">
+                                                    <a:latin typeface="Cambria Math" panose="02040503050406030204" pitchFamily="18" charset="0"/>
+                                                  </a:rPr>
+                                                  <m:t>𝑙𝑜𝑤</m:t>
+                                                </m:r>
+                                              </m:e>
+                                              <m:sub>
+                                                <m:r>
+                                                  <a:rPr lang="en-US" altLang="zh-CN" sz="1700" i="1">
+                                                    <a:latin typeface="Cambria Math" panose="02040503050406030204" pitchFamily="18" charset="0"/>
+                                                  </a:rPr>
+                                                  <m:t>𝑖</m:t>
+                                                </m:r>
+                                              </m:sub>
+                                            </m:sSub>
+                                          </m:den>
+                                        </m:f>
+                                        <m:r>
+                                          <a:rPr lang="en-US" altLang="zh-CN" sz="1700" i="1">
+                                            <a:latin typeface="Cambria Math" panose="02040503050406030204" pitchFamily="18" charset="0"/>
+                                          </a:rPr>
+                                          <m:t>)</m:t>
+                                        </m:r>
+                                      </m:e>
+                                      <m:sup>
+                                        <m:r>
+                                          <a:rPr lang="zh-CN" altLang="en-US" sz="1700" b="0" i="1" smtClean="0">
+                                            <a:latin typeface="Cambria Math" panose="02040503050406030204" pitchFamily="18" charset="0"/>
+                                          </a:rPr>
+                                          <m:t>𝜂</m:t>
+                                        </m:r>
+                                        <m:r>
+                                          <a:rPr lang="en-US" altLang="zh-CN" sz="1700" b="0" i="1" smtClean="0">
+                                            <a:latin typeface="Cambria Math" panose="02040503050406030204" pitchFamily="18" charset="0"/>
+                                          </a:rPr>
+                                          <m:t>+1</m:t>
+                                        </m:r>
+                                      </m:sup>
+                                    </m:sSup>
+                                  </m:e>
+                                </m:d>
+                              </m:e>
+                              <m:sup>
+                                <m:f>
+                                  <m:fPr>
+                                    <m:ctrlPr>
+                                      <a:rPr lang="en-US" altLang="zh-CN" sz="1700" i="1">
+                                        <a:latin typeface="Cambria Math" panose="02040503050406030204" pitchFamily="18" charset="0"/>
+                                      </a:rPr>
+                                    </m:ctrlPr>
+                                  </m:fPr>
+                                  <m:num>
+                                    <m:r>
+                                      <a:rPr lang="en-US" altLang="zh-CN" sz="1700" i="1">
+                                        <a:latin typeface="Cambria Math" panose="02040503050406030204" pitchFamily="18" charset="0"/>
+                                      </a:rPr>
+                                      <m:t>1</m:t>
+                                    </m:r>
+                                  </m:num>
+                                  <m:den>
+                                    <m:r>
+                                      <a:rPr lang="zh-CN" altLang="en-US" sz="1700" i="1">
+                                        <a:latin typeface="Cambria Math" panose="02040503050406030204" pitchFamily="18" charset="0"/>
+                                      </a:rPr>
+                                      <m:t>𝜂</m:t>
+                                    </m:r>
+                                    <m:r>
+                                      <a:rPr lang="en-US" altLang="zh-CN" sz="1700" i="1">
+                                        <a:latin typeface="Cambria Math" panose="02040503050406030204" pitchFamily="18" charset="0"/>
+                                      </a:rPr>
+                                      <m:t>+1</m:t>
+                                    </m:r>
+                                  </m:den>
+                                </m:f>
+                              </m:sup>
+                            </m:sSup>
+                            <m:r>
+                              <a:rPr lang="en-US" altLang="zh-CN" sz="1700" i="1">
+                                <a:latin typeface="Cambria Math" panose="02040503050406030204" pitchFamily="18" charset="0"/>
+                              </a:rPr>
+                              <m:t>,             </m:t>
+                            </m:r>
+                            <m:r>
+                              <a:rPr lang="en-US" altLang="zh-CN" sz="1700" b="0" i="1" smtClean="0">
+                                <a:latin typeface="Cambria Math" panose="02040503050406030204" pitchFamily="18" charset="0"/>
+                              </a:rPr>
+                              <m:t>          </m:t>
+                            </m:r>
+                            <m:sSub>
+                              <m:sSubPr>
+                                <m:ctrlPr>
+                                  <a:rPr lang="en-US" altLang="zh-CN" sz="1700" i="1">
+                                    <a:latin typeface="Cambria Math" panose="02040503050406030204" pitchFamily="18" charset="0"/>
+                                  </a:rPr>
+                                </m:ctrlPr>
+                              </m:sSubPr>
+                              <m:e>
+                                <m:r>
+                                  <a:rPr lang="en-US" altLang="zh-CN" sz="1700" i="1">
+                                    <a:latin typeface="Cambria Math" panose="02040503050406030204" pitchFamily="18" charset="0"/>
+                                  </a:rPr>
+                                  <m:t>𝑢</m:t>
+                                </m:r>
+                              </m:e>
+                              <m:sub>
+                                <m:r>
+                                  <a:rPr lang="en-US" altLang="zh-CN" sz="1700" i="1">
+                                    <a:latin typeface="Cambria Math" panose="02040503050406030204" pitchFamily="18" charset="0"/>
+                                  </a:rPr>
+                                  <m:t>𝑖</m:t>
+                                </m:r>
+                              </m:sub>
+                            </m:sSub>
+                            <m:r>
+                              <a:rPr lang="en-US" altLang="zh-CN" sz="1700" i="1">
+                                <a:latin typeface="Cambria Math" panose="02040503050406030204" pitchFamily="18" charset="0"/>
+                                <a:ea typeface="Cambria Math" panose="02040503050406030204" pitchFamily="18" charset="0"/>
+                              </a:rPr>
+                              <m:t>≤0.5</m:t>
+                            </m:r>
+                          </m:e>
+                          <m:e>
+                            <m:r>
+                              <a:rPr lang="en-US" altLang="zh-CN" sz="1700" b="0" i="1" smtClean="0">
+                                <a:latin typeface="Cambria Math" panose="02040503050406030204" pitchFamily="18" charset="0"/>
+                                <a:ea typeface="Cambria Math" panose="02040503050406030204" pitchFamily="18" charset="0"/>
+                              </a:rPr>
+                              <m:t>1−</m:t>
+                            </m:r>
+                            <m:sSup>
+                              <m:sSupPr>
+                                <m:ctrlPr>
+                                  <a:rPr lang="en-US" altLang="zh-CN" sz="1700" b="0" i="1" smtClean="0">
+                                    <a:latin typeface="Cambria Math" panose="02040503050406030204" pitchFamily="18" charset="0"/>
+                                    <a:ea typeface="Cambria Math" panose="02040503050406030204" pitchFamily="18" charset="0"/>
+                                  </a:rPr>
+                                </m:ctrlPr>
+                              </m:sSupPr>
+                              <m:e>
+                                <m:r>
+                                  <a:rPr lang="en-US" altLang="zh-CN" sz="1700" b="0" i="1" smtClean="0">
+                                    <a:latin typeface="Cambria Math" panose="02040503050406030204" pitchFamily="18" charset="0"/>
+                                    <a:ea typeface="Cambria Math" panose="02040503050406030204" pitchFamily="18" charset="0"/>
+                                  </a:rPr>
+                                  <m:t>[2</m:t>
+                                </m:r>
+                                <m:d>
+                                  <m:dPr>
+                                    <m:ctrlPr>
+                                      <a:rPr lang="en-US" altLang="zh-CN" sz="1700" b="0" i="1" smtClean="0">
+                                        <a:latin typeface="Cambria Math" panose="02040503050406030204" pitchFamily="18" charset="0"/>
+                                        <a:ea typeface="Cambria Math" panose="02040503050406030204" pitchFamily="18" charset="0"/>
+                                      </a:rPr>
+                                    </m:ctrlPr>
+                                  </m:dPr>
+                                  <m:e>
+                                    <m:r>
+                                      <a:rPr lang="en-US" altLang="zh-CN" sz="1700" b="0" i="1" smtClean="0">
+                                        <a:latin typeface="Cambria Math" panose="02040503050406030204" pitchFamily="18" charset="0"/>
+                                        <a:ea typeface="Cambria Math" panose="02040503050406030204" pitchFamily="18" charset="0"/>
+                                      </a:rPr>
+                                      <m:t>1−</m:t>
+                                    </m:r>
+                                    <m:sSub>
+                                      <m:sSubPr>
+                                        <m:ctrlPr>
+                                          <a:rPr lang="en-US" altLang="zh-CN" sz="1700" i="1">
+                                            <a:latin typeface="Cambria Math" panose="02040503050406030204" pitchFamily="18" charset="0"/>
+                                          </a:rPr>
+                                        </m:ctrlPr>
+                                      </m:sSubPr>
+                                      <m:e>
+                                        <m:r>
+                                          <a:rPr lang="en-US" altLang="zh-CN" sz="1700" i="1">
+                                            <a:latin typeface="Cambria Math" panose="02040503050406030204" pitchFamily="18" charset="0"/>
+                                          </a:rPr>
+                                          <m:t>𝑢</m:t>
+                                        </m:r>
+                                      </m:e>
+                                      <m:sub>
+                                        <m:r>
+                                          <a:rPr lang="en-US" altLang="zh-CN" sz="1700" i="1">
+                                            <a:latin typeface="Cambria Math" panose="02040503050406030204" pitchFamily="18" charset="0"/>
+                                          </a:rPr>
+                                          <m:t>𝑖</m:t>
+                                        </m:r>
+                                      </m:sub>
+                                    </m:sSub>
+                                  </m:e>
+                                </m:d>
+                                <m:r>
+                                  <a:rPr lang="en-US" altLang="zh-CN" sz="1700" b="0" i="1" smtClean="0">
+                                    <a:latin typeface="Cambria Math" panose="02040503050406030204" pitchFamily="18" charset="0"/>
+                                    <a:ea typeface="Cambria Math" panose="02040503050406030204" pitchFamily="18" charset="0"/>
+                                  </a:rPr>
+                                  <m:t>+2(</m:t>
+                                </m:r>
+                                <m:sSub>
+                                  <m:sSubPr>
+                                    <m:ctrlPr>
+                                      <a:rPr lang="en-US" altLang="zh-CN" sz="1700" i="1">
+                                        <a:latin typeface="Cambria Math" panose="02040503050406030204" pitchFamily="18" charset="0"/>
+                                      </a:rPr>
+                                    </m:ctrlPr>
+                                  </m:sSubPr>
+                                  <m:e>
+                                    <m:r>
+                                      <a:rPr lang="en-US" altLang="zh-CN" sz="1700" i="1">
+                                        <a:latin typeface="Cambria Math" panose="02040503050406030204" pitchFamily="18" charset="0"/>
+                                      </a:rPr>
+                                      <m:t>𝑢</m:t>
+                                    </m:r>
+                                  </m:e>
+                                  <m:sub>
+                                    <m:r>
+                                      <a:rPr lang="en-US" altLang="zh-CN" sz="1700" i="1">
+                                        <a:latin typeface="Cambria Math" panose="02040503050406030204" pitchFamily="18" charset="0"/>
+                                      </a:rPr>
+                                      <m:t>𝑖</m:t>
+                                    </m:r>
+                                  </m:sub>
+                                </m:sSub>
+                                <m:r>
+                                  <a:rPr lang="en-US" altLang="zh-CN" sz="1700" b="0" i="1" smtClean="0">
+                                    <a:latin typeface="Cambria Math" panose="02040503050406030204" pitchFamily="18" charset="0"/>
+                                    <a:ea typeface="Cambria Math" panose="02040503050406030204" pitchFamily="18" charset="0"/>
+                                  </a:rPr>
+                                  <m:t>−0.5)</m:t>
+                                </m:r>
+                                <m:sSup>
+                                  <m:sSupPr>
+                                    <m:ctrlPr>
+                                      <a:rPr lang="en-US" altLang="zh-CN" sz="1700" b="0" i="1" smtClean="0">
+                                        <a:latin typeface="Cambria Math" panose="02040503050406030204" pitchFamily="18" charset="0"/>
+                                        <a:ea typeface="Cambria Math" panose="02040503050406030204" pitchFamily="18" charset="0"/>
+                                      </a:rPr>
+                                    </m:ctrlPr>
+                                  </m:sSupPr>
+                                  <m:e>
+                                    <m:r>
+                                      <a:rPr lang="en-US" altLang="zh-CN" sz="1700" b="0" i="1" smtClean="0">
+                                        <a:latin typeface="Cambria Math" panose="02040503050406030204" pitchFamily="18" charset="0"/>
+                                        <a:ea typeface="Cambria Math" panose="02040503050406030204" pitchFamily="18" charset="0"/>
+                                      </a:rPr>
+                                      <m:t>(1−</m:t>
+                                    </m:r>
+                                    <m:f>
+                                      <m:fPr>
+                                        <m:ctrlPr>
+                                          <a:rPr lang="en-US" altLang="zh-CN" sz="1700" i="1">
+                                            <a:latin typeface="Cambria Math" panose="02040503050406030204" pitchFamily="18" charset="0"/>
+                                          </a:rPr>
+                                        </m:ctrlPr>
+                                      </m:fPr>
+                                      <m:num>
+                                        <m:sSub>
+                                          <m:sSubPr>
+                                            <m:ctrlPr>
+                                              <a:rPr lang="en-US" altLang="zh-CN" sz="1700" i="1" smtClean="0">
+                                                <a:latin typeface="Cambria Math" panose="02040503050406030204" pitchFamily="18" charset="0"/>
+                                              </a:rPr>
+                                            </m:ctrlPr>
+                                          </m:sSubPr>
+                                          <m:e>
+                                            <m:r>
+                                              <a:rPr lang="en-US" altLang="zh-CN" sz="1700" b="0" i="1" smtClean="0">
+                                                <a:latin typeface="Cambria Math" panose="02040503050406030204" pitchFamily="18" charset="0"/>
+                                              </a:rPr>
+                                              <m:t>𝑢𝑝</m:t>
+                                            </m:r>
+                                          </m:e>
+                                          <m:sub>
+                                            <m:r>
+                                              <a:rPr lang="en-US" altLang="zh-CN" sz="1700" b="0" i="1" smtClean="0">
+                                                <a:latin typeface="Cambria Math" panose="02040503050406030204" pitchFamily="18" charset="0"/>
+                                              </a:rPr>
+                                              <m:t>𝑖</m:t>
+                                            </m:r>
+                                          </m:sub>
+                                        </m:sSub>
+                                        <m:r>
+                                          <a:rPr lang="en-US" altLang="zh-CN" sz="1700" b="0" i="1" smtClean="0">
+                                            <a:latin typeface="Cambria Math" panose="02040503050406030204" pitchFamily="18" charset="0"/>
+                                          </a:rPr>
+                                          <m:t>−</m:t>
+                                        </m:r>
+                                        <m:sSub>
+                                          <m:sSubPr>
+                                            <m:ctrlPr>
+                                              <a:rPr lang="en-US" altLang="zh-CN" sz="1700" i="1">
+                                                <a:latin typeface="Cambria Math" panose="02040503050406030204" pitchFamily="18" charset="0"/>
+                                              </a:rPr>
+                                            </m:ctrlPr>
+                                          </m:sSubPr>
+                                          <m:e>
+                                            <m:r>
+                                              <a:rPr lang="en-US" altLang="zh-CN" sz="1700" i="1">
+                                                <a:latin typeface="Cambria Math" panose="02040503050406030204" pitchFamily="18" charset="0"/>
+                                              </a:rPr>
+                                              <m:t>𝑐</m:t>
+                                            </m:r>
+                                          </m:e>
+                                          <m:sub>
+                                            <m:r>
+                                              <a:rPr lang="en-US" altLang="zh-CN" sz="1700" i="1">
+                                                <a:latin typeface="Cambria Math" panose="02040503050406030204" pitchFamily="18" charset="0"/>
+                                              </a:rPr>
+                                              <m:t>𝑖</m:t>
+                                            </m:r>
+                                          </m:sub>
+                                        </m:sSub>
+                                      </m:num>
+                                      <m:den>
+                                        <m:sSub>
+                                          <m:sSubPr>
+                                            <m:ctrlPr>
+                                              <a:rPr lang="en-US" altLang="zh-CN" sz="1700" i="1">
+                                                <a:latin typeface="Cambria Math" panose="02040503050406030204" pitchFamily="18" charset="0"/>
+                                              </a:rPr>
+                                            </m:ctrlPr>
+                                          </m:sSubPr>
+                                          <m:e>
+                                            <m:r>
+                                              <a:rPr lang="en-US" altLang="zh-CN" sz="1700" i="1">
+                                                <a:latin typeface="Cambria Math" panose="02040503050406030204" pitchFamily="18" charset="0"/>
+                                              </a:rPr>
+                                              <m:t>𝑢𝑝</m:t>
+                                            </m:r>
+                                          </m:e>
+                                          <m:sub>
+                                            <m:r>
+                                              <a:rPr lang="en-US" altLang="zh-CN" sz="1700" i="1">
+                                                <a:latin typeface="Cambria Math" panose="02040503050406030204" pitchFamily="18" charset="0"/>
+                                              </a:rPr>
+                                              <m:t>𝑖</m:t>
+                                            </m:r>
+                                          </m:sub>
+                                        </m:sSub>
+                                        <m:r>
+                                          <a:rPr lang="en-US" altLang="zh-CN" sz="1700" i="1">
+                                            <a:latin typeface="Cambria Math" panose="02040503050406030204" pitchFamily="18" charset="0"/>
+                                          </a:rPr>
+                                          <m:t>−</m:t>
+                                        </m:r>
+                                        <m:sSub>
+                                          <m:sSubPr>
+                                            <m:ctrlPr>
+                                              <a:rPr lang="en-US" altLang="zh-CN" sz="1700" i="1">
+                                                <a:latin typeface="Cambria Math" panose="02040503050406030204" pitchFamily="18" charset="0"/>
+                                              </a:rPr>
+                                            </m:ctrlPr>
+                                          </m:sSubPr>
+                                          <m:e>
+                                            <m:r>
+                                              <a:rPr lang="en-US" altLang="zh-CN" sz="1700" i="1">
+                                                <a:latin typeface="Cambria Math" panose="02040503050406030204" pitchFamily="18" charset="0"/>
+                                              </a:rPr>
+                                              <m:t>𝑙𝑜𝑤</m:t>
+                                            </m:r>
+                                          </m:e>
+                                          <m:sub>
+                                            <m:r>
+                                              <a:rPr lang="en-US" altLang="zh-CN" sz="1700" i="1">
+                                                <a:latin typeface="Cambria Math" panose="02040503050406030204" pitchFamily="18" charset="0"/>
+                                              </a:rPr>
+                                              <m:t>𝑖</m:t>
+                                            </m:r>
+                                          </m:sub>
+                                        </m:sSub>
+                                      </m:den>
+                                    </m:f>
+                                    <m:r>
+                                      <a:rPr lang="en-US" altLang="zh-CN" sz="1700" b="0" i="1" smtClean="0">
+                                        <a:latin typeface="Cambria Math" panose="02040503050406030204" pitchFamily="18" charset="0"/>
+                                        <a:ea typeface="Cambria Math" panose="02040503050406030204" pitchFamily="18" charset="0"/>
+                                      </a:rPr>
+                                      <m:t>)</m:t>
+                                    </m:r>
+                                  </m:e>
+                                  <m:sup>
+                                    <m:r>
+                                      <a:rPr lang="zh-CN" altLang="en-US" sz="1700" b="0" i="1" smtClean="0">
+                                        <a:latin typeface="Cambria Math" panose="02040503050406030204" pitchFamily="18" charset="0"/>
+                                        <a:ea typeface="Cambria Math" panose="02040503050406030204" pitchFamily="18" charset="0"/>
+                                      </a:rPr>
+                                      <m:t>𝜂</m:t>
+                                    </m:r>
+                                    <m:r>
+                                      <a:rPr lang="en-US" altLang="zh-CN" sz="1700" b="0" i="1" smtClean="0">
+                                        <a:latin typeface="Cambria Math" panose="02040503050406030204" pitchFamily="18" charset="0"/>
+                                        <a:ea typeface="Cambria Math" panose="02040503050406030204" pitchFamily="18" charset="0"/>
+                                      </a:rPr>
+                                      <m:t>+1</m:t>
+                                    </m:r>
+                                  </m:sup>
+                                </m:sSup>
+                                <m:r>
+                                  <a:rPr lang="en-US" altLang="zh-CN" sz="1700" b="0" i="1" smtClean="0">
+                                    <a:latin typeface="Cambria Math" panose="02040503050406030204" pitchFamily="18" charset="0"/>
+                                    <a:ea typeface="Cambria Math" panose="02040503050406030204" pitchFamily="18" charset="0"/>
+                                  </a:rPr>
+                                  <m:t>]</m:t>
+                                </m:r>
+                              </m:e>
+                              <m:sup>
+                                <m:f>
+                                  <m:fPr>
+                                    <m:ctrlPr>
+                                      <a:rPr lang="en-US" altLang="zh-CN" sz="1700" i="1">
+                                        <a:latin typeface="Cambria Math" panose="02040503050406030204" pitchFamily="18" charset="0"/>
+                                      </a:rPr>
+                                    </m:ctrlPr>
+                                  </m:fPr>
+                                  <m:num>
+                                    <m:r>
+                                      <a:rPr lang="en-US" altLang="zh-CN" sz="1700" i="1">
+                                        <a:latin typeface="Cambria Math" panose="02040503050406030204" pitchFamily="18" charset="0"/>
+                                      </a:rPr>
+                                      <m:t>1</m:t>
+                                    </m:r>
+                                  </m:num>
+                                  <m:den>
+                                    <m:r>
+                                      <a:rPr lang="zh-CN" altLang="en-US" sz="1700" i="1">
+                                        <a:latin typeface="Cambria Math" panose="02040503050406030204" pitchFamily="18" charset="0"/>
+                                      </a:rPr>
+                                      <m:t>𝜂</m:t>
+                                    </m:r>
+                                    <m:r>
+                                      <a:rPr lang="en-US" altLang="zh-CN" sz="1700" i="1">
+                                        <a:latin typeface="Cambria Math" panose="02040503050406030204" pitchFamily="18" charset="0"/>
+                                      </a:rPr>
+                                      <m:t>+1</m:t>
+                                    </m:r>
+                                  </m:den>
+                                </m:f>
+                              </m:sup>
+                            </m:sSup>
+                            <m:r>
+                              <a:rPr lang="en-US" altLang="zh-CN" sz="1700" i="1">
+                                <a:latin typeface="Cambria Math" panose="02040503050406030204" pitchFamily="18" charset="0"/>
+                              </a:rPr>
+                              <m:t>, </m:t>
+                            </m:r>
+                            <m:sSub>
+                              <m:sSubPr>
+                                <m:ctrlPr>
+                                  <a:rPr lang="en-US" altLang="zh-CN" sz="1700" i="1">
+                                    <a:latin typeface="Cambria Math" panose="02040503050406030204" pitchFamily="18" charset="0"/>
+                                  </a:rPr>
+                                </m:ctrlPr>
+                              </m:sSubPr>
+                              <m:e>
+                                <m:r>
+                                  <a:rPr lang="en-US" altLang="zh-CN" sz="1700" i="1">
+                                    <a:latin typeface="Cambria Math" panose="02040503050406030204" pitchFamily="18" charset="0"/>
+                                  </a:rPr>
+                                  <m:t>𝑢</m:t>
+                                </m:r>
+                              </m:e>
+                              <m:sub>
+                                <m:r>
+                                  <a:rPr lang="en-US" altLang="zh-CN" sz="1700" i="1">
+                                    <a:latin typeface="Cambria Math" panose="02040503050406030204" pitchFamily="18" charset="0"/>
+                                  </a:rPr>
+                                  <m:t>𝑖</m:t>
+                                </m:r>
+                              </m:sub>
+                            </m:sSub>
+                            <m:r>
+                              <a:rPr lang="en-US" altLang="zh-CN" sz="1700" i="1">
+                                <a:latin typeface="Cambria Math" panose="02040503050406030204" pitchFamily="18" charset="0"/>
+                              </a:rPr>
+                              <m:t>&gt;0.5</m:t>
+                            </m:r>
+                          </m:e>
+                        </m:eqArr>
+                      </m:e>
+                    </m:d>
+                  </m:oMath>
+                </a14:m>
+                <a:endParaRPr lang="en-US" altLang="zh-CN" sz="1700" dirty="0" smtClean="0"/>
+              </a:p>
+              <a:p>
+                <a:r>
+                  <a:rPr lang="zh-CN" altLang="en-US" dirty="0" smtClean="0"/>
+                  <a:t>其中</a:t>
+                </a:r>
+                <a14:m>
+                  <m:oMath xmlns:m="http://schemas.openxmlformats.org/officeDocument/2006/math">
+                    <m:r>
+                      <a:rPr lang="en-US" altLang="zh-CN" b="0" i="0" smtClean="0">
+                        <a:latin typeface="Cambria Math" panose="02040503050406030204" pitchFamily="18" charset="0"/>
+                      </a:rPr>
+                      <m:t> </m:t>
+                    </m:r>
+                    <m:sSub>
+                      <m:sSubPr>
+                        <m:ctrlPr>
+                          <a:rPr lang="en-US" altLang="zh-CN" i="1">
+                            <a:latin typeface="Cambria Math" panose="02040503050406030204" pitchFamily="18" charset="0"/>
+                          </a:rPr>
+                        </m:ctrlPr>
+                      </m:sSubPr>
+                      <m:e>
+                        <m:r>
+                          <a:rPr lang="en-US" altLang="zh-CN" i="1">
+                            <a:latin typeface="Cambria Math" panose="02040503050406030204" pitchFamily="18" charset="0"/>
+                          </a:rPr>
+                          <m:t>𝑐</m:t>
+                        </m:r>
+                      </m:e>
+                      <m:sub>
+                        <m:r>
+                          <a:rPr lang="en-US" altLang="zh-CN" i="1">
+                            <a:latin typeface="Cambria Math" panose="02040503050406030204" pitchFamily="18" charset="0"/>
+                          </a:rPr>
+                          <m:t>𝑖</m:t>
+                        </m:r>
+                      </m:sub>
+                    </m:sSub>
+                    <m:r>
+                      <a:rPr lang="en-US" altLang="zh-CN" b="0" i="1">
+                        <a:latin typeface="Cambria Math" panose="02040503050406030204" pitchFamily="18" charset="0"/>
+                      </a:rPr>
+                      <m:t> </m:t>
+                    </m:r>
+                  </m:oMath>
+                </a14:m>
+                <a:r>
+                  <a:rPr lang="zh-CN" altLang="en-US" dirty="0" smtClean="0"/>
+                  <a:t>表示解的</a:t>
+                </a:r>
+                <a:r>
+                  <a:rPr lang="zh-CN" altLang="en-US" dirty="0"/>
+                  <a:t>第</a:t>
+                </a:r>
+                <a14:m>
+                  <m:oMath xmlns:m="http://schemas.openxmlformats.org/officeDocument/2006/math">
+                    <m:r>
+                      <a:rPr lang="en-US" altLang="zh-CN">
+                        <a:latin typeface="Cambria Math" panose="02040503050406030204" pitchFamily="18" charset="0"/>
+                      </a:rPr>
+                      <m:t> </m:t>
+                    </m:r>
+                    <m:r>
+                      <a:rPr lang="en-US" altLang="zh-CN" i="1">
+                        <a:latin typeface="Cambria Math" panose="02040503050406030204" pitchFamily="18" charset="0"/>
+                      </a:rPr>
+                      <m:t>𝑖</m:t>
+                    </m:r>
+                    <m:r>
+                      <a:rPr lang="en-US" altLang="zh-CN" i="1">
+                        <a:latin typeface="Cambria Math" panose="02040503050406030204" pitchFamily="18" charset="0"/>
+                      </a:rPr>
+                      <m:t> </m:t>
+                    </m:r>
+                  </m:oMath>
+                </a14:m>
+                <a:r>
+                  <a:rPr lang="zh-CN" altLang="en-US" dirty="0"/>
+                  <a:t>位决策变量的</a:t>
+                </a:r>
+                <a:r>
+                  <a:rPr lang="zh-CN" altLang="en-US" dirty="0" smtClean="0"/>
+                  <a:t>值，</a:t>
+                </a:r>
+                <a14:m>
+                  <m:oMath xmlns:m="http://schemas.openxmlformats.org/officeDocument/2006/math">
+                    <m:sSub>
+                      <m:sSubPr>
+                        <m:ctrlPr>
+                          <a:rPr lang="en-US" altLang="zh-CN" i="1">
+                            <a:latin typeface="Cambria Math" panose="02040503050406030204" pitchFamily="18" charset="0"/>
+                          </a:rPr>
+                        </m:ctrlPr>
+                      </m:sSubPr>
+                      <m:e>
+                        <m:r>
+                          <a:rPr lang="en-US" altLang="zh-CN" i="1">
+                            <a:latin typeface="Cambria Math" panose="02040503050406030204" pitchFamily="18" charset="0"/>
+                          </a:rPr>
+                          <m:t>𝑢</m:t>
+                        </m:r>
+                      </m:e>
+                      <m:sub>
+                        <m:r>
+                          <a:rPr lang="en-US" altLang="zh-CN" i="1">
+                            <a:latin typeface="Cambria Math" panose="02040503050406030204" pitchFamily="18" charset="0"/>
+                          </a:rPr>
+                          <m:t>𝑖</m:t>
+                        </m:r>
+                      </m:sub>
+                    </m:sSub>
+                    <m:r>
+                      <a:rPr lang="en-US" altLang="zh-CN" i="1">
+                        <a:latin typeface="Cambria Math" panose="02040503050406030204" pitchFamily="18" charset="0"/>
+                      </a:rPr>
+                      <m:t> </m:t>
+                    </m:r>
+                  </m:oMath>
+                </a14:m>
+                <a:r>
+                  <a:rPr lang="zh-CN" altLang="en-US" dirty="0"/>
+                  <a:t>是</a:t>
+                </a:r>
+                <a:r>
+                  <a:rPr lang="en-US" altLang="zh-CN" dirty="0"/>
+                  <a:t>[0,1]</a:t>
+                </a:r>
+                <a:r>
+                  <a:rPr lang="zh-CN" altLang="en-US" dirty="0"/>
+                  <a:t>内随机数，</a:t>
+                </a:r>
+                <a14:m>
+                  <m:oMath xmlns:m="http://schemas.openxmlformats.org/officeDocument/2006/math">
+                    <m:r>
+                      <a:rPr lang="zh-CN" altLang="en-US" i="1">
+                        <a:latin typeface="Cambria Math" panose="02040503050406030204" pitchFamily="18" charset="0"/>
+                      </a:rPr>
+                      <m:t>𝜂</m:t>
+                    </m:r>
+                    <m:r>
+                      <a:rPr lang="en-US" altLang="zh-CN" i="1">
+                        <a:latin typeface="Cambria Math" panose="02040503050406030204" pitchFamily="18" charset="0"/>
+                      </a:rPr>
+                      <m:t> </m:t>
+                    </m:r>
+                  </m:oMath>
+                </a14:m>
+                <a:r>
+                  <a:rPr lang="zh-CN" altLang="en-US" dirty="0"/>
+                  <a:t>是固定</a:t>
+                </a:r>
+                <a:r>
+                  <a:rPr lang="zh-CN" altLang="en-US" dirty="0" smtClean="0"/>
+                  <a:t>参数，</a:t>
+                </a:r>
+                <a14:m>
+                  <m:oMath xmlns:m="http://schemas.openxmlformats.org/officeDocument/2006/math">
+                    <m:sSub>
+                      <m:sSubPr>
+                        <m:ctrlPr>
+                          <a:rPr lang="en-US" altLang="zh-CN" i="1">
+                            <a:latin typeface="Cambria Math" panose="02040503050406030204" pitchFamily="18" charset="0"/>
+                          </a:rPr>
+                        </m:ctrlPr>
+                      </m:sSubPr>
+                      <m:e>
+                        <m:r>
+                          <a:rPr lang="en-US" altLang="zh-CN" i="1">
+                            <a:latin typeface="Cambria Math" panose="02040503050406030204" pitchFamily="18" charset="0"/>
+                          </a:rPr>
+                          <m:t>𝑢𝑝</m:t>
+                        </m:r>
+                      </m:e>
+                      <m:sub>
+                        <m:r>
+                          <a:rPr lang="en-US" altLang="zh-CN" i="1">
+                            <a:latin typeface="Cambria Math" panose="02040503050406030204" pitchFamily="18" charset="0"/>
+                          </a:rPr>
+                          <m:t>𝑖</m:t>
+                        </m:r>
+                      </m:sub>
+                    </m:sSub>
+                    <m:r>
+                      <a:rPr lang="en-US" altLang="zh-CN" b="0" i="1" smtClean="0">
+                        <a:latin typeface="Cambria Math" panose="02040503050406030204" pitchFamily="18" charset="0"/>
+                      </a:rPr>
+                      <m:t> </m:t>
+                    </m:r>
+                  </m:oMath>
+                </a14:m>
+                <a:r>
+                  <a:rPr lang="zh-CN" altLang="en-US" dirty="0" smtClean="0"/>
+                  <a:t>是第</a:t>
+                </a:r>
+                <a14:m>
+                  <m:oMath xmlns:m="http://schemas.openxmlformats.org/officeDocument/2006/math">
+                    <m:r>
+                      <a:rPr lang="en-US" altLang="zh-CN" i="1">
+                        <a:latin typeface="Cambria Math" panose="02040503050406030204" pitchFamily="18" charset="0"/>
+                      </a:rPr>
+                      <m:t>𝑖</m:t>
+                    </m:r>
+                    <m:r>
+                      <a:rPr lang="en-US" altLang="zh-CN" i="1">
+                        <a:latin typeface="Cambria Math" panose="02040503050406030204" pitchFamily="18" charset="0"/>
+                      </a:rPr>
+                      <m:t> </m:t>
+                    </m:r>
+                  </m:oMath>
+                </a14:m>
+                <a:r>
+                  <a:rPr lang="zh-CN" altLang="en-US" dirty="0"/>
+                  <a:t>位</a:t>
+                </a:r>
+                <a:r>
+                  <a:rPr lang="zh-CN" altLang="en-US" dirty="0" smtClean="0"/>
+                  <a:t>决策变量的最大可取值，</a:t>
+                </a:r>
+                <a14:m>
+                  <m:oMath xmlns:m="http://schemas.openxmlformats.org/officeDocument/2006/math">
+                    <m:sSub>
+                      <m:sSubPr>
+                        <m:ctrlPr>
+                          <a:rPr lang="en-US" altLang="zh-CN" i="1">
+                            <a:latin typeface="Cambria Math" panose="02040503050406030204" pitchFamily="18" charset="0"/>
+                          </a:rPr>
+                        </m:ctrlPr>
+                      </m:sSubPr>
+                      <m:e>
+                        <m:r>
+                          <a:rPr lang="en-US" altLang="zh-CN" b="0" i="1" smtClean="0">
+                            <a:latin typeface="Cambria Math" panose="02040503050406030204" pitchFamily="18" charset="0"/>
+                          </a:rPr>
+                          <m:t>𝑙𝑜𝑤</m:t>
+                        </m:r>
+                      </m:e>
+                      <m:sub>
+                        <m:r>
+                          <a:rPr lang="en-US" altLang="zh-CN" i="1">
+                            <a:latin typeface="Cambria Math" panose="02040503050406030204" pitchFamily="18" charset="0"/>
+                          </a:rPr>
+                          <m:t>𝑖</m:t>
+                        </m:r>
+                      </m:sub>
+                    </m:sSub>
+                    <m:r>
+                      <a:rPr lang="en-US" altLang="zh-CN" i="1">
+                        <a:latin typeface="Cambria Math" panose="02040503050406030204" pitchFamily="18" charset="0"/>
+                      </a:rPr>
+                      <m:t> </m:t>
+                    </m:r>
+                  </m:oMath>
+                </a14:m>
+                <a:r>
+                  <a:rPr lang="zh-CN" altLang="en-US" dirty="0"/>
+                  <a:t>是第</a:t>
+                </a:r>
+                <a14:m>
+                  <m:oMath xmlns:m="http://schemas.openxmlformats.org/officeDocument/2006/math">
+                    <m:r>
+                      <a:rPr lang="en-US" altLang="zh-CN" i="1">
+                        <a:latin typeface="Cambria Math" panose="02040503050406030204" pitchFamily="18" charset="0"/>
+                      </a:rPr>
+                      <m:t>𝑖</m:t>
+                    </m:r>
+                    <m:r>
+                      <a:rPr lang="en-US" altLang="zh-CN" i="1">
+                        <a:latin typeface="Cambria Math" panose="02040503050406030204" pitchFamily="18" charset="0"/>
+                      </a:rPr>
+                      <m:t> </m:t>
+                    </m:r>
+                  </m:oMath>
+                </a14:m>
+                <a:r>
+                  <a:rPr lang="zh-CN" altLang="en-US" dirty="0"/>
+                  <a:t>位决策变量的</a:t>
+                </a:r>
+                <a:r>
+                  <a:rPr lang="zh-CN" altLang="en-US" dirty="0" smtClean="0"/>
+                  <a:t>最小可</a:t>
+                </a:r>
+                <a:r>
+                  <a:rPr lang="zh-CN" altLang="en-US" dirty="0"/>
+                  <a:t>取值</a:t>
+                </a:r>
+                <a:endParaRPr lang="en-US" altLang="zh-CN" dirty="0"/>
+              </a:p>
+            </p:txBody>
+          </p:sp>
+        </mc:Choice>
+        <mc:Fallback xmlns="">
+          <p:sp>
+            <p:nvSpPr>
+              <p:cNvPr id="3" name="文本占位符 2"/>
+              <p:cNvSpPr>
+                <a:spLocks noGrp="1" noRot="1" noChangeAspect="1" noMove="1" noResize="1" noEditPoints="1" noAdjustHandles="1" noChangeArrowheads="1" noChangeShapeType="1" noTextEdit="1"/>
+              </p:cNvSpPr>
+              <p:nvPr>
+                <p:ph type="body" sz="quarter" idx="11"/>
+              </p:nvPr>
+            </p:nvSpPr>
+            <p:spPr>
+              <a:blipFill rotWithShape="0">
+                <a:blip r:embed="rId2"/>
+                <a:stretch>
+                  <a:fillRect l="-1249" t="-1107" r="-1338"/>
+                </a:stretch>
+              </a:blipFill>
+            </p:spPr>
+            <p:txBody>
+              <a:bodyPr/>
+              <a:lstStyle/>
+              <a:p>
+                <a:r>
+                  <a:rPr lang="zh-CN" altLang="en-US">
+                    <a:noFill/>
+                  </a:rPr>
+                  <a:t> </a:t>
+                </a:r>
+              </a:p>
+            </p:txBody>
+          </p:sp>
+        </mc:Fallback>
+      </mc:AlternateContent>
+      <p:sp>
+        <p:nvSpPr>
+          <p:cNvPr id="4" name="矩形 3"/>
+          <p:cNvSpPr/>
+          <p:nvPr/>
+        </p:nvSpPr>
+        <p:spPr>
+          <a:xfrm>
+            <a:off x="2189059" y="1412820"/>
+            <a:ext cx="2914307" cy="381000"/>
+          </a:xfrm>
+          <a:prstGeom prst="rect">
+            <a:avLst/>
+          </a:prstGeom>
+        </p:spPr>
+        <p:style>
+          <a:lnRef idx="2">
+            <a:schemeClr val="accent1">
+              <a:shade val="50000"/>
+            </a:schemeClr>
+          </a:lnRef>
+          <a:fillRef idx="1">
+            <a:schemeClr val="accent1"/>
+          </a:fillRef>
+          <a:effectRef idx="0">
+            <a:schemeClr val="accent1"/>
+          </a:effectRef>
+          <a:fontRef idx="minor">
+            <a:schemeClr val="lt1"/>
+          </a:fontRef>
+        </p:style>
+        <p:txBody>
+          <a:bodyPr rtlCol="0" anchor="ctr"/>
+          <a:lstStyle/>
+          <a:p>
+            <a:pPr algn="ctr"/>
+            <a:endParaRPr lang="zh-CN" altLang="en-US"/>
+          </a:p>
+        </p:txBody>
+      </p:sp>
+      <p:sp>
+        <p:nvSpPr>
+          <p:cNvPr id="8" name="文本框 7"/>
+          <p:cNvSpPr txBox="1"/>
+          <p:nvPr/>
+        </p:nvSpPr>
+        <p:spPr>
+          <a:xfrm>
+            <a:off x="2064333" y="962591"/>
+            <a:ext cx="1159217" cy="400110"/>
+          </a:xfrm>
+          <a:prstGeom prst="rect">
+            <a:avLst/>
+          </a:prstGeom>
+          <a:noFill/>
+        </p:spPr>
+        <p:txBody>
+          <a:bodyPr wrap="square" rtlCol="0" anchor="ctr">
+            <a:spAutoFit/>
+          </a:bodyPr>
+          <a:lstStyle/>
+          <a:p>
+            <a:r>
+              <a:rPr lang="zh-CN" altLang="en-US" sz="2000" dirty="0" smtClean="0">
+                <a:solidFill>
+                  <a:schemeClr val="accent5">
+                    <a:lumMod val="75000"/>
+                  </a:schemeClr>
+                </a:solidFill>
+                <a:latin typeface="幼圆" panose="02010509060101010101" pitchFamily="49" charset="-122"/>
+                <a:ea typeface="幼圆" panose="02010509060101010101" pitchFamily="49" charset="-122"/>
+              </a:rPr>
+              <a:t>变异前</a:t>
+            </a:r>
+            <a:endParaRPr lang="zh-CN" altLang="en-US" sz="2000" dirty="0">
+              <a:solidFill>
+                <a:schemeClr val="accent5">
+                  <a:lumMod val="75000"/>
+                </a:schemeClr>
+              </a:solidFill>
+              <a:latin typeface="幼圆" panose="02010509060101010101" pitchFamily="49" charset="-122"/>
+              <a:ea typeface="幼圆" panose="02010509060101010101" pitchFamily="49" charset="-122"/>
+            </a:endParaRPr>
+          </a:p>
+        </p:txBody>
+      </p:sp>
+      <p:sp>
+        <p:nvSpPr>
+          <p:cNvPr id="9" name="文本框 8"/>
+          <p:cNvSpPr txBox="1"/>
+          <p:nvPr/>
+        </p:nvSpPr>
+        <p:spPr>
+          <a:xfrm>
+            <a:off x="5892429" y="968077"/>
+            <a:ext cx="1159217" cy="400110"/>
+          </a:xfrm>
+          <a:prstGeom prst="rect">
+            <a:avLst/>
+          </a:prstGeom>
+          <a:noFill/>
+        </p:spPr>
+        <p:txBody>
+          <a:bodyPr wrap="square" rtlCol="0" anchor="ctr">
+            <a:spAutoFit/>
+          </a:bodyPr>
+          <a:lstStyle/>
+          <a:p>
+            <a:r>
+              <a:rPr lang="zh-CN" altLang="en-US" sz="2000" dirty="0" smtClean="0">
+                <a:solidFill>
+                  <a:schemeClr val="accent5">
+                    <a:lumMod val="75000"/>
+                  </a:schemeClr>
+                </a:solidFill>
+                <a:latin typeface="幼圆" panose="02010509060101010101" pitchFamily="49" charset="-122"/>
+                <a:ea typeface="幼圆" panose="02010509060101010101" pitchFamily="49" charset="-122"/>
+              </a:rPr>
+              <a:t>变异后</a:t>
+            </a:r>
+            <a:endParaRPr lang="zh-CN" altLang="en-US" sz="2000" dirty="0">
+              <a:solidFill>
+                <a:schemeClr val="accent5">
+                  <a:lumMod val="75000"/>
+                </a:schemeClr>
+              </a:solidFill>
+              <a:latin typeface="幼圆" panose="02010509060101010101" pitchFamily="49" charset="-122"/>
+              <a:ea typeface="幼圆" panose="02010509060101010101" pitchFamily="49" charset="-122"/>
+            </a:endParaRPr>
+          </a:p>
+        </p:txBody>
+      </p:sp>
+      <p:sp>
+        <p:nvSpPr>
+          <p:cNvPr id="10" name="右箭头 9"/>
+          <p:cNvSpPr/>
+          <p:nvPr/>
+        </p:nvSpPr>
+        <p:spPr>
+          <a:xfrm>
+            <a:off x="5275774" y="1462061"/>
+            <a:ext cx="570367" cy="282518"/>
+          </a:xfrm>
+          <a:prstGeom prst="rightArrow">
+            <a:avLst/>
+          </a:prstGeom>
+          <a:ln>
+            <a:noFill/>
+          </a:ln>
+        </p:spPr>
+        <p:style>
+          <a:lnRef idx="2">
+            <a:schemeClr val="accent1">
+              <a:shade val="50000"/>
+            </a:schemeClr>
+          </a:lnRef>
+          <a:fillRef idx="1">
+            <a:schemeClr val="accent1"/>
+          </a:fillRef>
+          <a:effectRef idx="0">
+            <a:schemeClr val="accent1"/>
+          </a:effectRef>
+          <a:fontRef idx="minor">
+            <a:schemeClr val="lt1"/>
+          </a:fontRef>
+        </p:style>
+        <p:txBody>
+          <a:bodyPr rtlCol="0" anchor="ctr"/>
+          <a:lstStyle/>
+          <a:p>
+            <a:pPr algn="ctr"/>
+            <a:endParaRPr lang="zh-CN" altLang="en-US"/>
+          </a:p>
+        </p:txBody>
+      </p:sp>
+      <p:sp>
+        <p:nvSpPr>
+          <p:cNvPr id="11" name="矩形 10"/>
+          <p:cNvSpPr/>
+          <p:nvPr/>
+        </p:nvSpPr>
+        <p:spPr>
+          <a:xfrm>
+            <a:off x="6018549" y="1407102"/>
+            <a:ext cx="2914307" cy="381000"/>
+          </a:xfrm>
+          <a:prstGeom prst="rect">
+            <a:avLst/>
+          </a:prstGeom>
+        </p:spPr>
+        <p:style>
+          <a:lnRef idx="2">
+            <a:schemeClr val="accent1">
+              <a:shade val="50000"/>
+            </a:schemeClr>
+          </a:lnRef>
+          <a:fillRef idx="1">
+            <a:schemeClr val="accent1"/>
+          </a:fillRef>
+          <a:effectRef idx="0">
+            <a:schemeClr val="accent1"/>
+          </a:effectRef>
+          <a:fontRef idx="minor">
+            <a:schemeClr val="lt1"/>
+          </a:fontRef>
+        </p:style>
+        <p:txBody>
+          <a:bodyPr rtlCol="0" anchor="ctr"/>
+          <a:lstStyle/>
+          <a:p>
+            <a:pPr algn="ctr"/>
+            <a:endParaRPr lang="zh-CN" altLang="en-US"/>
+          </a:p>
+        </p:txBody>
+      </p:sp>
+      <p:sp>
+        <p:nvSpPr>
+          <p:cNvPr id="12" name="矩形 11"/>
+          <p:cNvSpPr/>
+          <p:nvPr/>
+        </p:nvSpPr>
+        <p:spPr>
+          <a:xfrm>
+            <a:off x="6855042" y="1407102"/>
+            <a:ext cx="393207" cy="381000"/>
+          </a:xfrm>
+          <a:prstGeom prst="rect">
+            <a:avLst/>
+          </a:prstGeom>
+          <a:solidFill>
+            <a:schemeClr val="accent2">
+              <a:lumMod val="75000"/>
+            </a:schemeClr>
+          </a:solidFill>
+          <a:ln>
+            <a:solidFill>
+              <a:schemeClr val="accent2">
+                <a:lumMod val="50000"/>
+              </a:schemeClr>
+            </a:solidFill>
+          </a:ln>
+        </p:spPr>
+        <p:style>
+          <a:lnRef idx="2">
+            <a:schemeClr val="accent1">
+              <a:shade val="50000"/>
+            </a:schemeClr>
+          </a:lnRef>
+          <a:fillRef idx="1">
+            <a:schemeClr val="accent1"/>
+          </a:fillRef>
+          <a:effectRef idx="0">
+            <a:schemeClr val="accent1"/>
+          </a:effectRef>
+          <a:fontRef idx="minor">
+            <a:schemeClr val="lt1"/>
+          </a:fontRef>
+        </p:style>
+        <p:txBody>
+          <a:bodyPr rtlCol="0" anchor="ctr"/>
+          <a:lstStyle/>
+          <a:p>
+            <a:pPr algn="ctr"/>
+            <a:endParaRPr lang="zh-CN" altLang="en-US" sz="2400"/>
+          </a:p>
+        </p:txBody>
+      </p:sp>
+      <p:sp>
+        <p:nvSpPr>
+          <p:cNvPr id="13" name="矩形 12"/>
+          <p:cNvSpPr/>
+          <p:nvPr/>
+        </p:nvSpPr>
+        <p:spPr>
+          <a:xfrm>
+            <a:off x="8539649" y="1410663"/>
+            <a:ext cx="393207" cy="381000"/>
+          </a:xfrm>
+          <a:prstGeom prst="rect">
+            <a:avLst/>
+          </a:prstGeom>
+          <a:solidFill>
+            <a:schemeClr val="accent2">
+              <a:lumMod val="75000"/>
+            </a:schemeClr>
+          </a:solidFill>
+          <a:ln>
+            <a:solidFill>
+              <a:schemeClr val="accent2">
+                <a:lumMod val="50000"/>
+              </a:schemeClr>
+            </a:solidFill>
+          </a:ln>
+        </p:spPr>
+        <p:style>
+          <a:lnRef idx="2">
+            <a:schemeClr val="accent1">
+              <a:shade val="50000"/>
+            </a:schemeClr>
+          </a:lnRef>
+          <a:fillRef idx="1">
+            <a:schemeClr val="accent1"/>
+          </a:fillRef>
+          <a:effectRef idx="0">
+            <a:schemeClr val="accent1"/>
+          </a:effectRef>
+          <a:fontRef idx="minor">
+            <a:schemeClr val="lt1"/>
+          </a:fontRef>
+        </p:style>
+        <p:txBody>
+          <a:bodyPr rtlCol="0" anchor="ctr"/>
+          <a:lstStyle/>
+          <a:p>
+            <a:pPr algn="ctr"/>
+            <a:endParaRPr lang="zh-CN" altLang="en-US" sz="2400"/>
+          </a:p>
+        </p:txBody>
+      </p:sp>
+    </p:spTree>
+    <p:extLst>
+      <p:ext uri="{BB962C8B-B14F-4D97-AF65-F5344CB8AC3E}">
+        <p14:creationId xmlns:p14="http://schemas.microsoft.com/office/powerpoint/2010/main" val="3060116983"/>
+      </p:ext>
+    </p:extLst>
+  </p:cSld>
+  <p:clrMapOvr>
+    <a:masterClrMapping/>
+  </p:clrMapOvr>
+</p:sld>
+</file>
+
 <file path=ppt/slides/slide4.xml><?xml version="1.0" encoding="utf-8"?>
 <p:sld xmlns:a="http://schemas.openxmlformats.org/drawingml/2006/main" xmlns:r="http://schemas.openxmlformats.org/officeDocument/2006/relationships" xmlns:p="http://schemas.openxmlformats.org/presentationml/2006/main">
   <p:cSld>
